--- a/DBMS – Esercizi.pptx
+++ b/DBMS – Esercizi.pptx
@@ -16,6 +16,7 @@
     <p:sldId id="1032" r:id="rId10"/>
     <p:sldId id="1033" r:id="rId11"/>
     <p:sldId id="1034" r:id="rId12"/>
+    <p:sldId id="1035" r:id="rId13"/>
   </p:sldIdLst>
   <p:sldSz cx="12192000" cy="6858000"/>
   <p:notesSz cx="6858000" cy="9144000"/>
@@ -3632,6 +3633,324 @@
 </p:sld>
 </file>
 
+<file path=ppt/slides/slide12.xml><?xml version="1.0" encoding="utf-8"?>
+<p:sld xmlns:a="http://schemas.openxmlformats.org/drawingml/2006/main" xmlns:r="http://schemas.openxmlformats.org/officeDocument/2006/relationships" xmlns:p="http://schemas.openxmlformats.org/presentationml/2006/main">
+  <p:cSld>
+    <p:spTree>
+      <p:nvGrpSpPr>
+        <p:cNvPr id="1" name=""/>
+        <p:cNvGrpSpPr/>
+        <p:nvPr/>
+      </p:nvGrpSpPr>
+      <p:grpSpPr>
+        <a:xfrm>
+          <a:off x="0" y="0"/>
+          <a:ext cx="0" cy="0"/>
+          <a:chOff x="0" y="0"/>
+          <a:chExt cx="0" cy="0"/>
+        </a:xfrm>
+      </p:grpSpPr>
+      <p:sp>
+        <p:nvSpPr>
+          <p:cNvPr id="2" name="Titolo 1">
+            <a:extLst>
+              <a:ext uri="{FF2B5EF4-FFF2-40B4-BE49-F238E27FC236}">
+                <a16:creationId xmlns:a16="http://schemas.microsoft.com/office/drawing/2014/main" id="{C1AA73B4-9615-42E2-1C99-42FB33A33D41}"/>
+              </a:ext>
+            </a:extLst>
+          </p:cNvPr>
+          <p:cNvSpPr>
+            <a:spLocks noGrp="1"/>
+          </p:cNvSpPr>
+          <p:nvPr>
+            <p:ph type="title"/>
+          </p:nvPr>
+        </p:nvSpPr>
+        <p:spPr/>
+        <p:txBody>
+          <a:bodyPr/>
+          <a:lstStyle/>
+          <a:p>
+            <a:r>
+              <a:rPr lang="it-IT" dirty="0"/>
+              <a:t>Vendita piante – Progetto concettuale</a:t>
+            </a:r>
+          </a:p>
+        </p:txBody>
+      </p:sp>
+      <p:sp>
+        <p:nvSpPr>
+          <p:cNvPr id="5" name="Rettangolo 4">
+            <a:extLst>
+              <a:ext uri="{FF2B5EF4-FFF2-40B4-BE49-F238E27FC236}">
+                <a16:creationId xmlns:a16="http://schemas.microsoft.com/office/drawing/2014/main" id="{35AAEE1D-7FF8-6D2B-D1BF-F16382F435AD}"/>
+              </a:ext>
+            </a:extLst>
+          </p:cNvPr>
+          <p:cNvSpPr/>
+          <p:nvPr/>
+        </p:nvSpPr>
+        <p:spPr>
+          <a:xfrm>
+            <a:off x="2640373" y="4518184"/>
+            <a:ext cx="2157274" cy="1091953"/>
+          </a:xfrm>
+          <a:prstGeom prst="rect">
+            <a:avLst/>
+          </a:prstGeom>
+        </p:spPr>
+        <p:style>
+          <a:lnRef idx="2">
+            <a:schemeClr val="dk1"/>
+          </a:lnRef>
+          <a:fillRef idx="1">
+            <a:schemeClr val="lt1"/>
+          </a:fillRef>
+          <a:effectRef idx="0">
+            <a:schemeClr val="dk1"/>
+          </a:effectRef>
+          <a:fontRef idx="minor">
+            <a:schemeClr val="dk1"/>
+          </a:fontRef>
+        </p:style>
+        <p:txBody>
+          <a:bodyPr rtlCol="0" anchor="ctr"/>
+          <a:lstStyle/>
+          <a:p>
+            <a:pPr algn="ctr"/>
+            <a:r>
+              <a:rPr lang="it-IT" dirty="0"/>
+              <a:t>PRIVATO</a:t>
+            </a:r>
+          </a:p>
+        </p:txBody>
+      </p:sp>
+      <p:sp>
+        <p:nvSpPr>
+          <p:cNvPr id="6" name="Rettangolo 5">
+            <a:extLst>
+              <a:ext uri="{FF2B5EF4-FFF2-40B4-BE49-F238E27FC236}">
+                <a16:creationId xmlns:a16="http://schemas.microsoft.com/office/drawing/2014/main" id="{06C2F57B-3EB6-AB7F-2E90-42FBC9755506}"/>
+              </a:ext>
+            </a:extLst>
+          </p:cNvPr>
+          <p:cNvSpPr/>
+          <p:nvPr/>
+        </p:nvSpPr>
+        <p:spPr>
+          <a:xfrm>
+            <a:off x="7564711" y="4518184"/>
+            <a:ext cx="2157274" cy="1091953"/>
+          </a:xfrm>
+          <a:prstGeom prst="rect">
+            <a:avLst/>
+          </a:prstGeom>
+        </p:spPr>
+        <p:style>
+          <a:lnRef idx="2">
+            <a:schemeClr val="dk1"/>
+          </a:lnRef>
+          <a:fillRef idx="1">
+            <a:schemeClr val="lt1"/>
+          </a:fillRef>
+          <a:effectRef idx="0">
+            <a:schemeClr val="dk1"/>
+          </a:effectRef>
+          <a:fontRef idx="minor">
+            <a:schemeClr val="dk1"/>
+          </a:fontRef>
+        </p:style>
+        <p:txBody>
+          <a:bodyPr rtlCol="0" anchor="ctr"/>
+          <a:lstStyle/>
+          <a:p>
+            <a:pPr algn="ctr"/>
+            <a:r>
+              <a:rPr lang="it-IT" dirty="0"/>
+              <a:t>RIVENDITA</a:t>
+            </a:r>
+          </a:p>
+        </p:txBody>
+      </p:sp>
+      <p:sp>
+        <p:nvSpPr>
+          <p:cNvPr id="7" name="Rettangolo 6">
+            <a:extLst>
+              <a:ext uri="{FF2B5EF4-FFF2-40B4-BE49-F238E27FC236}">
+                <a16:creationId xmlns:a16="http://schemas.microsoft.com/office/drawing/2014/main" id="{19745D27-B0FC-6C13-68EF-93E83ABC1F62}"/>
+              </a:ext>
+            </a:extLst>
+          </p:cNvPr>
+          <p:cNvSpPr/>
+          <p:nvPr/>
+        </p:nvSpPr>
+        <p:spPr>
+          <a:xfrm>
+            <a:off x="4950251" y="2200569"/>
+            <a:ext cx="2157274" cy="1091953"/>
+          </a:xfrm>
+          <a:prstGeom prst="rect">
+            <a:avLst/>
+          </a:prstGeom>
+        </p:spPr>
+        <p:style>
+          <a:lnRef idx="2">
+            <a:schemeClr val="dk1"/>
+          </a:lnRef>
+          <a:fillRef idx="1">
+            <a:schemeClr val="lt1"/>
+          </a:fillRef>
+          <a:effectRef idx="0">
+            <a:schemeClr val="dk1"/>
+          </a:effectRef>
+          <a:fontRef idx="minor">
+            <a:schemeClr val="dk1"/>
+          </a:fontRef>
+        </p:style>
+        <p:txBody>
+          <a:bodyPr rtlCol="0" anchor="ctr"/>
+          <a:lstStyle/>
+          <a:p>
+            <a:pPr algn="ctr"/>
+            <a:r>
+              <a:rPr lang="it-IT" dirty="0"/>
+              <a:t>CLIENTE</a:t>
+            </a:r>
+          </a:p>
+        </p:txBody>
+      </p:sp>
+      <p:cxnSp>
+        <p:nvCxnSpPr>
+          <p:cNvPr id="9" name="Connettore a gomito 8">
+            <a:extLst>
+              <a:ext uri="{FF2B5EF4-FFF2-40B4-BE49-F238E27FC236}">
+                <a16:creationId xmlns:a16="http://schemas.microsoft.com/office/drawing/2014/main" id="{E3A738F9-D6AA-EE4D-E9A0-FF2548A5688B}"/>
+              </a:ext>
+            </a:extLst>
+          </p:cNvPr>
+          <p:cNvCxnSpPr>
+            <a:stCxn id="5" idx="0"/>
+            <a:endCxn id="6" idx="0"/>
+          </p:cNvCxnSpPr>
+          <p:nvPr/>
+        </p:nvCxnSpPr>
+        <p:spPr>
+          <a:xfrm rot="5400000" flipH="1" flipV="1">
+            <a:off x="6181179" y="2056015"/>
+            <a:ext cx="12700" cy="4924338"/>
+          </a:xfrm>
+          <a:prstGeom prst="bentConnector3">
+            <a:avLst>
+              <a:gd name="adj1" fmla="val 5102748"/>
+            </a:avLst>
+          </a:prstGeom>
+          <a:ln w="28575"/>
+        </p:spPr>
+        <p:style>
+          <a:lnRef idx="1">
+            <a:schemeClr val="dk1"/>
+          </a:lnRef>
+          <a:fillRef idx="0">
+            <a:schemeClr val="dk1"/>
+          </a:fillRef>
+          <a:effectRef idx="0">
+            <a:schemeClr val="dk1"/>
+          </a:effectRef>
+          <a:fontRef idx="minor">
+            <a:schemeClr val="tx1"/>
+          </a:fontRef>
+        </p:style>
+      </p:cxnSp>
+      <p:cxnSp>
+        <p:nvCxnSpPr>
+          <p:cNvPr id="12" name="Connettore 2 11">
+            <a:extLst>
+              <a:ext uri="{FF2B5EF4-FFF2-40B4-BE49-F238E27FC236}">
+                <a16:creationId xmlns:a16="http://schemas.microsoft.com/office/drawing/2014/main" id="{2B884406-83BF-ADB6-4D3E-62DC2AEF77EE}"/>
+              </a:ext>
+            </a:extLst>
+          </p:cNvPr>
+          <p:cNvCxnSpPr>
+            <a:cxnSpLocks/>
+            <a:endCxn id="7" idx="2"/>
+          </p:cNvCxnSpPr>
+          <p:nvPr/>
+        </p:nvCxnSpPr>
+        <p:spPr>
+          <a:xfrm flipV="1">
+            <a:off x="6028888" y="3292522"/>
+            <a:ext cx="0" cy="580734"/>
+          </a:xfrm>
+          <a:prstGeom prst="straightConnector1">
+            <a:avLst/>
+          </a:prstGeom>
+          <a:ln w="28575">
+            <a:tailEnd type="triangle"/>
+          </a:ln>
+        </p:spPr>
+        <p:style>
+          <a:lnRef idx="1">
+            <a:schemeClr val="dk1"/>
+          </a:lnRef>
+          <a:fillRef idx="0">
+            <a:schemeClr val="dk1"/>
+          </a:fillRef>
+          <a:effectRef idx="0">
+            <a:schemeClr val="dk1"/>
+          </a:effectRef>
+          <a:fontRef idx="minor">
+            <a:schemeClr val="tx1"/>
+          </a:fontRef>
+        </p:style>
+      </p:cxnSp>
+      <p:sp>
+        <p:nvSpPr>
+          <p:cNvPr id="15" name="CasellaDiTesto 14">
+            <a:extLst>
+              <a:ext uri="{FF2B5EF4-FFF2-40B4-BE49-F238E27FC236}">
+                <a16:creationId xmlns:a16="http://schemas.microsoft.com/office/drawing/2014/main" id="{A827BB6D-E32D-521E-510F-350949BD9987}"/>
+              </a:ext>
+            </a:extLst>
+          </p:cNvPr>
+          <p:cNvSpPr txBox="1"/>
+          <p:nvPr/>
+        </p:nvSpPr>
+        <p:spPr>
+          <a:xfrm>
+            <a:off x="6028888" y="3565479"/>
+            <a:ext cx="749415" cy="307777"/>
+          </a:xfrm>
+          <a:prstGeom prst="rect">
+            <a:avLst/>
+          </a:prstGeom>
+          <a:noFill/>
+        </p:spPr>
+        <p:txBody>
+          <a:bodyPr wrap="square" rtlCol="0">
+            <a:spAutoFit/>
+          </a:bodyPr>
+          <a:lstStyle/>
+          <a:p>
+            <a:r>
+              <a:rPr lang="it-IT" sz="1400" dirty="0"/>
+              <a:t>(t, e)</a:t>
+            </a:r>
+          </a:p>
+        </p:txBody>
+      </p:sp>
+    </p:spTree>
+    <p:extLst>
+      <p:ext uri="{BB962C8B-B14F-4D97-AF65-F5344CB8AC3E}">
+        <p14:creationId xmlns:p14="http://schemas.microsoft.com/office/powerpoint/2010/main" val="1734725044"/>
+      </p:ext>
+    </p:extLst>
+  </p:cSld>
+  <p:clrMapOvr>
+    <a:masterClrMapping/>
+  </p:clrMapOvr>
+</p:sld>
+</file>
+
 <file path=ppt/slides/slide2.xml><?xml version="1.0" encoding="utf-8"?>
 <p:sld xmlns:a="http://schemas.openxmlformats.org/drawingml/2006/main" xmlns:r="http://schemas.openxmlformats.org/officeDocument/2006/relationships" xmlns:p="http://schemas.openxmlformats.org/presentationml/2006/main">
   <p:cSld>

--- a/DBMS – Esercizi.pptx
+++ b/DBMS – Esercizi.pptx
@@ -19,6 +19,11 @@
     <p:sldId id="1035" r:id="rId13"/>
     <p:sldId id="1037" r:id="rId14"/>
     <p:sldId id="1036" r:id="rId15"/>
+    <p:sldId id="1038" r:id="rId16"/>
+    <p:sldId id="1039" r:id="rId17"/>
+    <p:sldId id="1040" r:id="rId18"/>
+    <p:sldId id="1041" r:id="rId19"/>
+    <p:sldId id="1042" r:id="rId20"/>
   </p:sldIdLst>
   <p:sldSz cx="12192000" cy="6858000"/>
   <p:notesSz cx="6858000" cy="9144000"/>
@@ -4296,10 +4301,10 @@
         </p:nvGrpSpPr>
         <p:grpSpPr>
           <a:xfrm>
-            <a:off x="1740680" y="3763514"/>
-            <a:ext cx="1521950" cy="369332"/>
+            <a:off x="1028700" y="3763514"/>
+            <a:ext cx="2233930" cy="646331"/>
             <a:chOff x="1211062" y="2152381"/>
-            <a:chExt cx="1521950" cy="369332"/>
+            <a:chExt cx="1521950" cy="646331"/>
           </a:xfrm>
         </p:grpSpPr>
         <p:sp>
@@ -4361,7 +4366,7 @@
           <p:spPr>
             <a:xfrm>
               <a:off x="1211062" y="2152381"/>
-              <a:ext cx="1377950" cy="369332"/>
+              <a:ext cx="1377950" cy="646331"/>
             </a:xfrm>
             <a:prstGeom prst="rect">
               <a:avLst/>
@@ -4376,9 +4381,10 @@
             <a:p>
               <a:pPr algn="r"/>
               <a:r>
-                <a:rPr lang="it-IT" dirty="0"/>
-                <a:t>green</a:t>
+                <a:rPr lang="it-IT" dirty="0" err="1"/>
+                <a:t>tipo_green_flowered</a:t>
               </a:r>
+              <a:endParaRPr lang="it-IT" dirty="0"/>
             </a:p>
           </p:txBody>
         </p:sp>
@@ -5440,7 +5446,10 @@
           <a:bodyPr/>
           <a:lstStyle/>
           <a:p>
-            <a:endParaRPr lang="it-IT"/>
+            <a:r>
+              <a:rPr lang="it-IT" dirty="0"/>
+              <a:t>Schema E/R</a:t>
+            </a:r>
           </a:p>
         </p:txBody>
       </p:sp>
@@ -14486,6 +14495,7023 @@
       <p:bldP spid="288" grpId="0" animBg="1"/>
     </p:bldLst>
   </p:timing>
+</p:sld>
+</file>
+
+<file path=ppt/slides/slide15.xml><?xml version="1.0" encoding="utf-8"?>
+<p:sld xmlns:a="http://schemas.openxmlformats.org/drawingml/2006/main" xmlns:r="http://schemas.openxmlformats.org/officeDocument/2006/relationships" xmlns:p="http://schemas.openxmlformats.org/presentationml/2006/main">
+  <p:cSld>
+    <p:spTree>
+      <p:nvGrpSpPr>
+        <p:cNvPr id="1" name=""/>
+        <p:cNvGrpSpPr/>
+        <p:nvPr/>
+      </p:nvGrpSpPr>
+      <p:grpSpPr>
+        <a:xfrm>
+          <a:off x="0" y="0"/>
+          <a:ext cx="0" cy="0"/>
+          <a:chOff x="0" y="0"/>
+          <a:chExt cx="0" cy="0"/>
+        </a:xfrm>
+      </p:grpSpPr>
+      <p:sp>
+        <p:nvSpPr>
+          <p:cNvPr id="2" name="Titolo 1">
+            <a:extLst>
+              <a:ext uri="{FF2B5EF4-FFF2-40B4-BE49-F238E27FC236}">
+                <a16:creationId xmlns:a16="http://schemas.microsoft.com/office/drawing/2014/main" id="{2D781443-FA44-03F9-1765-57740F7ECC88}"/>
+              </a:ext>
+            </a:extLst>
+          </p:cNvPr>
+          <p:cNvSpPr>
+            <a:spLocks noGrp="1"/>
+          </p:cNvSpPr>
+          <p:nvPr>
+            <p:ph type="title"/>
+          </p:nvPr>
+        </p:nvSpPr>
+        <p:spPr/>
+        <p:txBody>
+          <a:bodyPr/>
+          <a:lstStyle/>
+          <a:p>
+            <a:r>
+              <a:rPr lang="it-IT" dirty="0"/>
+              <a:t>Progettazione Logica – Gerarchia – Collasso verso il basso</a:t>
+            </a:r>
+          </a:p>
+        </p:txBody>
+      </p:sp>
+      <p:sp>
+        <p:nvSpPr>
+          <p:cNvPr id="4" name="Rettangolo 3">
+            <a:extLst>
+              <a:ext uri="{FF2B5EF4-FFF2-40B4-BE49-F238E27FC236}">
+                <a16:creationId xmlns:a16="http://schemas.microsoft.com/office/drawing/2014/main" id="{35F6E2B4-23C9-3EB9-D5AA-533F0830C434}"/>
+              </a:ext>
+            </a:extLst>
+          </p:cNvPr>
+          <p:cNvSpPr/>
+          <p:nvPr/>
+        </p:nvSpPr>
+        <p:spPr>
+          <a:xfrm>
+            <a:off x="3979815" y="3937247"/>
+            <a:ext cx="1235341" cy="750102"/>
+          </a:xfrm>
+          <a:prstGeom prst="rect">
+            <a:avLst/>
+          </a:prstGeom>
+        </p:spPr>
+        <p:style>
+          <a:lnRef idx="2">
+            <a:schemeClr val="dk1"/>
+          </a:lnRef>
+          <a:fillRef idx="1">
+            <a:schemeClr val="lt1"/>
+          </a:fillRef>
+          <a:effectRef idx="0">
+            <a:schemeClr val="dk1"/>
+          </a:effectRef>
+          <a:fontRef idx="minor">
+            <a:schemeClr val="dk1"/>
+          </a:fontRef>
+        </p:style>
+        <p:txBody>
+          <a:bodyPr rtlCol="0" anchor="ctr"/>
+          <a:lstStyle/>
+          <a:p>
+            <a:pPr algn="ctr"/>
+            <a:r>
+              <a:rPr lang="it-IT" dirty="0"/>
+              <a:t>PRIVATO</a:t>
+            </a:r>
+          </a:p>
+        </p:txBody>
+      </p:sp>
+      <p:sp>
+        <p:nvSpPr>
+          <p:cNvPr id="5" name="Rettangolo 4">
+            <a:extLst>
+              <a:ext uri="{FF2B5EF4-FFF2-40B4-BE49-F238E27FC236}">
+                <a16:creationId xmlns:a16="http://schemas.microsoft.com/office/drawing/2014/main" id="{4289DDC2-6D4A-2495-B070-C268FCBB2309}"/>
+              </a:ext>
+            </a:extLst>
+          </p:cNvPr>
+          <p:cNvSpPr/>
+          <p:nvPr/>
+        </p:nvSpPr>
+        <p:spPr>
+          <a:xfrm>
+            <a:off x="5733114" y="3937247"/>
+            <a:ext cx="1235341" cy="750102"/>
+          </a:xfrm>
+          <a:prstGeom prst="rect">
+            <a:avLst/>
+          </a:prstGeom>
+        </p:spPr>
+        <p:style>
+          <a:lnRef idx="2">
+            <a:schemeClr val="dk1"/>
+          </a:lnRef>
+          <a:fillRef idx="1">
+            <a:schemeClr val="lt1"/>
+          </a:fillRef>
+          <a:effectRef idx="0">
+            <a:schemeClr val="dk1"/>
+          </a:effectRef>
+          <a:fontRef idx="minor">
+            <a:schemeClr val="dk1"/>
+          </a:fontRef>
+        </p:style>
+        <p:txBody>
+          <a:bodyPr rtlCol="0" anchor="ctr"/>
+          <a:lstStyle/>
+          <a:p>
+            <a:pPr algn="ctr"/>
+            <a:r>
+              <a:rPr lang="it-IT" dirty="0"/>
+              <a:t>RIVENDITA</a:t>
+            </a:r>
+          </a:p>
+        </p:txBody>
+      </p:sp>
+      <p:grpSp>
+        <p:nvGrpSpPr>
+          <p:cNvPr id="7" name="Gruppo 6">
+            <a:extLst>
+              <a:ext uri="{FF2B5EF4-FFF2-40B4-BE49-F238E27FC236}">
+                <a16:creationId xmlns:a16="http://schemas.microsoft.com/office/drawing/2014/main" id="{477E445F-7B0A-0257-8B99-02347079A5FB}"/>
+              </a:ext>
+            </a:extLst>
+          </p:cNvPr>
+          <p:cNvGrpSpPr/>
+          <p:nvPr/>
+        </p:nvGrpSpPr>
+        <p:grpSpPr>
+          <a:xfrm>
+            <a:off x="4454181" y="5176308"/>
+            <a:ext cx="1521950" cy="369332"/>
+            <a:chOff x="10147963" y="2303310"/>
+            <a:chExt cx="1521950" cy="369332"/>
+          </a:xfrm>
+        </p:grpSpPr>
+        <p:sp>
+          <p:nvSpPr>
+            <p:cNvPr id="8" name="Ovale 7">
+              <a:extLst>
+                <a:ext uri="{FF2B5EF4-FFF2-40B4-BE49-F238E27FC236}">
+                  <a16:creationId xmlns:a16="http://schemas.microsoft.com/office/drawing/2014/main" id="{92CC0E33-F922-3258-CED4-EF7956AAA829}"/>
+                </a:ext>
+              </a:extLst>
+            </p:cNvPr>
+            <p:cNvSpPr/>
+            <p:nvPr/>
+          </p:nvSpPr>
+          <p:spPr>
+            <a:xfrm>
+              <a:off x="10147963" y="2428606"/>
+              <a:ext cx="144000" cy="144000"/>
+            </a:xfrm>
+            <a:prstGeom prst="ellipse">
+              <a:avLst/>
+            </a:prstGeom>
+          </p:spPr>
+          <p:style>
+            <a:lnRef idx="2">
+              <a:schemeClr val="dk1">
+                <a:shade val="50000"/>
+              </a:schemeClr>
+            </a:lnRef>
+            <a:fillRef idx="1">
+              <a:schemeClr val="dk1"/>
+            </a:fillRef>
+            <a:effectRef idx="0">
+              <a:schemeClr val="dk1"/>
+            </a:effectRef>
+            <a:fontRef idx="minor">
+              <a:schemeClr val="lt1"/>
+            </a:fontRef>
+          </p:style>
+          <p:txBody>
+            <a:bodyPr rtlCol="0" anchor="ctr"/>
+            <a:lstStyle/>
+            <a:p>
+              <a:pPr algn="ctr"/>
+              <a:endParaRPr lang="it-IT"/>
+            </a:p>
+          </p:txBody>
+        </p:sp>
+        <p:sp>
+          <p:nvSpPr>
+            <p:cNvPr id="9" name="CasellaDiTesto 8">
+              <a:extLst>
+                <a:ext uri="{FF2B5EF4-FFF2-40B4-BE49-F238E27FC236}">
+                  <a16:creationId xmlns:a16="http://schemas.microsoft.com/office/drawing/2014/main" id="{06A04BA5-FF8D-1125-B675-2ACDC6D5295F}"/>
+                </a:ext>
+              </a:extLst>
+            </p:cNvPr>
+            <p:cNvSpPr txBox="1"/>
+            <p:nvPr/>
+          </p:nvSpPr>
+          <p:spPr>
+            <a:xfrm>
+              <a:off x="10291963" y="2303310"/>
+              <a:ext cx="1377950" cy="369332"/>
+            </a:xfrm>
+            <a:prstGeom prst="rect">
+              <a:avLst/>
+            </a:prstGeom>
+            <a:noFill/>
+          </p:spPr>
+          <p:txBody>
+            <a:bodyPr wrap="square" rtlCol="0">
+              <a:spAutoFit/>
+            </a:bodyPr>
+            <a:lstStyle/>
+            <a:p>
+              <a:r>
+                <a:rPr lang="it-IT" dirty="0"/>
+                <a:t>codice</a:t>
+              </a:r>
+            </a:p>
+          </p:txBody>
+        </p:sp>
+      </p:grpSp>
+      <p:grpSp>
+        <p:nvGrpSpPr>
+          <p:cNvPr id="10" name="Gruppo 9">
+            <a:extLst>
+              <a:ext uri="{FF2B5EF4-FFF2-40B4-BE49-F238E27FC236}">
+                <a16:creationId xmlns:a16="http://schemas.microsoft.com/office/drawing/2014/main" id="{748756E1-6D4C-8E2A-0CC0-A949B0FEA691}"/>
+              </a:ext>
+            </a:extLst>
+          </p:cNvPr>
+          <p:cNvGrpSpPr/>
+          <p:nvPr/>
+        </p:nvGrpSpPr>
+        <p:grpSpPr>
+          <a:xfrm>
+            <a:off x="3340646" y="4891829"/>
+            <a:ext cx="881258" cy="369332"/>
+            <a:chOff x="10154781" y="2584478"/>
+            <a:chExt cx="881258" cy="369332"/>
+          </a:xfrm>
+        </p:grpSpPr>
+        <p:sp>
+          <p:nvSpPr>
+            <p:cNvPr id="11" name="Ovale 10">
+              <a:extLst>
+                <a:ext uri="{FF2B5EF4-FFF2-40B4-BE49-F238E27FC236}">
+                  <a16:creationId xmlns:a16="http://schemas.microsoft.com/office/drawing/2014/main" id="{1E32FBAD-1219-3D5B-2E2B-6E593B9A0702}"/>
+                </a:ext>
+              </a:extLst>
+            </p:cNvPr>
+            <p:cNvSpPr/>
+            <p:nvPr/>
+          </p:nvSpPr>
+          <p:spPr>
+            <a:xfrm>
+              <a:off x="10154781" y="2713658"/>
+              <a:ext cx="144000" cy="144000"/>
+            </a:xfrm>
+            <a:prstGeom prst="ellipse">
+              <a:avLst/>
+            </a:prstGeom>
+          </p:spPr>
+          <p:style>
+            <a:lnRef idx="2">
+              <a:schemeClr val="dk1"/>
+            </a:lnRef>
+            <a:fillRef idx="1">
+              <a:schemeClr val="lt1"/>
+            </a:fillRef>
+            <a:effectRef idx="0">
+              <a:schemeClr val="dk1"/>
+            </a:effectRef>
+            <a:fontRef idx="minor">
+              <a:schemeClr val="dk1"/>
+            </a:fontRef>
+          </p:style>
+          <p:txBody>
+            <a:bodyPr rtlCol="0" anchor="ctr"/>
+            <a:lstStyle/>
+            <a:p>
+              <a:pPr algn="ctr"/>
+              <a:endParaRPr lang="it-IT"/>
+            </a:p>
+          </p:txBody>
+        </p:sp>
+        <p:sp>
+          <p:nvSpPr>
+            <p:cNvPr id="12" name="CasellaDiTesto 11">
+              <a:extLst>
+                <a:ext uri="{FF2B5EF4-FFF2-40B4-BE49-F238E27FC236}">
+                  <a16:creationId xmlns:a16="http://schemas.microsoft.com/office/drawing/2014/main" id="{A26A760F-F3B6-33CF-C296-1725B4A2F2BB}"/>
+                </a:ext>
+              </a:extLst>
+            </p:cNvPr>
+            <p:cNvSpPr txBox="1"/>
+            <p:nvPr/>
+          </p:nvSpPr>
+          <p:spPr>
+            <a:xfrm>
+              <a:off x="10298781" y="2584478"/>
+              <a:ext cx="737258" cy="369332"/>
+            </a:xfrm>
+            <a:prstGeom prst="rect">
+              <a:avLst/>
+            </a:prstGeom>
+            <a:noFill/>
+          </p:spPr>
+          <p:txBody>
+            <a:bodyPr wrap="square" rtlCol="0">
+              <a:spAutoFit/>
+            </a:bodyPr>
+            <a:lstStyle/>
+            <a:p>
+              <a:r>
+                <a:rPr lang="it-IT" dirty="0"/>
+                <a:t>nome</a:t>
+              </a:r>
+            </a:p>
+          </p:txBody>
+        </p:sp>
+      </p:grpSp>
+      <p:grpSp>
+        <p:nvGrpSpPr>
+          <p:cNvPr id="13" name="Gruppo 12">
+            <a:extLst>
+              <a:ext uri="{FF2B5EF4-FFF2-40B4-BE49-F238E27FC236}">
+                <a16:creationId xmlns:a16="http://schemas.microsoft.com/office/drawing/2014/main" id="{A28A4223-253C-70DB-DF8D-C4FEA1340C83}"/>
+              </a:ext>
+            </a:extLst>
+          </p:cNvPr>
+          <p:cNvGrpSpPr/>
+          <p:nvPr/>
+        </p:nvGrpSpPr>
+        <p:grpSpPr>
+          <a:xfrm>
+            <a:off x="4955334" y="4908343"/>
+            <a:ext cx="1185400" cy="369332"/>
+            <a:chOff x="10154781" y="2584478"/>
+            <a:chExt cx="1185400" cy="369332"/>
+          </a:xfrm>
+        </p:grpSpPr>
+        <p:sp>
+          <p:nvSpPr>
+            <p:cNvPr id="14" name="Ovale 13">
+              <a:extLst>
+                <a:ext uri="{FF2B5EF4-FFF2-40B4-BE49-F238E27FC236}">
+                  <a16:creationId xmlns:a16="http://schemas.microsoft.com/office/drawing/2014/main" id="{4FDA528F-65A6-99AE-9739-28750BAE7EE1}"/>
+                </a:ext>
+              </a:extLst>
+            </p:cNvPr>
+            <p:cNvSpPr/>
+            <p:nvPr/>
+          </p:nvSpPr>
+          <p:spPr>
+            <a:xfrm>
+              <a:off x="10154781" y="2713658"/>
+              <a:ext cx="144000" cy="144000"/>
+            </a:xfrm>
+            <a:prstGeom prst="ellipse">
+              <a:avLst/>
+            </a:prstGeom>
+          </p:spPr>
+          <p:style>
+            <a:lnRef idx="2">
+              <a:schemeClr val="dk1"/>
+            </a:lnRef>
+            <a:fillRef idx="1">
+              <a:schemeClr val="lt1"/>
+            </a:fillRef>
+            <a:effectRef idx="0">
+              <a:schemeClr val="dk1"/>
+            </a:effectRef>
+            <a:fontRef idx="minor">
+              <a:schemeClr val="dk1"/>
+            </a:fontRef>
+          </p:style>
+          <p:txBody>
+            <a:bodyPr rtlCol="0" anchor="ctr"/>
+            <a:lstStyle/>
+            <a:p>
+              <a:pPr algn="ctr"/>
+              <a:endParaRPr lang="it-IT"/>
+            </a:p>
+          </p:txBody>
+        </p:sp>
+        <p:sp>
+          <p:nvSpPr>
+            <p:cNvPr id="15" name="CasellaDiTesto 14">
+              <a:extLst>
+                <a:ext uri="{FF2B5EF4-FFF2-40B4-BE49-F238E27FC236}">
+                  <a16:creationId xmlns:a16="http://schemas.microsoft.com/office/drawing/2014/main" id="{D9E6E3B7-1FD8-266A-A6A8-59D0BF3E04B8}"/>
+                </a:ext>
+              </a:extLst>
+            </p:cNvPr>
+            <p:cNvSpPr txBox="1"/>
+            <p:nvPr/>
+          </p:nvSpPr>
+          <p:spPr>
+            <a:xfrm>
+              <a:off x="10298781" y="2584478"/>
+              <a:ext cx="1041400" cy="369332"/>
+            </a:xfrm>
+            <a:prstGeom prst="rect">
+              <a:avLst/>
+            </a:prstGeom>
+            <a:noFill/>
+          </p:spPr>
+          <p:txBody>
+            <a:bodyPr wrap="square" rtlCol="0">
+              <a:spAutoFit/>
+            </a:bodyPr>
+            <a:lstStyle/>
+            <a:p>
+              <a:r>
+                <a:rPr lang="it-IT" dirty="0"/>
+                <a:t>indirizzo</a:t>
+              </a:r>
+            </a:p>
+          </p:txBody>
+        </p:sp>
+      </p:grpSp>
+      <p:grpSp>
+        <p:nvGrpSpPr>
+          <p:cNvPr id="16" name="Gruppo 15">
+            <a:extLst>
+              <a:ext uri="{FF2B5EF4-FFF2-40B4-BE49-F238E27FC236}">
+                <a16:creationId xmlns:a16="http://schemas.microsoft.com/office/drawing/2014/main" id="{5C3C7F03-5011-B227-A89D-6AC7C8D39F5E}"/>
+              </a:ext>
+            </a:extLst>
+          </p:cNvPr>
+          <p:cNvGrpSpPr/>
+          <p:nvPr/>
+        </p:nvGrpSpPr>
+        <p:grpSpPr>
+          <a:xfrm>
+            <a:off x="7539983" y="4515752"/>
+            <a:ext cx="1185400" cy="369332"/>
+            <a:chOff x="10154781" y="2584478"/>
+            <a:chExt cx="1185400" cy="369332"/>
+          </a:xfrm>
+        </p:grpSpPr>
+        <p:sp>
+          <p:nvSpPr>
+            <p:cNvPr id="17" name="Ovale 16">
+              <a:extLst>
+                <a:ext uri="{FF2B5EF4-FFF2-40B4-BE49-F238E27FC236}">
+                  <a16:creationId xmlns:a16="http://schemas.microsoft.com/office/drawing/2014/main" id="{B731B79B-47A7-69B3-543B-68EEBBA48D52}"/>
+                </a:ext>
+              </a:extLst>
+            </p:cNvPr>
+            <p:cNvSpPr/>
+            <p:nvPr/>
+          </p:nvSpPr>
+          <p:spPr>
+            <a:xfrm>
+              <a:off x="10154781" y="2713658"/>
+              <a:ext cx="144000" cy="144000"/>
+            </a:xfrm>
+            <a:prstGeom prst="ellipse">
+              <a:avLst/>
+            </a:prstGeom>
+          </p:spPr>
+          <p:style>
+            <a:lnRef idx="2">
+              <a:schemeClr val="dk1"/>
+            </a:lnRef>
+            <a:fillRef idx="1">
+              <a:schemeClr val="lt1"/>
+            </a:fillRef>
+            <a:effectRef idx="0">
+              <a:schemeClr val="dk1"/>
+            </a:effectRef>
+            <a:fontRef idx="minor">
+              <a:schemeClr val="dk1"/>
+            </a:fontRef>
+          </p:style>
+          <p:txBody>
+            <a:bodyPr rtlCol="0" anchor="ctr"/>
+            <a:lstStyle/>
+            <a:p>
+              <a:pPr algn="ctr"/>
+              <a:endParaRPr lang="it-IT"/>
+            </a:p>
+          </p:txBody>
+        </p:sp>
+        <p:sp>
+          <p:nvSpPr>
+            <p:cNvPr id="18" name="CasellaDiTesto 17">
+              <a:extLst>
+                <a:ext uri="{FF2B5EF4-FFF2-40B4-BE49-F238E27FC236}">
+                  <a16:creationId xmlns:a16="http://schemas.microsoft.com/office/drawing/2014/main" id="{581A3502-5A1A-0662-33B2-8B7BD14BE09F}"/>
+                </a:ext>
+              </a:extLst>
+            </p:cNvPr>
+            <p:cNvSpPr txBox="1"/>
+            <p:nvPr/>
+          </p:nvSpPr>
+          <p:spPr>
+            <a:xfrm>
+              <a:off x="10298781" y="2584478"/>
+              <a:ext cx="1041400" cy="369332"/>
+            </a:xfrm>
+            <a:prstGeom prst="rect">
+              <a:avLst/>
+            </a:prstGeom>
+            <a:noFill/>
+          </p:spPr>
+          <p:txBody>
+            <a:bodyPr wrap="square" rtlCol="0">
+              <a:spAutoFit/>
+            </a:bodyPr>
+            <a:lstStyle/>
+            <a:p>
+              <a:r>
+                <a:rPr lang="it-IT" dirty="0" err="1"/>
+                <a:t>p.iva</a:t>
+              </a:r>
+              <a:endParaRPr lang="it-IT" dirty="0"/>
+            </a:p>
+          </p:txBody>
+        </p:sp>
+      </p:grpSp>
+      <p:grpSp>
+        <p:nvGrpSpPr>
+          <p:cNvPr id="19" name="Gruppo 18">
+            <a:extLst>
+              <a:ext uri="{FF2B5EF4-FFF2-40B4-BE49-F238E27FC236}">
+                <a16:creationId xmlns:a16="http://schemas.microsoft.com/office/drawing/2014/main" id="{EF838086-99AA-0173-6942-3964EC15AB13}"/>
+              </a:ext>
+            </a:extLst>
+          </p:cNvPr>
+          <p:cNvGrpSpPr/>
+          <p:nvPr/>
+        </p:nvGrpSpPr>
+        <p:grpSpPr>
+          <a:xfrm>
+            <a:off x="2060786" y="4117630"/>
+            <a:ext cx="1521950" cy="369332"/>
+            <a:chOff x="1211062" y="2152381"/>
+            <a:chExt cx="1521950" cy="369332"/>
+          </a:xfrm>
+        </p:grpSpPr>
+        <p:sp>
+          <p:nvSpPr>
+            <p:cNvPr id="20" name="Ovale 19">
+              <a:extLst>
+                <a:ext uri="{FF2B5EF4-FFF2-40B4-BE49-F238E27FC236}">
+                  <a16:creationId xmlns:a16="http://schemas.microsoft.com/office/drawing/2014/main" id="{1F9392FC-68A2-C307-0DBB-E98A98CD0C37}"/>
+                </a:ext>
+              </a:extLst>
+            </p:cNvPr>
+            <p:cNvSpPr/>
+            <p:nvPr/>
+          </p:nvSpPr>
+          <p:spPr>
+            <a:xfrm>
+              <a:off x="2589012" y="2282178"/>
+              <a:ext cx="144000" cy="144000"/>
+            </a:xfrm>
+            <a:prstGeom prst="ellipse">
+              <a:avLst/>
+            </a:prstGeom>
+          </p:spPr>
+          <p:style>
+            <a:lnRef idx="2">
+              <a:schemeClr val="dk1"/>
+            </a:lnRef>
+            <a:fillRef idx="1">
+              <a:schemeClr val="lt1"/>
+            </a:fillRef>
+            <a:effectRef idx="0">
+              <a:schemeClr val="dk1"/>
+            </a:effectRef>
+            <a:fontRef idx="minor">
+              <a:schemeClr val="dk1"/>
+            </a:fontRef>
+          </p:style>
+          <p:txBody>
+            <a:bodyPr rtlCol="0" anchor="ctr"/>
+            <a:lstStyle/>
+            <a:p>
+              <a:pPr algn="ctr"/>
+              <a:endParaRPr lang="it-IT"/>
+            </a:p>
+          </p:txBody>
+        </p:sp>
+        <p:sp>
+          <p:nvSpPr>
+            <p:cNvPr id="21" name="CasellaDiTesto 20">
+              <a:extLst>
+                <a:ext uri="{FF2B5EF4-FFF2-40B4-BE49-F238E27FC236}">
+                  <a16:creationId xmlns:a16="http://schemas.microsoft.com/office/drawing/2014/main" id="{007BFEC7-AEF7-9CA3-4207-6516A11B0CAC}"/>
+                </a:ext>
+              </a:extLst>
+            </p:cNvPr>
+            <p:cNvSpPr txBox="1"/>
+            <p:nvPr/>
+          </p:nvSpPr>
+          <p:spPr>
+            <a:xfrm>
+              <a:off x="1211062" y="2152381"/>
+              <a:ext cx="1377950" cy="369332"/>
+            </a:xfrm>
+            <a:prstGeom prst="rect">
+              <a:avLst/>
+            </a:prstGeom>
+            <a:noFill/>
+          </p:spPr>
+          <p:txBody>
+            <a:bodyPr wrap="square" rtlCol="0">
+              <a:spAutoFit/>
+            </a:bodyPr>
+            <a:lstStyle/>
+            <a:p>
+              <a:pPr algn="r"/>
+              <a:r>
+                <a:rPr lang="it-IT" dirty="0" err="1"/>
+                <a:t>cf</a:t>
+              </a:r>
+              <a:endParaRPr lang="it-IT" dirty="0"/>
+            </a:p>
+          </p:txBody>
+        </p:sp>
+      </p:grpSp>
+      <p:sp>
+        <p:nvSpPr>
+          <p:cNvPr id="22" name="Rombo 21">
+            <a:extLst>
+              <a:ext uri="{FF2B5EF4-FFF2-40B4-BE49-F238E27FC236}">
+                <a16:creationId xmlns:a16="http://schemas.microsoft.com/office/drawing/2014/main" id="{B6E12B03-F7E9-2742-AB5E-46404A172CEC}"/>
+              </a:ext>
+            </a:extLst>
+          </p:cNvPr>
+          <p:cNvSpPr/>
+          <p:nvPr/>
+        </p:nvSpPr>
+        <p:spPr>
+          <a:xfrm>
+            <a:off x="3765025" y="2570650"/>
+            <a:ext cx="1664921" cy="740435"/>
+          </a:xfrm>
+          <a:prstGeom prst="diamond">
+            <a:avLst/>
+          </a:prstGeom>
+        </p:spPr>
+        <p:style>
+          <a:lnRef idx="2">
+            <a:schemeClr val="dk1"/>
+          </a:lnRef>
+          <a:fillRef idx="1">
+            <a:schemeClr val="lt1"/>
+          </a:fillRef>
+          <a:effectRef idx="0">
+            <a:schemeClr val="dk1"/>
+          </a:effectRef>
+          <a:fontRef idx="minor">
+            <a:schemeClr val="dk1"/>
+          </a:fontRef>
+        </p:style>
+        <p:txBody>
+          <a:bodyPr rtlCol="0" anchor="ctr"/>
+          <a:lstStyle/>
+          <a:p>
+            <a:pPr algn="ctr"/>
+            <a:r>
+              <a:rPr lang="it-IT" sz="1000" dirty="0"/>
+              <a:t>ACQUISTA1</a:t>
+            </a:r>
+          </a:p>
+        </p:txBody>
+      </p:sp>
+      <p:cxnSp>
+        <p:nvCxnSpPr>
+          <p:cNvPr id="23" name="Connettore diritto 22">
+            <a:extLst>
+              <a:ext uri="{FF2B5EF4-FFF2-40B4-BE49-F238E27FC236}">
+                <a16:creationId xmlns:a16="http://schemas.microsoft.com/office/drawing/2014/main" id="{1764CB1D-BCB5-4422-A125-7D0D95CB3D61}"/>
+              </a:ext>
+            </a:extLst>
+          </p:cNvPr>
+          <p:cNvCxnSpPr>
+            <a:cxnSpLocks/>
+            <a:stCxn id="20" idx="6"/>
+            <a:endCxn id="4" idx="1"/>
+          </p:cNvCxnSpPr>
+          <p:nvPr/>
+        </p:nvCxnSpPr>
+        <p:spPr>
+          <a:xfrm flipV="1">
+            <a:off x="3582736" y="4312298"/>
+            <a:ext cx="397079" cy="7129"/>
+          </a:xfrm>
+          <a:prstGeom prst="line">
+            <a:avLst/>
+          </a:prstGeom>
+          <a:ln w="19050"/>
+        </p:spPr>
+        <p:style>
+          <a:lnRef idx="1">
+            <a:schemeClr val="dk1"/>
+          </a:lnRef>
+          <a:fillRef idx="0">
+            <a:schemeClr val="dk1"/>
+          </a:fillRef>
+          <a:effectRef idx="0">
+            <a:schemeClr val="dk1"/>
+          </a:effectRef>
+          <a:fontRef idx="minor">
+            <a:schemeClr val="tx1"/>
+          </a:fontRef>
+        </p:style>
+      </p:cxnSp>
+      <p:cxnSp>
+        <p:nvCxnSpPr>
+          <p:cNvPr id="28" name="Connettore diritto 27">
+            <a:extLst>
+              <a:ext uri="{FF2B5EF4-FFF2-40B4-BE49-F238E27FC236}">
+                <a16:creationId xmlns:a16="http://schemas.microsoft.com/office/drawing/2014/main" id="{E8B3EAAC-B637-DCF7-0F84-1D3B146AADFB}"/>
+              </a:ext>
+            </a:extLst>
+          </p:cNvPr>
+          <p:cNvCxnSpPr>
+            <a:cxnSpLocks/>
+            <a:stCxn id="17" idx="2"/>
+            <a:endCxn id="5" idx="3"/>
+          </p:cNvCxnSpPr>
+          <p:nvPr/>
+        </p:nvCxnSpPr>
+        <p:spPr>
+          <a:xfrm flipH="1" flipV="1">
+            <a:off x="6968455" y="4312298"/>
+            <a:ext cx="571528" cy="404634"/>
+          </a:xfrm>
+          <a:prstGeom prst="line">
+            <a:avLst/>
+          </a:prstGeom>
+          <a:ln w="19050"/>
+        </p:spPr>
+        <p:style>
+          <a:lnRef idx="1">
+            <a:schemeClr val="dk1"/>
+          </a:lnRef>
+          <a:fillRef idx="0">
+            <a:schemeClr val="dk1"/>
+          </a:fillRef>
+          <a:effectRef idx="0">
+            <a:schemeClr val="dk1"/>
+          </a:effectRef>
+          <a:fontRef idx="minor">
+            <a:schemeClr val="tx1"/>
+          </a:fontRef>
+        </p:style>
+      </p:cxnSp>
+      <p:cxnSp>
+        <p:nvCxnSpPr>
+          <p:cNvPr id="29" name="Connettore diritto 28">
+            <a:extLst>
+              <a:ext uri="{FF2B5EF4-FFF2-40B4-BE49-F238E27FC236}">
+                <a16:creationId xmlns:a16="http://schemas.microsoft.com/office/drawing/2014/main" id="{ECE13F3F-46A8-DE5E-0642-09BC69B95B53}"/>
+              </a:ext>
+            </a:extLst>
+          </p:cNvPr>
+          <p:cNvCxnSpPr>
+            <a:cxnSpLocks/>
+            <a:stCxn id="8" idx="0"/>
+            <a:endCxn id="4" idx="2"/>
+          </p:cNvCxnSpPr>
+          <p:nvPr/>
+        </p:nvCxnSpPr>
+        <p:spPr>
+          <a:xfrm flipV="1">
+            <a:off x="4526181" y="4687349"/>
+            <a:ext cx="71305" cy="614255"/>
+          </a:xfrm>
+          <a:prstGeom prst="line">
+            <a:avLst/>
+          </a:prstGeom>
+          <a:ln w="19050"/>
+        </p:spPr>
+        <p:style>
+          <a:lnRef idx="1">
+            <a:schemeClr val="dk1"/>
+          </a:lnRef>
+          <a:fillRef idx="0">
+            <a:schemeClr val="dk1"/>
+          </a:fillRef>
+          <a:effectRef idx="0">
+            <a:schemeClr val="dk1"/>
+          </a:effectRef>
+          <a:fontRef idx="minor">
+            <a:schemeClr val="tx1"/>
+          </a:fontRef>
+        </p:style>
+      </p:cxnSp>
+      <p:cxnSp>
+        <p:nvCxnSpPr>
+          <p:cNvPr id="30" name="Connettore diritto 29">
+            <a:extLst>
+              <a:ext uri="{FF2B5EF4-FFF2-40B4-BE49-F238E27FC236}">
+                <a16:creationId xmlns:a16="http://schemas.microsoft.com/office/drawing/2014/main" id="{2670C8F3-DBDE-3BDE-97F0-4A4522947DDE}"/>
+              </a:ext>
+            </a:extLst>
+          </p:cNvPr>
+          <p:cNvCxnSpPr>
+            <a:cxnSpLocks/>
+            <a:stCxn id="11" idx="7"/>
+            <a:endCxn id="4" idx="2"/>
+          </p:cNvCxnSpPr>
+          <p:nvPr/>
+        </p:nvCxnSpPr>
+        <p:spPr>
+          <a:xfrm flipV="1">
+            <a:off x="3463558" y="4687349"/>
+            <a:ext cx="1133928" cy="354748"/>
+          </a:xfrm>
+          <a:prstGeom prst="line">
+            <a:avLst/>
+          </a:prstGeom>
+          <a:ln w="19050"/>
+        </p:spPr>
+        <p:style>
+          <a:lnRef idx="1">
+            <a:schemeClr val="dk1"/>
+          </a:lnRef>
+          <a:fillRef idx="0">
+            <a:schemeClr val="dk1"/>
+          </a:fillRef>
+          <a:effectRef idx="0">
+            <a:schemeClr val="dk1"/>
+          </a:effectRef>
+          <a:fontRef idx="minor">
+            <a:schemeClr val="tx1"/>
+          </a:fontRef>
+        </p:style>
+      </p:cxnSp>
+      <p:cxnSp>
+        <p:nvCxnSpPr>
+          <p:cNvPr id="31" name="Connettore diritto 30">
+            <a:extLst>
+              <a:ext uri="{FF2B5EF4-FFF2-40B4-BE49-F238E27FC236}">
+                <a16:creationId xmlns:a16="http://schemas.microsoft.com/office/drawing/2014/main" id="{40132690-CA76-D69F-AD87-F1EA7E377CCE}"/>
+              </a:ext>
+            </a:extLst>
+          </p:cNvPr>
+          <p:cNvCxnSpPr>
+            <a:cxnSpLocks/>
+            <a:stCxn id="14" idx="2"/>
+            <a:endCxn id="4" idx="2"/>
+          </p:cNvCxnSpPr>
+          <p:nvPr/>
+        </p:nvCxnSpPr>
+        <p:spPr>
+          <a:xfrm flipH="1" flipV="1">
+            <a:off x="4597486" y="4687349"/>
+            <a:ext cx="357848" cy="422174"/>
+          </a:xfrm>
+          <a:prstGeom prst="line">
+            <a:avLst/>
+          </a:prstGeom>
+          <a:ln w="19050"/>
+        </p:spPr>
+        <p:style>
+          <a:lnRef idx="1">
+            <a:schemeClr val="dk1"/>
+          </a:lnRef>
+          <a:fillRef idx="0">
+            <a:schemeClr val="dk1"/>
+          </a:fillRef>
+          <a:effectRef idx="0">
+            <a:schemeClr val="dk1"/>
+          </a:effectRef>
+          <a:fontRef idx="minor">
+            <a:schemeClr val="tx1"/>
+          </a:fontRef>
+        </p:style>
+      </p:cxnSp>
+      <p:cxnSp>
+        <p:nvCxnSpPr>
+          <p:cNvPr id="35" name="Connettore diritto 34">
+            <a:extLst>
+              <a:ext uri="{FF2B5EF4-FFF2-40B4-BE49-F238E27FC236}">
+                <a16:creationId xmlns:a16="http://schemas.microsoft.com/office/drawing/2014/main" id="{F0B20156-4E31-A5D9-C454-22DD6D9493EB}"/>
+              </a:ext>
+            </a:extLst>
+          </p:cNvPr>
+          <p:cNvCxnSpPr>
+            <a:cxnSpLocks/>
+            <a:endCxn id="4" idx="0"/>
+          </p:cNvCxnSpPr>
+          <p:nvPr/>
+        </p:nvCxnSpPr>
+        <p:spPr>
+          <a:xfrm>
+            <a:off x="4597486" y="3311085"/>
+            <a:ext cx="0" cy="626162"/>
+          </a:xfrm>
+          <a:prstGeom prst="line">
+            <a:avLst/>
+          </a:prstGeom>
+          <a:ln w="19050"/>
+        </p:spPr>
+        <p:style>
+          <a:lnRef idx="1">
+            <a:schemeClr val="dk1"/>
+          </a:lnRef>
+          <a:fillRef idx="0">
+            <a:schemeClr val="dk1"/>
+          </a:fillRef>
+          <a:effectRef idx="0">
+            <a:schemeClr val="dk1"/>
+          </a:effectRef>
+          <a:fontRef idx="minor">
+            <a:schemeClr val="tx1"/>
+          </a:fontRef>
+        </p:style>
+      </p:cxnSp>
+      <p:cxnSp>
+        <p:nvCxnSpPr>
+          <p:cNvPr id="37" name="Connettore diritto 36">
+            <a:extLst>
+              <a:ext uri="{FF2B5EF4-FFF2-40B4-BE49-F238E27FC236}">
+                <a16:creationId xmlns:a16="http://schemas.microsoft.com/office/drawing/2014/main" id="{B93F371E-2D87-A479-00EA-22994A18F145}"/>
+              </a:ext>
+            </a:extLst>
+          </p:cNvPr>
+          <p:cNvCxnSpPr>
+            <a:cxnSpLocks/>
+            <a:stCxn id="22" idx="0"/>
+          </p:cNvCxnSpPr>
+          <p:nvPr/>
+        </p:nvCxnSpPr>
+        <p:spPr>
+          <a:xfrm flipV="1">
+            <a:off x="4597486" y="2234346"/>
+            <a:ext cx="2260" cy="336304"/>
+          </a:xfrm>
+          <a:prstGeom prst="line">
+            <a:avLst/>
+          </a:prstGeom>
+          <a:ln w="19050"/>
+        </p:spPr>
+        <p:style>
+          <a:lnRef idx="1">
+            <a:schemeClr val="dk1"/>
+          </a:lnRef>
+          <a:fillRef idx="0">
+            <a:schemeClr val="dk1"/>
+          </a:fillRef>
+          <a:effectRef idx="0">
+            <a:schemeClr val="dk1"/>
+          </a:effectRef>
+          <a:fontRef idx="minor">
+            <a:schemeClr val="tx1"/>
+          </a:fontRef>
+        </p:style>
+      </p:cxnSp>
+      <p:grpSp>
+        <p:nvGrpSpPr>
+          <p:cNvPr id="41" name="Gruppo 40">
+            <a:extLst>
+              <a:ext uri="{FF2B5EF4-FFF2-40B4-BE49-F238E27FC236}">
+                <a16:creationId xmlns:a16="http://schemas.microsoft.com/office/drawing/2014/main" id="{F255EC63-DD3F-3953-8D42-F531CE0CA58B}"/>
+              </a:ext>
+            </a:extLst>
+          </p:cNvPr>
+          <p:cNvGrpSpPr/>
+          <p:nvPr/>
+        </p:nvGrpSpPr>
+        <p:grpSpPr>
+          <a:xfrm>
+            <a:off x="7528061" y="3834847"/>
+            <a:ext cx="1521950" cy="369332"/>
+            <a:chOff x="10147963" y="2303310"/>
+            <a:chExt cx="1521950" cy="369332"/>
+          </a:xfrm>
+        </p:grpSpPr>
+        <p:sp>
+          <p:nvSpPr>
+            <p:cNvPr id="42" name="Ovale 41">
+              <a:extLst>
+                <a:ext uri="{FF2B5EF4-FFF2-40B4-BE49-F238E27FC236}">
+                  <a16:creationId xmlns:a16="http://schemas.microsoft.com/office/drawing/2014/main" id="{43745365-61F8-8604-3F5D-80FAFBF942D9}"/>
+                </a:ext>
+              </a:extLst>
+            </p:cNvPr>
+            <p:cNvSpPr/>
+            <p:nvPr/>
+          </p:nvSpPr>
+          <p:spPr>
+            <a:xfrm>
+              <a:off x="10147963" y="2428606"/>
+              <a:ext cx="144000" cy="144000"/>
+            </a:xfrm>
+            <a:prstGeom prst="ellipse">
+              <a:avLst/>
+            </a:prstGeom>
+          </p:spPr>
+          <p:style>
+            <a:lnRef idx="2">
+              <a:schemeClr val="dk1">
+                <a:shade val="50000"/>
+              </a:schemeClr>
+            </a:lnRef>
+            <a:fillRef idx="1">
+              <a:schemeClr val="dk1"/>
+            </a:fillRef>
+            <a:effectRef idx="0">
+              <a:schemeClr val="dk1"/>
+            </a:effectRef>
+            <a:fontRef idx="minor">
+              <a:schemeClr val="lt1"/>
+            </a:fontRef>
+          </p:style>
+          <p:txBody>
+            <a:bodyPr rtlCol="0" anchor="ctr"/>
+            <a:lstStyle/>
+            <a:p>
+              <a:pPr algn="ctr"/>
+              <a:endParaRPr lang="it-IT"/>
+            </a:p>
+          </p:txBody>
+        </p:sp>
+        <p:sp>
+          <p:nvSpPr>
+            <p:cNvPr id="43" name="CasellaDiTesto 42">
+              <a:extLst>
+                <a:ext uri="{FF2B5EF4-FFF2-40B4-BE49-F238E27FC236}">
+                  <a16:creationId xmlns:a16="http://schemas.microsoft.com/office/drawing/2014/main" id="{153D54B0-4252-1847-44C6-AD0AFC9F4464}"/>
+                </a:ext>
+              </a:extLst>
+            </p:cNvPr>
+            <p:cNvSpPr txBox="1"/>
+            <p:nvPr/>
+          </p:nvSpPr>
+          <p:spPr>
+            <a:xfrm>
+              <a:off x="10291963" y="2303310"/>
+              <a:ext cx="1377950" cy="369332"/>
+            </a:xfrm>
+            <a:prstGeom prst="rect">
+              <a:avLst/>
+            </a:prstGeom>
+            <a:noFill/>
+          </p:spPr>
+          <p:txBody>
+            <a:bodyPr wrap="square" rtlCol="0">
+              <a:spAutoFit/>
+            </a:bodyPr>
+            <a:lstStyle/>
+            <a:p>
+              <a:r>
+                <a:rPr lang="it-IT" dirty="0"/>
+                <a:t>codice</a:t>
+              </a:r>
+            </a:p>
+          </p:txBody>
+        </p:sp>
+      </p:grpSp>
+      <p:grpSp>
+        <p:nvGrpSpPr>
+          <p:cNvPr id="44" name="Gruppo 43">
+            <a:extLst>
+              <a:ext uri="{FF2B5EF4-FFF2-40B4-BE49-F238E27FC236}">
+                <a16:creationId xmlns:a16="http://schemas.microsoft.com/office/drawing/2014/main" id="{F82638B3-0134-D5F8-9F7B-FB050C2CC18A}"/>
+              </a:ext>
+            </a:extLst>
+          </p:cNvPr>
+          <p:cNvGrpSpPr/>
+          <p:nvPr/>
+        </p:nvGrpSpPr>
+        <p:grpSpPr>
+          <a:xfrm>
+            <a:off x="7528061" y="4069531"/>
+            <a:ext cx="881258" cy="369332"/>
+            <a:chOff x="10154781" y="2584478"/>
+            <a:chExt cx="881258" cy="369332"/>
+          </a:xfrm>
+        </p:grpSpPr>
+        <p:sp>
+          <p:nvSpPr>
+            <p:cNvPr id="45" name="Ovale 44">
+              <a:extLst>
+                <a:ext uri="{FF2B5EF4-FFF2-40B4-BE49-F238E27FC236}">
+                  <a16:creationId xmlns:a16="http://schemas.microsoft.com/office/drawing/2014/main" id="{B3CAB52F-5005-0A08-CD85-11902AAADFE3}"/>
+                </a:ext>
+              </a:extLst>
+            </p:cNvPr>
+            <p:cNvSpPr/>
+            <p:nvPr/>
+          </p:nvSpPr>
+          <p:spPr>
+            <a:xfrm>
+              <a:off x="10154781" y="2713658"/>
+              <a:ext cx="144000" cy="144000"/>
+            </a:xfrm>
+            <a:prstGeom prst="ellipse">
+              <a:avLst/>
+            </a:prstGeom>
+          </p:spPr>
+          <p:style>
+            <a:lnRef idx="2">
+              <a:schemeClr val="dk1"/>
+            </a:lnRef>
+            <a:fillRef idx="1">
+              <a:schemeClr val="lt1"/>
+            </a:fillRef>
+            <a:effectRef idx="0">
+              <a:schemeClr val="dk1"/>
+            </a:effectRef>
+            <a:fontRef idx="minor">
+              <a:schemeClr val="dk1"/>
+            </a:fontRef>
+          </p:style>
+          <p:txBody>
+            <a:bodyPr rtlCol="0" anchor="ctr"/>
+            <a:lstStyle/>
+            <a:p>
+              <a:pPr algn="ctr"/>
+              <a:endParaRPr lang="it-IT"/>
+            </a:p>
+          </p:txBody>
+        </p:sp>
+        <p:sp>
+          <p:nvSpPr>
+            <p:cNvPr id="46" name="CasellaDiTesto 45">
+              <a:extLst>
+                <a:ext uri="{FF2B5EF4-FFF2-40B4-BE49-F238E27FC236}">
+                  <a16:creationId xmlns:a16="http://schemas.microsoft.com/office/drawing/2014/main" id="{4877BEE8-EAF0-1E48-94A6-05B161F539D0}"/>
+                </a:ext>
+              </a:extLst>
+            </p:cNvPr>
+            <p:cNvSpPr txBox="1"/>
+            <p:nvPr/>
+          </p:nvSpPr>
+          <p:spPr>
+            <a:xfrm>
+              <a:off x="10298781" y="2584478"/>
+              <a:ext cx="737258" cy="369332"/>
+            </a:xfrm>
+            <a:prstGeom prst="rect">
+              <a:avLst/>
+            </a:prstGeom>
+            <a:noFill/>
+          </p:spPr>
+          <p:txBody>
+            <a:bodyPr wrap="square" rtlCol="0">
+              <a:spAutoFit/>
+            </a:bodyPr>
+            <a:lstStyle/>
+            <a:p>
+              <a:r>
+                <a:rPr lang="it-IT" dirty="0"/>
+                <a:t>nome</a:t>
+              </a:r>
+            </a:p>
+          </p:txBody>
+        </p:sp>
+      </p:grpSp>
+      <p:grpSp>
+        <p:nvGrpSpPr>
+          <p:cNvPr id="47" name="Gruppo 46">
+            <a:extLst>
+              <a:ext uri="{FF2B5EF4-FFF2-40B4-BE49-F238E27FC236}">
+                <a16:creationId xmlns:a16="http://schemas.microsoft.com/office/drawing/2014/main" id="{DA48D8BE-FD5A-FEA9-35DC-6093AD63BD38}"/>
+              </a:ext>
+            </a:extLst>
+          </p:cNvPr>
+          <p:cNvGrpSpPr/>
+          <p:nvPr/>
+        </p:nvGrpSpPr>
+        <p:grpSpPr>
+          <a:xfrm>
+            <a:off x="7528061" y="4295086"/>
+            <a:ext cx="1185400" cy="369332"/>
+            <a:chOff x="10154781" y="2584478"/>
+            <a:chExt cx="1185400" cy="369332"/>
+          </a:xfrm>
+        </p:grpSpPr>
+        <p:sp>
+          <p:nvSpPr>
+            <p:cNvPr id="48" name="Ovale 47">
+              <a:extLst>
+                <a:ext uri="{FF2B5EF4-FFF2-40B4-BE49-F238E27FC236}">
+                  <a16:creationId xmlns:a16="http://schemas.microsoft.com/office/drawing/2014/main" id="{23208E66-180F-644C-2292-6D1ADD907602}"/>
+                </a:ext>
+              </a:extLst>
+            </p:cNvPr>
+            <p:cNvSpPr/>
+            <p:nvPr/>
+          </p:nvSpPr>
+          <p:spPr>
+            <a:xfrm>
+              <a:off x="10154781" y="2713658"/>
+              <a:ext cx="144000" cy="144000"/>
+            </a:xfrm>
+            <a:prstGeom prst="ellipse">
+              <a:avLst/>
+            </a:prstGeom>
+          </p:spPr>
+          <p:style>
+            <a:lnRef idx="2">
+              <a:schemeClr val="dk1"/>
+            </a:lnRef>
+            <a:fillRef idx="1">
+              <a:schemeClr val="lt1"/>
+            </a:fillRef>
+            <a:effectRef idx="0">
+              <a:schemeClr val="dk1"/>
+            </a:effectRef>
+            <a:fontRef idx="minor">
+              <a:schemeClr val="dk1"/>
+            </a:fontRef>
+          </p:style>
+          <p:txBody>
+            <a:bodyPr rtlCol="0" anchor="ctr"/>
+            <a:lstStyle/>
+            <a:p>
+              <a:pPr algn="ctr"/>
+              <a:endParaRPr lang="it-IT"/>
+            </a:p>
+          </p:txBody>
+        </p:sp>
+        <p:sp>
+          <p:nvSpPr>
+            <p:cNvPr id="49" name="CasellaDiTesto 48">
+              <a:extLst>
+                <a:ext uri="{FF2B5EF4-FFF2-40B4-BE49-F238E27FC236}">
+                  <a16:creationId xmlns:a16="http://schemas.microsoft.com/office/drawing/2014/main" id="{AC266AFD-21F1-A1DB-A3A8-DF0E94D22EE5}"/>
+                </a:ext>
+              </a:extLst>
+            </p:cNvPr>
+            <p:cNvSpPr txBox="1"/>
+            <p:nvPr/>
+          </p:nvSpPr>
+          <p:spPr>
+            <a:xfrm>
+              <a:off x="10298781" y="2584478"/>
+              <a:ext cx="1041400" cy="369332"/>
+            </a:xfrm>
+            <a:prstGeom prst="rect">
+              <a:avLst/>
+            </a:prstGeom>
+            <a:noFill/>
+          </p:spPr>
+          <p:txBody>
+            <a:bodyPr wrap="square" rtlCol="0">
+              <a:spAutoFit/>
+            </a:bodyPr>
+            <a:lstStyle/>
+            <a:p>
+              <a:r>
+                <a:rPr lang="it-IT" dirty="0"/>
+                <a:t>indirizzo</a:t>
+              </a:r>
+            </a:p>
+          </p:txBody>
+        </p:sp>
+      </p:grpSp>
+      <p:cxnSp>
+        <p:nvCxnSpPr>
+          <p:cNvPr id="50" name="Connettore diritto 49">
+            <a:extLst>
+              <a:ext uri="{FF2B5EF4-FFF2-40B4-BE49-F238E27FC236}">
+                <a16:creationId xmlns:a16="http://schemas.microsoft.com/office/drawing/2014/main" id="{BB782687-FD37-BED0-F8D0-5E96BD5BD50D}"/>
+              </a:ext>
+            </a:extLst>
+          </p:cNvPr>
+          <p:cNvCxnSpPr>
+            <a:cxnSpLocks/>
+            <a:stCxn id="42" idx="2"/>
+            <a:endCxn id="5" idx="3"/>
+          </p:cNvCxnSpPr>
+          <p:nvPr/>
+        </p:nvCxnSpPr>
+        <p:spPr>
+          <a:xfrm flipH="1">
+            <a:off x="6968455" y="4032143"/>
+            <a:ext cx="559606" cy="280155"/>
+          </a:xfrm>
+          <a:prstGeom prst="line">
+            <a:avLst/>
+          </a:prstGeom>
+          <a:ln w="19050"/>
+        </p:spPr>
+        <p:style>
+          <a:lnRef idx="1">
+            <a:schemeClr val="dk1"/>
+          </a:lnRef>
+          <a:fillRef idx="0">
+            <a:schemeClr val="dk1"/>
+          </a:fillRef>
+          <a:effectRef idx="0">
+            <a:schemeClr val="dk1"/>
+          </a:effectRef>
+          <a:fontRef idx="minor">
+            <a:schemeClr val="tx1"/>
+          </a:fontRef>
+        </p:style>
+      </p:cxnSp>
+      <p:cxnSp>
+        <p:nvCxnSpPr>
+          <p:cNvPr id="51" name="Connettore diritto 50">
+            <a:extLst>
+              <a:ext uri="{FF2B5EF4-FFF2-40B4-BE49-F238E27FC236}">
+                <a16:creationId xmlns:a16="http://schemas.microsoft.com/office/drawing/2014/main" id="{BF205D20-CD85-2388-7387-6601C829F020}"/>
+              </a:ext>
+            </a:extLst>
+          </p:cNvPr>
+          <p:cNvCxnSpPr>
+            <a:cxnSpLocks/>
+            <a:stCxn id="45" idx="2"/>
+            <a:endCxn id="5" idx="3"/>
+          </p:cNvCxnSpPr>
+          <p:nvPr/>
+        </p:nvCxnSpPr>
+        <p:spPr>
+          <a:xfrm flipH="1">
+            <a:off x="6968455" y="4270711"/>
+            <a:ext cx="559606" cy="41587"/>
+          </a:xfrm>
+          <a:prstGeom prst="line">
+            <a:avLst/>
+          </a:prstGeom>
+          <a:ln w="19050"/>
+        </p:spPr>
+        <p:style>
+          <a:lnRef idx="1">
+            <a:schemeClr val="dk1"/>
+          </a:lnRef>
+          <a:fillRef idx="0">
+            <a:schemeClr val="dk1"/>
+          </a:fillRef>
+          <a:effectRef idx="0">
+            <a:schemeClr val="dk1"/>
+          </a:effectRef>
+          <a:fontRef idx="minor">
+            <a:schemeClr val="tx1"/>
+          </a:fontRef>
+        </p:style>
+      </p:cxnSp>
+      <p:cxnSp>
+        <p:nvCxnSpPr>
+          <p:cNvPr id="52" name="Connettore diritto 51">
+            <a:extLst>
+              <a:ext uri="{FF2B5EF4-FFF2-40B4-BE49-F238E27FC236}">
+                <a16:creationId xmlns:a16="http://schemas.microsoft.com/office/drawing/2014/main" id="{08A82AF3-8C7D-BC51-4E7A-C1399530F2DD}"/>
+              </a:ext>
+            </a:extLst>
+          </p:cNvPr>
+          <p:cNvCxnSpPr>
+            <a:cxnSpLocks/>
+            <a:stCxn id="48" idx="2"/>
+            <a:endCxn id="5" idx="3"/>
+          </p:cNvCxnSpPr>
+          <p:nvPr/>
+        </p:nvCxnSpPr>
+        <p:spPr>
+          <a:xfrm flipH="1" flipV="1">
+            <a:off x="6968455" y="4312298"/>
+            <a:ext cx="559606" cy="183968"/>
+          </a:xfrm>
+          <a:prstGeom prst="line">
+            <a:avLst/>
+          </a:prstGeom>
+          <a:ln w="19050"/>
+        </p:spPr>
+        <p:style>
+          <a:lnRef idx="1">
+            <a:schemeClr val="dk1"/>
+          </a:lnRef>
+          <a:fillRef idx="0">
+            <a:schemeClr val="dk1"/>
+          </a:fillRef>
+          <a:effectRef idx="0">
+            <a:schemeClr val="dk1"/>
+          </a:effectRef>
+          <a:fontRef idx="minor">
+            <a:schemeClr val="tx1"/>
+          </a:fontRef>
+        </p:style>
+      </p:cxnSp>
+      <p:sp>
+        <p:nvSpPr>
+          <p:cNvPr id="66" name="Rombo 65">
+            <a:extLst>
+              <a:ext uri="{FF2B5EF4-FFF2-40B4-BE49-F238E27FC236}">
+                <a16:creationId xmlns:a16="http://schemas.microsoft.com/office/drawing/2014/main" id="{422F3E7E-24D7-CD2A-2C9A-9290762C51C8}"/>
+              </a:ext>
+            </a:extLst>
+          </p:cNvPr>
+          <p:cNvSpPr/>
+          <p:nvPr/>
+        </p:nvSpPr>
+        <p:spPr>
+          <a:xfrm>
+            <a:off x="5494765" y="2570650"/>
+            <a:ext cx="1664921" cy="740435"/>
+          </a:xfrm>
+          <a:prstGeom prst="diamond">
+            <a:avLst/>
+          </a:prstGeom>
+        </p:spPr>
+        <p:style>
+          <a:lnRef idx="2">
+            <a:schemeClr val="dk1"/>
+          </a:lnRef>
+          <a:fillRef idx="1">
+            <a:schemeClr val="lt1"/>
+          </a:fillRef>
+          <a:effectRef idx="0">
+            <a:schemeClr val="dk1"/>
+          </a:effectRef>
+          <a:fontRef idx="minor">
+            <a:schemeClr val="dk1"/>
+          </a:fontRef>
+        </p:style>
+        <p:txBody>
+          <a:bodyPr rtlCol="0" anchor="ctr"/>
+          <a:lstStyle/>
+          <a:p>
+            <a:pPr algn="ctr"/>
+            <a:r>
+              <a:rPr lang="it-IT" sz="1050" dirty="0"/>
+              <a:t>ACQUISTA2</a:t>
+            </a:r>
+          </a:p>
+        </p:txBody>
+      </p:sp>
+      <p:cxnSp>
+        <p:nvCxnSpPr>
+          <p:cNvPr id="67" name="Connettore diritto 66">
+            <a:extLst>
+              <a:ext uri="{FF2B5EF4-FFF2-40B4-BE49-F238E27FC236}">
+                <a16:creationId xmlns:a16="http://schemas.microsoft.com/office/drawing/2014/main" id="{E03C03A9-53DA-663B-455A-52DDE6C5A95C}"/>
+              </a:ext>
+            </a:extLst>
+          </p:cNvPr>
+          <p:cNvCxnSpPr>
+            <a:cxnSpLocks/>
+          </p:cNvCxnSpPr>
+          <p:nvPr/>
+        </p:nvCxnSpPr>
+        <p:spPr>
+          <a:xfrm>
+            <a:off x="6327226" y="3311085"/>
+            <a:ext cx="0" cy="626162"/>
+          </a:xfrm>
+          <a:prstGeom prst="line">
+            <a:avLst/>
+          </a:prstGeom>
+          <a:ln w="19050"/>
+        </p:spPr>
+        <p:style>
+          <a:lnRef idx="1">
+            <a:schemeClr val="dk1"/>
+          </a:lnRef>
+          <a:fillRef idx="0">
+            <a:schemeClr val="dk1"/>
+          </a:fillRef>
+          <a:effectRef idx="0">
+            <a:schemeClr val="dk1"/>
+          </a:effectRef>
+          <a:fontRef idx="minor">
+            <a:schemeClr val="tx1"/>
+          </a:fontRef>
+        </p:style>
+      </p:cxnSp>
+    </p:spTree>
+    <p:extLst>
+      <p:ext uri="{BB962C8B-B14F-4D97-AF65-F5344CB8AC3E}">
+        <p14:creationId xmlns:p14="http://schemas.microsoft.com/office/powerpoint/2010/main" val="1882164639"/>
+      </p:ext>
+    </p:extLst>
+  </p:cSld>
+  <p:clrMapOvr>
+    <a:masterClrMapping/>
+  </p:clrMapOvr>
+  <p:timing>
+    <p:tnLst>
+      <p:par>
+        <p:cTn id="1" dur="indefinite" restart="never" nodeType="tmRoot">
+          <p:childTnLst>
+            <p:seq concurrent="1" nextAc="seek">
+              <p:cTn id="2" dur="indefinite" nodeType="mainSeq">
+                <p:childTnLst>
+                  <p:par>
+                    <p:cTn id="3" fill="hold">
+                      <p:stCondLst>
+                        <p:cond delay="indefinite"/>
+                      </p:stCondLst>
+                      <p:childTnLst>
+                        <p:par>
+                          <p:cTn id="4" fill="hold">
+                            <p:stCondLst>
+                              <p:cond delay="0"/>
+                            </p:stCondLst>
+                            <p:childTnLst>
+                              <p:par>
+                                <p:cTn id="5" presetID="10" presetClass="entr" presetSubtype="0" fill="hold" grpId="0" nodeType="clickEffect">
+                                  <p:stCondLst>
+                                    <p:cond delay="0"/>
+                                  </p:stCondLst>
+                                  <p:childTnLst>
+                                    <p:set>
+                                      <p:cBhvr>
+                                        <p:cTn id="6" dur="1" fill="hold">
+                                          <p:stCondLst>
+                                            <p:cond delay="0"/>
+                                          </p:stCondLst>
+                                        </p:cTn>
+                                        <p:tgtEl>
+                                          <p:spTgt spid="5"/>
+                                        </p:tgtEl>
+                                        <p:attrNameLst>
+                                          <p:attrName>style.visibility</p:attrName>
+                                        </p:attrNameLst>
+                                      </p:cBhvr>
+                                      <p:to>
+                                        <p:strVal val="visible"/>
+                                      </p:to>
+                                    </p:set>
+                                    <p:animEffect transition="in" filter="fade">
+                                      <p:cBhvr>
+                                        <p:cTn id="7" dur="500"/>
+                                        <p:tgtEl>
+                                          <p:spTgt spid="5"/>
+                                        </p:tgtEl>
+                                      </p:cBhvr>
+                                    </p:animEffect>
+                                  </p:childTnLst>
+                                </p:cTn>
+                              </p:par>
+                              <p:par>
+                                <p:cTn id="8" presetID="10" presetClass="entr" presetSubtype="0" fill="hold" grpId="0" nodeType="withEffect">
+                                  <p:stCondLst>
+                                    <p:cond delay="0"/>
+                                  </p:stCondLst>
+                                  <p:childTnLst>
+                                    <p:set>
+                                      <p:cBhvr>
+                                        <p:cTn id="9" dur="1" fill="hold">
+                                          <p:stCondLst>
+                                            <p:cond delay="0"/>
+                                          </p:stCondLst>
+                                        </p:cTn>
+                                        <p:tgtEl>
+                                          <p:spTgt spid="4"/>
+                                        </p:tgtEl>
+                                        <p:attrNameLst>
+                                          <p:attrName>style.visibility</p:attrName>
+                                        </p:attrNameLst>
+                                      </p:cBhvr>
+                                      <p:to>
+                                        <p:strVal val="visible"/>
+                                      </p:to>
+                                    </p:set>
+                                    <p:animEffect transition="in" filter="fade">
+                                      <p:cBhvr>
+                                        <p:cTn id="10" dur="500"/>
+                                        <p:tgtEl>
+                                          <p:spTgt spid="4"/>
+                                        </p:tgtEl>
+                                      </p:cBhvr>
+                                    </p:animEffect>
+                                  </p:childTnLst>
+                                </p:cTn>
+                              </p:par>
+                            </p:childTnLst>
+                          </p:cTn>
+                        </p:par>
+                      </p:childTnLst>
+                    </p:cTn>
+                  </p:par>
+                  <p:par>
+                    <p:cTn id="11" fill="hold">
+                      <p:stCondLst>
+                        <p:cond delay="indefinite"/>
+                      </p:stCondLst>
+                      <p:childTnLst>
+                        <p:par>
+                          <p:cTn id="12" fill="hold">
+                            <p:stCondLst>
+                              <p:cond delay="0"/>
+                            </p:stCondLst>
+                            <p:childTnLst>
+                              <p:par>
+                                <p:cTn id="13" presetID="2" presetClass="entr" presetSubtype="4" fill="hold" nodeType="clickEffect">
+                                  <p:stCondLst>
+                                    <p:cond delay="0"/>
+                                  </p:stCondLst>
+                                  <p:childTnLst>
+                                    <p:set>
+                                      <p:cBhvr>
+                                        <p:cTn id="14" dur="1" fill="hold">
+                                          <p:stCondLst>
+                                            <p:cond delay="0"/>
+                                          </p:stCondLst>
+                                        </p:cTn>
+                                        <p:tgtEl>
+                                          <p:spTgt spid="7"/>
+                                        </p:tgtEl>
+                                        <p:attrNameLst>
+                                          <p:attrName>style.visibility</p:attrName>
+                                        </p:attrNameLst>
+                                      </p:cBhvr>
+                                      <p:to>
+                                        <p:strVal val="visible"/>
+                                      </p:to>
+                                    </p:set>
+                                    <p:anim calcmode="lin" valueType="num">
+                                      <p:cBhvr additive="base">
+                                        <p:cTn id="15" dur="500" fill="hold"/>
+                                        <p:tgtEl>
+                                          <p:spTgt spid="7"/>
+                                        </p:tgtEl>
+                                        <p:attrNameLst>
+                                          <p:attrName>ppt_x</p:attrName>
+                                        </p:attrNameLst>
+                                      </p:cBhvr>
+                                      <p:tavLst>
+                                        <p:tav tm="0">
+                                          <p:val>
+                                            <p:strVal val="#ppt_x"/>
+                                          </p:val>
+                                        </p:tav>
+                                        <p:tav tm="100000">
+                                          <p:val>
+                                            <p:strVal val="#ppt_x"/>
+                                          </p:val>
+                                        </p:tav>
+                                      </p:tavLst>
+                                    </p:anim>
+                                    <p:anim calcmode="lin" valueType="num">
+                                      <p:cBhvr additive="base">
+                                        <p:cTn id="16" dur="500" fill="hold"/>
+                                        <p:tgtEl>
+                                          <p:spTgt spid="7"/>
+                                        </p:tgtEl>
+                                        <p:attrNameLst>
+                                          <p:attrName>ppt_y</p:attrName>
+                                        </p:attrNameLst>
+                                      </p:cBhvr>
+                                      <p:tavLst>
+                                        <p:tav tm="0">
+                                          <p:val>
+                                            <p:strVal val="1+#ppt_h/2"/>
+                                          </p:val>
+                                        </p:tav>
+                                        <p:tav tm="100000">
+                                          <p:val>
+                                            <p:strVal val="#ppt_y"/>
+                                          </p:val>
+                                        </p:tav>
+                                      </p:tavLst>
+                                    </p:anim>
+                                  </p:childTnLst>
+                                </p:cTn>
+                              </p:par>
+                              <p:par>
+                                <p:cTn id="17" presetID="2" presetClass="entr" presetSubtype="4" fill="hold" nodeType="withEffect">
+                                  <p:stCondLst>
+                                    <p:cond delay="0"/>
+                                  </p:stCondLst>
+                                  <p:childTnLst>
+                                    <p:set>
+                                      <p:cBhvr>
+                                        <p:cTn id="18" dur="1" fill="hold">
+                                          <p:stCondLst>
+                                            <p:cond delay="0"/>
+                                          </p:stCondLst>
+                                        </p:cTn>
+                                        <p:tgtEl>
+                                          <p:spTgt spid="10"/>
+                                        </p:tgtEl>
+                                        <p:attrNameLst>
+                                          <p:attrName>style.visibility</p:attrName>
+                                        </p:attrNameLst>
+                                      </p:cBhvr>
+                                      <p:to>
+                                        <p:strVal val="visible"/>
+                                      </p:to>
+                                    </p:set>
+                                    <p:anim calcmode="lin" valueType="num">
+                                      <p:cBhvr additive="base">
+                                        <p:cTn id="19" dur="500" fill="hold"/>
+                                        <p:tgtEl>
+                                          <p:spTgt spid="10"/>
+                                        </p:tgtEl>
+                                        <p:attrNameLst>
+                                          <p:attrName>ppt_x</p:attrName>
+                                        </p:attrNameLst>
+                                      </p:cBhvr>
+                                      <p:tavLst>
+                                        <p:tav tm="0">
+                                          <p:val>
+                                            <p:strVal val="#ppt_x"/>
+                                          </p:val>
+                                        </p:tav>
+                                        <p:tav tm="100000">
+                                          <p:val>
+                                            <p:strVal val="#ppt_x"/>
+                                          </p:val>
+                                        </p:tav>
+                                      </p:tavLst>
+                                    </p:anim>
+                                    <p:anim calcmode="lin" valueType="num">
+                                      <p:cBhvr additive="base">
+                                        <p:cTn id="20" dur="500" fill="hold"/>
+                                        <p:tgtEl>
+                                          <p:spTgt spid="10"/>
+                                        </p:tgtEl>
+                                        <p:attrNameLst>
+                                          <p:attrName>ppt_y</p:attrName>
+                                        </p:attrNameLst>
+                                      </p:cBhvr>
+                                      <p:tavLst>
+                                        <p:tav tm="0">
+                                          <p:val>
+                                            <p:strVal val="1+#ppt_h/2"/>
+                                          </p:val>
+                                        </p:tav>
+                                        <p:tav tm="100000">
+                                          <p:val>
+                                            <p:strVal val="#ppt_y"/>
+                                          </p:val>
+                                        </p:tav>
+                                      </p:tavLst>
+                                    </p:anim>
+                                  </p:childTnLst>
+                                </p:cTn>
+                              </p:par>
+                              <p:par>
+                                <p:cTn id="21" presetID="2" presetClass="entr" presetSubtype="4" fill="hold" nodeType="withEffect">
+                                  <p:stCondLst>
+                                    <p:cond delay="0"/>
+                                  </p:stCondLst>
+                                  <p:childTnLst>
+                                    <p:set>
+                                      <p:cBhvr>
+                                        <p:cTn id="22" dur="1" fill="hold">
+                                          <p:stCondLst>
+                                            <p:cond delay="0"/>
+                                          </p:stCondLst>
+                                        </p:cTn>
+                                        <p:tgtEl>
+                                          <p:spTgt spid="13"/>
+                                        </p:tgtEl>
+                                        <p:attrNameLst>
+                                          <p:attrName>style.visibility</p:attrName>
+                                        </p:attrNameLst>
+                                      </p:cBhvr>
+                                      <p:to>
+                                        <p:strVal val="visible"/>
+                                      </p:to>
+                                    </p:set>
+                                    <p:anim calcmode="lin" valueType="num">
+                                      <p:cBhvr additive="base">
+                                        <p:cTn id="23" dur="500" fill="hold"/>
+                                        <p:tgtEl>
+                                          <p:spTgt spid="13"/>
+                                        </p:tgtEl>
+                                        <p:attrNameLst>
+                                          <p:attrName>ppt_x</p:attrName>
+                                        </p:attrNameLst>
+                                      </p:cBhvr>
+                                      <p:tavLst>
+                                        <p:tav tm="0">
+                                          <p:val>
+                                            <p:strVal val="#ppt_x"/>
+                                          </p:val>
+                                        </p:tav>
+                                        <p:tav tm="100000">
+                                          <p:val>
+                                            <p:strVal val="#ppt_x"/>
+                                          </p:val>
+                                        </p:tav>
+                                      </p:tavLst>
+                                    </p:anim>
+                                    <p:anim calcmode="lin" valueType="num">
+                                      <p:cBhvr additive="base">
+                                        <p:cTn id="24" dur="500" fill="hold"/>
+                                        <p:tgtEl>
+                                          <p:spTgt spid="13"/>
+                                        </p:tgtEl>
+                                        <p:attrNameLst>
+                                          <p:attrName>ppt_y</p:attrName>
+                                        </p:attrNameLst>
+                                      </p:cBhvr>
+                                      <p:tavLst>
+                                        <p:tav tm="0">
+                                          <p:val>
+                                            <p:strVal val="1+#ppt_h/2"/>
+                                          </p:val>
+                                        </p:tav>
+                                        <p:tav tm="100000">
+                                          <p:val>
+                                            <p:strVal val="#ppt_y"/>
+                                          </p:val>
+                                        </p:tav>
+                                      </p:tavLst>
+                                    </p:anim>
+                                  </p:childTnLst>
+                                </p:cTn>
+                              </p:par>
+                              <p:par>
+                                <p:cTn id="25" presetID="2" presetClass="entr" presetSubtype="4" fill="hold" nodeType="withEffect">
+                                  <p:stCondLst>
+                                    <p:cond delay="0"/>
+                                  </p:stCondLst>
+                                  <p:childTnLst>
+                                    <p:set>
+                                      <p:cBhvr>
+                                        <p:cTn id="26" dur="1" fill="hold">
+                                          <p:stCondLst>
+                                            <p:cond delay="0"/>
+                                          </p:stCondLst>
+                                        </p:cTn>
+                                        <p:tgtEl>
+                                          <p:spTgt spid="29"/>
+                                        </p:tgtEl>
+                                        <p:attrNameLst>
+                                          <p:attrName>style.visibility</p:attrName>
+                                        </p:attrNameLst>
+                                      </p:cBhvr>
+                                      <p:to>
+                                        <p:strVal val="visible"/>
+                                      </p:to>
+                                    </p:set>
+                                    <p:anim calcmode="lin" valueType="num">
+                                      <p:cBhvr additive="base">
+                                        <p:cTn id="27" dur="500" fill="hold"/>
+                                        <p:tgtEl>
+                                          <p:spTgt spid="29"/>
+                                        </p:tgtEl>
+                                        <p:attrNameLst>
+                                          <p:attrName>ppt_x</p:attrName>
+                                        </p:attrNameLst>
+                                      </p:cBhvr>
+                                      <p:tavLst>
+                                        <p:tav tm="0">
+                                          <p:val>
+                                            <p:strVal val="#ppt_x"/>
+                                          </p:val>
+                                        </p:tav>
+                                        <p:tav tm="100000">
+                                          <p:val>
+                                            <p:strVal val="#ppt_x"/>
+                                          </p:val>
+                                        </p:tav>
+                                      </p:tavLst>
+                                    </p:anim>
+                                    <p:anim calcmode="lin" valueType="num">
+                                      <p:cBhvr additive="base">
+                                        <p:cTn id="28" dur="500" fill="hold"/>
+                                        <p:tgtEl>
+                                          <p:spTgt spid="29"/>
+                                        </p:tgtEl>
+                                        <p:attrNameLst>
+                                          <p:attrName>ppt_y</p:attrName>
+                                        </p:attrNameLst>
+                                      </p:cBhvr>
+                                      <p:tavLst>
+                                        <p:tav tm="0">
+                                          <p:val>
+                                            <p:strVal val="1+#ppt_h/2"/>
+                                          </p:val>
+                                        </p:tav>
+                                        <p:tav tm="100000">
+                                          <p:val>
+                                            <p:strVal val="#ppt_y"/>
+                                          </p:val>
+                                        </p:tav>
+                                      </p:tavLst>
+                                    </p:anim>
+                                  </p:childTnLst>
+                                </p:cTn>
+                              </p:par>
+                              <p:par>
+                                <p:cTn id="29" presetID="2" presetClass="entr" presetSubtype="4" fill="hold" nodeType="withEffect">
+                                  <p:stCondLst>
+                                    <p:cond delay="0"/>
+                                  </p:stCondLst>
+                                  <p:childTnLst>
+                                    <p:set>
+                                      <p:cBhvr>
+                                        <p:cTn id="30" dur="1" fill="hold">
+                                          <p:stCondLst>
+                                            <p:cond delay="0"/>
+                                          </p:stCondLst>
+                                        </p:cTn>
+                                        <p:tgtEl>
+                                          <p:spTgt spid="30"/>
+                                        </p:tgtEl>
+                                        <p:attrNameLst>
+                                          <p:attrName>style.visibility</p:attrName>
+                                        </p:attrNameLst>
+                                      </p:cBhvr>
+                                      <p:to>
+                                        <p:strVal val="visible"/>
+                                      </p:to>
+                                    </p:set>
+                                    <p:anim calcmode="lin" valueType="num">
+                                      <p:cBhvr additive="base">
+                                        <p:cTn id="31" dur="500" fill="hold"/>
+                                        <p:tgtEl>
+                                          <p:spTgt spid="30"/>
+                                        </p:tgtEl>
+                                        <p:attrNameLst>
+                                          <p:attrName>ppt_x</p:attrName>
+                                        </p:attrNameLst>
+                                      </p:cBhvr>
+                                      <p:tavLst>
+                                        <p:tav tm="0">
+                                          <p:val>
+                                            <p:strVal val="#ppt_x"/>
+                                          </p:val>
+                                        </p:tav>
+                                        <p:tav tm="100000">
+                                          <p:val>
+                                            <p:strVal val="#ppt_x"/>
+                                          </p:val>
+                                        </p:tav>
+                                      </p:tavLst>
+                                    </p:anim>
+                                    <p:anim calcmode="lin" valueType="num">
+                                      <p:cBhvr additive="base">
+                                        <p:cTn id="32" dur="500" fill="hold"/>
+                                        <p:tgtEl>
+                                          <p:spTgt spid="30"/>
+                                        </p:tgtEl>
+                                        <p:attrNameLst>
+                                          <p:attrName>ppt_y</p:attrName>
+                                        </p:attrNameLst>
+                                      </p:cBhvr>
+                                      <p:tavLst>
+                                        <p:tav tm="0">
+                                          <p:val>
+                                            <p:strVal val="1+#ppt_h/2"/>
+                                          </p:val>
+                                        </p:tav>
+                                        <p:tav tm="100000">
+                                          <p:val>
+                                            <p:strVal val="#ppt_y"/>
+                                          </p:val>
+                                        </p:tav>
+                                      </p:tavLst>
+                                    </p:anim>
+                                  </p:childTnLst>
+                                </p:cTn>
+                              </p:par>
+                              <p:par>
+                                <p:cTn id="33" presetID="2" presetClass="entr" presetSubtype="4" fill="hold" nodeType="withEffect">
+                                  <p:stCondLst>
+                                    <p:cond delay="0"/>
+                                  </p:stCondLst>
+                                  <p:childTnLst>
+                                    <p:set>
+                                      <p:cBhvr>
+                                        <p:cTn id="34" dur="1" fill="hold">
+                                          <p:stCondLst>
+                                            <p:cond delay="0"/>
+                                          </p:stCondLst>
+                                        </p:cTn>
+                                        <p:tgtEl>
+                                          <p:spTgt spid="31"/>
+                                        </p:tgtEl>
+                                        <p:attrNameLst>
+                                          <p:attrName>style.visibility</p:attrName>
+                                        </p:attrNameLst>
+                                      </p:cBhvr>
+                                      <p:to>
+                                        <p:strVal val="visible"/>
+                                      </p:to>
+                                    </p:set>
+                                    <p:anim calcmode="lin" valueType="num">
+                                      <p:cBhvr additive="base">
+                                        <p:cTn id="35" dur="500" fill="hold"/>
+                                        <p:tgtEl>
+                                          <p:spTgt spid="31"/>
+                                        </p:tgtEl>
+                                        <p:attrNameLst>
+                                          <p:attrName>ppt_x</p:attrName>
+                                        </p:attrNameLst>
+                                      </p:cBhvr>
+                                      <p:tavLst>
+                                        <p:tav tm="0">
+                                          <p:val>
+                                            <p:strVal val="#ppt_x"/>
+                                          </p:val>
+                                        </p:tav>
+                                        <p:tav tm="100000">
+                                          <p:val>
+                                            <p:strVal val="#ppt_x"/>
+                                          </p:val>
+                                        </p:tav>
+                                      </p:tavLst>
+                                    </p:anim>
+                                    <p:anim calcmode="lin" valueType="num">
+                                      <p:cBhvr additive="base">
+                                        <p:cTn id="36" dur="500" fill="hold"/>
+                                        <p:tgtEl>
+                                          <p:spTgt spid="31"/>
+                                        </p:tgtEl>
+                                        <p:attrNameLst>
+                                          <p:attrName>ppt_y</p:attrName>
+                                        </p:attrNameLst>
+                                      </p:cBhvr>
+                                      <p:tavLst>
+                                        <p:tav tm="0">
+                                          <p:val>
+                                            <p:strVal val="1+#ppt_h/2"/>
+                                          </p:val>
+                                        </p:tav>
+                                        <p:tav tm="100000">
+                                          <p:val>
+                                            <p:strVal val="#ppt_y"/>
+                                          </p:val>
+                                        </p:tav>
+                                      </p:tavLst>
+                                    </p:anim>
+                                  </p:childTnLst>
+                                </p:cTn>
+                              </p:par>
+                            </p:childTnLst>
+                          </p:cTn>
+                        </p:par>
+                      </p:childTnLst>
+                    </p:cTn>
+                  </p:par>
+                  <p:par>
+                    <p:cTn id="37" fill="hold">
+                      <p:stCondLst>
+                        <p:cond delay="indefinite"/>
+                      </p:stCondLst>
+                      <p:childTnLst>
+                        <p:par>
+                          <p:cTn id="38" fill="hold">
+                            <p:stCondLst>
+                              <p:cond delay="0"/>
+                            </p:stCondLst>
+                            <p:childTnLst>
+                              <p:par>
+                                <p:cTn id="39" presetID="2" presetClass="entr" presetSubtype="4" fill="hold" nodeType="clickEffect">
+                                  <p:stCondLst>
+                                    <p:cond delay="0"/>
+                                  </p:stCondLst>
+                                  <p:childTnLst>
+                                    <p:set>
+                                      <p:cBhvr>
+                                        <p:cTn id="40" dur="1" fill="hold">
+                                          <p:stCondLst>
+                                            <p:cond delay="0"/>
+                                          </p:stCondLst>
+                                        </p:cTn>
+                                        <p:tgtEl>
+                                          <p:spTgt spid="19"/>
+                                        </p:tgtEl>
+                                        <p:attrNameLst>
+                                          <p:attrName>style.visibility</p:attrName>
+                                        </p:attrNameLst>
+                                      </p:cBhvr>
+                                      <p:to>
+                                        <p:strVal val="visible"/>
+                                      </p:to>
+                                    </p:set>
+                                    <p:anim calcmode="lin" valueType="num">
+                                      <p:cBhvr additive="base">
+                                        <p:cTn id="41" dur="500" fill="hold"/>
+                                        <p:tgtEl>
+                                          <p:spTgt spid="19"/>
+                                        </p:tgtEl>
+                                        <p:attrNameLst>
+                                          <p:attrName>ppt_x</p:attrName>
+                                        </p:attrNameLst>
+                                      </p:cBhvr>
+                                      <p:tavLst>
+                                        <p:tav tm="0">
+                                          <p:val>
+                                            <p:strVal val="#ppt_x"/>
+                                          </p:val>
+                                        </p:tav>
+                                        <p:tav tm="100000">
+                                          <p:val>
+                                            <p:strVal val="#ppt_x"/>
+                                          </p:val>
+                                        </p:tav>
+                                      </p:tavLst>
+                                    </p:anim>
+                                    <p:anim calcmode="lin" valueType="num">
+                                      <p:cBhvr additive="base">
+                                        <p:cTn id="42" dur="500" fill="hold"/>
+                                        <p:tgtEl>
+                                          <p:spTgt spid="19"/>
+                                        </p:tgtEl>
+                                        <p:attrNameLst>
+                                          <p:attrName>ppt_y</p:attrName>
+                                        </p:attrNameLst>
+                                      </p:cBhvr>
+                                      <p:tavLst>
+                                        <p:tav tm="0">
+                                          <p:val>
+                                            <p:strVal val="1+#ppt_h/2"/>
+                                          </p:val>
+                                        </p:tav>
+                                        <p:tav tm="100000">
+                                          <p:val>
+                                            <p:strVal val="#ppt_y"/>
+                                          </p:val>
+                                        </p:tav>
+                                      </p:tavLst>
+                                    </p:anim>
+                                  </p:childTnLst>
+                                </p:cTn>
+                              </p:par>
+                              <p:par>
+                                <p:cTn id="43" presetID="2" presetClass="entr" presetSubtype="4" fill="hold" nodeType="withEffect">
+                                  <p:stCondLst>
+                                    <p:cond delay="0"/>
+                                  </p:stCondLst>
+                                  <p:childTnLst>
+                                    <p:set>
+                                      <p:cBhvr>
+                                        <p:cTn id="44" dur="1" fill="hold">
+                                          <p:stCondLst>
+                                            <p:cond delay="0"/>
+                                          </p:stCondLst>
+                                        </p:cTn>
+                                        <p:tgtEl>
+                                          <p:spTgt spid="23"/>
+                                        </p:tgtEl>
+                                        <p:attrNameLst>
+                                          <p:attrName>style.visibility</p:attrName>
+                                        </p:attrNameLst>
+                                      </p:cBhvr>
+                                      <p:to>
+                                        <p:strVal val="visible"/>
+                                      </p:to>
+                                    </p:set>
+                                    <p:anim calcmode="lin" valueType="num">
+                                      <p:cBhvr additive="base">
+                                        <p:cTn id="45" dur="500" fill="hold"/>
+                                        <p:tgtEl>
+                                          <p:spTgt spid="23"/>
+                                        </p:tgtEl>
+                                        <p:attrNameLst>
+                                          <p:attrName>ppt_x</p:attrName>
+                                        </p:attrNameLst>
+                                      </p:cBhvr>
+                                      <p:tavLst>
+                                        <p:tav tm="0">
+                                          <p:val>
+                                            <p:strVal val="#ppt_x"/>
+                                          </p:val>
+                                        </p:tav>
+                                        <p:tav tm="100000">
+                                          <p:val>
+                                            <p:strVal val="#ppt_x"/>
+                                          </p:val>
+                                        </p:tav>
+                                      </p:tavLst>
+                                    </p:anim>
+                                    <p:anim calcmode="lin" valueType="num">
+                                      <p:cBhvr additive="base">
+                                        <p:cTn id="46" dur="500" fill="hold"/>
+                                        <p:tgtEl>
+                                          <p:spTgt spid="23"/>
+                                        </p:tgtEl>
+                                        <p:attrNameLst>
+                                          <p:attrName>ppt_y</p:attrName>
+                                        </p:attrNameLst>
+                                      </p:cBhvr>
+                                      <p:tavLst>
+                                        <p:tav tm="0">
+                                          <p:val>
+                                            <p:strVal val="1+#ppt_h/2"/>
+                                          </p:val>
+                                        </p:tav>
+                                        <p:tav tm="100000">
+                                          <p:val>
+                                            <p:strVal val="#ppt_y"/>
+                                          </p:val>
+                                        </p:tav>
+                                      </p:tavLst>
+                                    </p:anim>
+                                  </p:childTnLst>
+                                </p:cTn>
+                              </p:par>
+                              <p:par>
+                                <p:cTn id="47" presetID="2" presetClass="entr" presetSubtype="4" fill="hold" nodeType="withEffect">
+                                  <p:stCondLst>
+                                    <p:cond delay="0"/>
+                                  </p:stCondLst>
+                                  <p:childTnLst>
+                                    <p:set>
+                                      <p:cBhvr>
+                                        <p:cTn id="48" dur="1" fill="hold">
+                                          <p:stCondLst>
+                                            <p:cond delay="0"/>
+                                          </p:stCondLst>
+                                        </p:cTn>
+                                        <p:tgtEl>
+                                          <p:spTgt spid="28"/>
+                                        </p:tgtEl>
+                                        <p:attrNameLst>
+                                          <p:attrName>style.visibility</p:attrName>
+                                        </p:attrNameLst>
+                                      </p:cBhvr>
+                                      <p:to>
+                                        <p:strVal val="visible"/>
+                                      </p:to>
+                                    </p:set>
+                                    <p:anim calcmode="lin" valueType="num">
+                                      <p:cBhvr additive="base">
+                                        <p:cTn id="49" dur="500" fill="hold"/>
+                                        <p:tgtEl>
+                                          <p:spTgt spid="28"/>
+                                        </p:tgtEl>
+                                        <p:attrNameLst>
+                                          <p:attrName>ppt_x</p:attrName>
+                                        </p:attrNameLst>
+                                      </p:cBhvr>
+                                      <p:tavLst>
+                                        <p:tav tm="0">
+                                          <p:val>
+                                            <p:strVal val="#ppt_x"/>
+                                          </p:val>
+                                        </p:tav>
+                                        <p:tav tm="100000">
+                                          <p:val>
+                                            <p:strVal val="#ppt_x"/>
+                                          </p:val>
+                                        </p:tav>
+                                      </p:tavLst>
+                                    </p:anim>
+                                    <p:anim calcmode="lin" valueType="num">
+                                      <p:cBhvr additive="base">
+                                        <p:cTn id="50" dur="500" fill="hold"/>
+                                        <p:tgtEl>
+                                          <p:spTgt spid="28"/>
+                                        </p:tgtEl>
+                                        <p:attrNameLst>
+                                          <p:attrName>ppt_y</p:attrName>
+                                        </p:attrNameLst>
+                                      </p:cBhvr>
+                                      <p:tavLst>
+                                        <p:tav tm="0">
+                                          <p:val>
+                                            <p:strVal val="1+#ppt_h/2"/>
+                                          </p:val>
+                                        </p:tav>
+                                        <p:tav tm="100000">
+                                          <p:val>
+                                            <p:strVal val="#ppt_y"/>
+                                          </p:val>
+                                        </p:tav>
+                                      </p:tavLst>
+                                    </p:anim>
+                                  </p:childTnLst>
+                                </p:cTn>
+                              </p:par>
+                              <p:par>
+                                <p:cTn id="51" presetID="2" presetClass="entr" presetSubtype="4" fill="hold" nodeType="withEffect">
+                                  <p:stCondLst>
+                                    <p:cond delay="0"/>
+                                  </p:stCondLst>
+                                  <p:childTnLst>
+                                    <p:set>
+                                      <p:cBhvr>
+                                        <p:cTn id="52" dur="1" fill="hold">
+                                          <p:stCondLst>
+                                            <p:cond delay="0"/>
+                                          </p:stCondLst>
+                                        </p:cTn>
+                                        <p:tgtEl>
+                                          <p:spTgt spid="16"/>
+                                        </p:tgtEl>
+                                        <p:attrNameLst>
+                                          <p:attrName>style.visibility</p:attrName>
+                                        </p:attrNameLst>
+                                      </p:cBhvr>
+                                      <p:to>
+                                        <p:strVal val="visible"/>
+                                      </p:to>
+                                    </p:set>
+                                    <p:anim calcmode="lin" valueType="num">
+                                      <p:cBhvr additive="base">
+                                        <p:cTn id="53" dur="500" fill="hold"/>
+                                        <p:tgtEl>
+                                          <p:spTgt spid="16"/>
+                                        </p:tgtEl>
+                                        <p:attrNameLst>
+                                          <p:attrName>ppt_x</p:attrName>
+                                        </p:attrNameLst>
+                                      </p:cBhvr>
+                                      <p:tavLst>
+                                        <p:tav tm="0">
+                                          <p:val>
+                                            <p:strVal val="#ppt_x"/>
+                                          </p:val>
+                                        </p:tav>
+                                        <p:tav tm="100000">
+                                          <p:val>
+                                            <p:strVal val="#ppt_x"/>
+                                          </p:val>
+                                        </p:tav>
+                                      </p:tavLst>
+                                    </p:anim>
+                                    <p:anim calcmode="lin" valueType="num">
+                                      <p:cBhvr additive="base">
+                                        <p:cTn id="54" dur="500" fill="hold"/>
+                                        <p:tgtEl>
+                                          <p:spTgt spid="16"/>
+                                        </p:tgtEl>
+                                        <p:attrNameLst>
+                                          <p:attrName>ppt_y</p:attrName>
+                                        </p:attrNameLst>
+                                      </p:cBhvr>
+                                      <p:tavLst>
+                                        <p:tav tm="0">
+                                          <p:val>
+                                            <p:strVal val="1+#ppt_h/2"/>
+                                          </p:val>
+                                        </p:tav>
+                                        <p:tav tm="100000">
+                                          <p:val>
+                                            <p:strVal val="#ppt_y"/>
+                                          </p:val>
+                                        </p:tav>
+                                      </p:tavLst>
+                                    </p:anim>
+                                  </p:childTnLst>
+                                </p:cTn>
+                              </p:par>
+                            </p:childTnLst>
+                          </p:cTn>
+                        </p:par>
+                      </p:childTnLst>
+                    </p:cTn>
+                  </p:par>
+                  <p:par>
+                    <p:cTn id="55" fill="hold">
+                      <p:stCondLst>
+                        <p:cond delay="indefinite"/>
+                      </p:stCondLst>
+                      <p:childTnLst>
+                        <p:par>
+                          <p:cTn id="56" fill="hold">
+                            <p:stCondLst>
+                              <p:cond delay="0"/>
+                            </p:stCondLst>
+                            <p:childTnLst>
+                              <p:par>
+                                <p:cTn id="57" presetID="10" presetClass="entr" presetSubtype="0" fill="hold" grpId="0" nodeType="clickEffect">
+                                  <p:stCondLst>
+                                    <p:cond delay="0"/>
+                                  </p:stCondLst>
+                                  <p:childTnLst>
+                                    <p:set>
+                                      <p:cBhvr>
+                                        <p:cTn id="58" dur="1" fill="hold">
+                                          <p:stCondLst>
+                                            <p:cond delay="0"/>
+                                          </p:stCondLst>
+                                        </p:cTn>
+                                        <p:tgtEl>
+                                          <p:spTgt spid="22"/>
+                                        </p:tgtEl>
+                                        <p:attrNameLst>
+                                          <p:attrName>style.visibility</p:attrName>
+                                        </p:attrNameLst>
+                                      </p:cBhvr>
+                                      <p:to>
+                                        <p:strVal val="visible"/>
+                                      </p:to>
+                                    </p:set>
+                                    <p:animEffect transition="in" filter="fade">
+                                      <p:cBhvr>
+                                        <p:cTn id="59" dur="500"/>
+                                        <p:tgtEl>
+                                          <p:spTgt spid="22"/>
+                                        </p:tgtEl>
+                                      </p:cBhvr>
+                                    </p:animEffect>
+                                  </p:childTnLst>
+                                </p:cTn>
+                              </p:par>
+                              <p:par>
+                                <p:cTn id="60" presetID="10" presetClass="entr" presetSubtype="0" fill="hold" nodeType="withEffect">
+                                  <p:stCondLst>
+                                    <p:cond delay="0"/>
+                                  </p:stCondLst>
+                                  <p:childTnLst>
+                                    <p:set>
+                                      <p:cBhvr>
+                                        <p:cTn id="61" dur="1" fill="hold">
+                                          <p:stCondLst>
+                                            <p:cond delay="0"/>
+                                          </p:stCondLst>
+                                        </p:cTn>
+                                        <p:tgtEl>
+                                          <p:spTgt spid="37"/>
+                                        </p:tgtEl>
+                                        <p:attrNameLst>
+                                          <p:attrName>style.visibility</p:attrName>
+                                        </p:attrNameLst>
+                                      </p:cBhvr>
+                                      <p:to>
+                                        <p:strVal val="visible"/>
+                                      </p:to>
+                                    </p:set>
+                                    <p:animEffect transition="in" filter="fade">
+                                      <p:cBhvr>
+                                        <p:cTn id="62" dur="500"/>
+                                        <p:tgtEl>
+                                          <p:spTgt spid="37"/>
+                                        </p:tgtEl>
+                                      </p:cBhvr>
+                                    </p:animEffect>
+                                  </p:childTnLst>
+                                </p:cTn>
+                              </p:par>
+                              <p:par>
+                                <p:cTn id="63" presetID="2" presetClass="entr" presetSubtype="4" fill="hold" nodeType="withEffect">
+                                  <p:stCondLst>
+                                    <p:cond delay="0"/>
+                                  </p:stCondLst>
+                                  <p:childTnLst>
+                                    <p:set>
+                                      <p:cBhvr>
+                                        <p:cTn id="64" dur="1" fill="hold">
+                                          <p:stCondLst>
+                                            <p:cond delay="0"/>
+                                          </p:stCondLst>
+                                        </p:cTn>
+                                        <p:tgtEl>
+                                          <p:spTgt spid="35"/>
+                                        </p:tgtEl>
+                                        <p:attrNameLst>
+                                          <p:attrName>style.visibility</p:attrName>
+                                        </p:attrNameLst>
+                                      </p:cBhvr>
+                                      <p:to>
+                                        <p:strVal val="visible"/>
+                                      </p:to>
+                                    </p:set>
+                                    <p:anim calcmode="lin" valueType="num">
+                                      <p:cBhvr additive="base">
+                                        <p:cTn id="65" dur="500" fill="hold"/>
+                                        <p:tgtEl>
+                                          <p:spTgt spid="35"/>
+                                        </p:tgtEl>
+                                        <p:attrNameLst>
+                                          <p:attrName>ppt_x</p:attrName>
+                                        </p:attrNameLst>
+                                      </p:cBhvr>
+                                      <p:tavLst>
+                                        <p:tav tm="0">
+                                          <p:val>
+                                            <p:strVal val="#ppt_x"/>
+                                          </p:val>
+                                        </p:tav>
+                                        <p:tav tm="100000">
+                                          <p:val>
+                                            <p:strVal val="#ppt_x"/>
+                                          </p:val>
+                                        </p:tav>
+                                      </p:tavLst>
+                                    </p:anim>
+                                    <p:anim calcmode="lin" valueType="num">
+                                      <p:cBhvr additive="base">
+                                        <p:cTn id="66" dur="500" fill="hold"/>
+                                        <p:tgtEl>
+                                          <p:spTgt spid="35"/>
+                                        </p:tgtEl>
+                                        <p:attrNameLst>
+                                          <p:attrName>ppt_y</p:attrName>
+                                        </p:attrNameLst>
+                                      </p:cBhvr>
+                                      <p:tavLst>
+                                        <p:tav tm="0">
+                                          <p:val>
+                                            <p:strVal val="1+#ppt_h/2"/>
+                                          </p:val>
+                                        </p:tav>
+                                        <p:tav tm="100000">
+                                          <p:val>
+                                            <p:strVal val="#ppt_y"/>
+                                          </p:val>
+                                        </p:tav>
+                                      </p:tavLst>
+                                    </p:anim>
+                                  </p:childTnLst>
+                                </p:cTn>
+                              </p:par>
+                            </p:childTnLst>
+                          </p:cTn>
+                        </p:par>
+                      </p:childTnLst>
+                    </p:cTn>
+                  </p:par>
+                  <p:par>
+                    <p:cTn id="67" fill="hold">
+                      <p:stCondLst>
+                        <p:cond delay="indefinite"/>
+                      </p:stCondLst>
+                      <p:childTnLst>
+                        <p:par>
+                          <p:cTn id="68" fill="hold">
+                            <p:stCondLst>
+                              <p:cond delay="0"/>
+                            </p:stCondLst>
+                            <p:childTnLst>
+                              <p:par>
+                                <p:cTn id="69" presetID="2" presetClass="entr" presetSubtype="4" fill="hold" nodeType="clickEffect">
+                                  <p:stCondLst>
+                                    <p:cond delay="0"/>
+                                  </p:stCondLst>
+                                  <p:childTnLst>
+                                    <p:set>
+                                      <p:cBhvr>
+                                        <p:cTn id="70" dur="1" fill="hold">
+                                          <p:stCondLst>
+                                            <p:cond delay="0"/>
+                                          </p:stCondLst>
+                                        </p:cTn>
+                                        <p:tgtEl>
+                                          <p:spTgt spid="41"/>
+                                        </p:tgtEl>
+                                        <p:attrNameLst>
+                                          <p:attrName>style.visibility</p:attrName>
+                                        </p:attrNameLst>
+                                      </p:cBhvr>
+                                      <p:to>
+                                        <p:strVal val="visible"/>
+                                      </p:to>
+                                    </p:set>
+                                    <p:anim calcmode="lin" valueType="num">
+                                      <p:cBhvr additive="base">
+                                        <p:cTn id="71" dur="500" fill="hold"/>
+                                        <p:tgtEl>
+                                          <p:spTgt spid="41"/>
+                                        </p:tgtEl>
+                                        <p:attrNameLst>
+                                          <p:attrName>ppt_x</p:attrName>
+                                        </p:attrNameLst>
+                                      </p:cBhvr>
+                                      <p:tavLst>
+                                        <p:tav tm="0">
+                                          <p:val>
+                                            <p:strVal val="#ppt_x"/>
+                                          </p:val>
+                                        </p:tav>
+                                        <p:tav tm="100000">
+                                          <p:val>
+                                            <p:strVal val="#ppt_x"/>
+                                          </p:val>
+                                        </p:tav>
+                                      </p:tavLst>
+                                    </p:anim>
+                                    <p:anim calcmode="lin" valueType="num">
+                                      <p:cBhvr additive="base">
+                                        <p:cTn id="72" dur="500" fill="hold"/>
+                                        <p:tgtEl>
+                                          <p:spTgt spid="41"/>
+                                        </p:tgtEl>
+                                        <p:attrNameLst>
+                                          <p:attrName>ppt_y</p:attrName>
+                                        </p:attrNameLst>
+                                      </p:cBhvr>
+                                      <p:tavLst>
+                                        <p:tav tm="0">
+                                          <p:val>
+                                            <p:strVal val="1+#ppt_h/2"/>
+                                          </p:val>
+                                        </p:tav>
+                                        <p:tav tm="100000">
+                                          <p:val>
+                                            <p:strVal val="#ppt_y"/>
+                                          </p:val>
+                                        </p:tav>
+                                      </p:tavLst>
+                                    </p:anim>
+                                  </p:childTnLst>
+                                </p:cTn>
+                              </p:par>
+                              <p:par>
+                                <p:cTn id="73" presetID="2" presetClass="entr" presetSubtype="4" fill="hold" nodeType="withEffect">
+                                  <p:stCondLst>
+                                    <p:cond delay="0"/>
+                                  </p:stCondLst>
+                                  <p:childTnLst>
+                                    <p:set>
+                                      <p:cBhvr>
+                                        <p:cTn id="74" dur="1" fill="hold">
+                                          <p:stCondLst>
+                                            <p:cond delay="0"/>
+                                          </p:stCondLst>
+                                        </p:cTn>
+                                        <p:tgtEl>
+                                          <p:spTgt spid="44"/>
+                                        </p:tgtEl>
+                                        <p:attrNameLst>
+                                          <p:attrName>style.visibility</p:attrName>
+                                        </p:attrNameLst>
+                                      </p:cBhvr>
+                                      <p:to>
+                                        <p:strVal val="visible"/>
+                                      </p:to>
+                                    </p:set>
+                                    <p:anim calcmode="lin" valueType="num">
+                                      <p:cBhvr additive="base">
+                                        <p:cTn id="75" dur="500" fill="hold"/>
+                                        <p:tgtEl>
+                                          <p:spTgt spid="44"/>
+                                        </p:tgtEl>
+                                        <p:attrNameLst>
+                                          <p:attrName>ppt_x</p:attrName>
+                                        </p:attrNameLst>
+                                      </p:cBhvr>
+                                      <p:tavLst>
+                                        <p:tav tm="0">
+                                          <p:val>
+                                            <p:strVal val="#ppt_x"/>
+                                          </p:val>
+                                        </p:tav>
+                                        <p:tav tm="100000">
+                                          <p:val>
+                                            <p:strVal val="#ppt_x"/>
+                                          </p:val>
+                                        </p:tav>
+                                      </p:tavLst>
+                                    </p:anim>
+                                    <p:anim calcmode="lin" valueType="num">
+                                      <p:cBhvr additive="base">
+                                        <p:cTn id="76" dur="500" fill="hold"/>
+                                        <p:tgtEl>
+                                          <p:spTgt spid="44"/>
+                                        </p:tgtEl>
+                                        <p:attrNameLst>
+                                          <p:attrName>ppt_y</p:attrName>
+                                        </p:attrNameLst>
+                                      </p:cBhvr>
+                                      <p:tavLst>
+                                        <p:tav tm="0">
+                                          <p:val>
+                                            <p:strVal val="1+#ppt_h/2"/>
+                                          </p:val>
+                                        </p:tav>
+                                        <p:tav tm="100000">
+                                          <p:val>
+                                            <p:strVal val="#ppt_y"/>
+                                          </p:val>
+                                        </p:tav>
+                                      </p:tavLst>
+                                    </p:anim>
+                                  </p:childTnLst>
+                                </p:cTn>
+                              </p:par>
+                              <p:par>
+                                <p:cTn id="77" presetID="2" presetClass="entr" presetSubtype="4" fill="hold" nodeType="withEffect">
+                                  <p:stCondLst>
+                                    <p:cond delay="0"/>
+                                  </p:stCondLst>
+                                  <p:childTnLst>
+                                    <p:set>
+                                      <p:cBhvr>
+                                        <p:cTn id="78" dur="1" fill="hold">
+                                          <p:stCondLst>
+                                            <p:cond delay="0"/>
+                                          </p:stCondLst>
+                                        </p:cTn>
+                                        <p:tgtEl>
+                                          <p:spTgt spid="47"/>
+                                        </p:tgtEl>
+                                        <p:attrNameLst>
+                                          <p:attrName>style.visibility</p:attrName>
+                                        </p:attrNameLst>
+                                      </p:cBhvr>
+                                      <p:to>
+                                        <p:strVal val="visible"/>
+                                      </p:to>
+                                    </p:set>
+                                    <p:anim calcmode="lin" valueType="num">
+                                      <p:cBhvr additive="base">
+                                        <p:cTn id="79" dur="500" fill="hold"/>
+                                        <p:tgtEl>
+                                          <p:spTgt spid="47"/>
+                                        </p:tgtEl>
+                                        <p:attrNameLst>
+                                          <p:attrName>ppt_x</p:attrName>
+                                        </p:attrNameLst>
+                                      </p:cBhvr>
+                                      <p:tavLst>
+                                        <p:tav tm="0">
+                                          <p:val>
+                                            <p:strVal val="#ppt_x"/>
+                                          </p:val>
+                                        </p:tav>
+                                        <p:tav tm="100000">
+                                          <p:val>
+                                            <p:strVal val="#ppt_x"/>
+                                          </p:val>
+                                        </p:tav>
+                                      </p:tavLst>
+                                    </p:anim>
+                                    <p:anim calcmode="lin" valueType="num">
+                                      <p:cBhvr additive="base">
+                                        <p:cTn id="80" dur="500" fill="hold"/>
+                                        <p:tgtEl>
+                                          <p:spTgt spid="47"/>
+                                        </p:tgtEl>
+                                        <p:attrNameLst>
+                                          <p:attrName>ppt_y</p:attrName>
+                                        </p:attrNameLst>
+                                      </p:cBhvr>
+                                      <p:tavLst>
+                                        <p:tav tm="0">
+                                          <p:val>
+                                            <p:strVal val="1+#ppt_h/2"/>
+                                          </p:val>
+                                        </p:tav>
+                                        <p:tav tm="100000">
+                                          <p:val>
+                                            <p:strVal val="#ppt_y"/>
+                                          </p:val>
+                                        </p:tav>
+                                      </p:tavLst>
+                                    </p:anim>
+                                  </p:childTnLst>
+                                </p:cTn>
+                              </p:par>
+                              <p:par>
+                                <p:cTn id="81" presetID="2" presetClass="entr" presetSubtype="4" fill="hold" nodeType="withEffect">
+                                  <p:stCondLst>
+                                    <p:cond delay="0"/>
+                                  </p:stCondLst>
+                                  <p:childTnLst>
+                                    <p:set>
+                                      <p:cBhvr>
+                                        <p:cTn id="82" dur="1" fill="hold">
+                                          <p:stCondLst>
+                                            <p:cond delay="0"/>
+                                          </p:stCondLst>
+                                        </p:cTn>
+                                        <p:tgtEl>
+                                          <p:spTgt spid="50"/>
+                                        </p:tgtEl>
+                                        <p:attrNameLst>
+                                          <p:attrName>style.visibility</p:attrName>
+                                        </p:attrNameLst>
+                                      </p:cBhvr>
+                                      <p:to>
+                                        <p:strVal val="visible"/>
+                                      </p:to>
+                                    </p:set>
+                                    <p:anim calcmode="lin" valueType="num">
+                                      <p:cBhvr additive="base">
+                                        <p:cTn id="83" dur="500" fill="hold"/>
+                                        <p:tgtEl>
+                                          <p:spTgt spid="50"/>
+                                        </p:tgtEl>
+                                        <p:attrNameLst>
+                                          <p:attrName>ppt_x</p:attrName>
+                                        </p:attrNameLst>
+                                      </p:cBhvr>
+                                      <p:tavLst>
+                                        <p:tav tm="0">
+                                          <p:val>
+                                            <p:strVal val="#ppt_x"/>
+                                          </p:val>
+                                        </p:tav>
+                                        <p:tav tm="100000">
+                                          <p:val>
+                                            <p:strVal val="#ppt_x"/>
+                                          </p:val>
+                                        </p:tav>
+                                      </p:tavLst>
+                                    </p:anim>
+                                    <p:anim calcmode="lin" valueType="num">
+                                      <p:cBhvr additive="base">
+                                        <p:cTn id="84" dur="500" fill="hold"/>
+                                        <p:tgtEl>
+                                          <p:spTgt spid="50"/>
+                                        </p:tgtEl>
+                                        <p:attrNameLst>
+                                          <p:attrName>ppt_y</p:attrName>
+                                        </p:attrNameLst>
+                                      </p:cBhvr>
+                                      <p:tavLst>
+                                        <p:tav tm="0">
+                                          <p:val>
+                                            <p:strVal val="1+#ppt_h/2"/>
+                                          </p:val>
+                                        </p:tav>
+                                        <p:tav tm="100000">
+                                          <p:val>
+                                            <p:strVal val="#ppt_y"/>
+                                          </p:val>
+                                        </p:tav>
+                                      </p:tavLst>
+                                    </p:anim>
+                                  </p:childTnLst>
+                                </p:cTn>
+                              </p:par>
+                              <p:par>
+                                <p:cTn id="85" presetID="2" presetClass="entr" presetSubtype="4" fill="hold" nodeType="withEffect">
+                                  <p:stCondLst>
+                                    <p:cond delay="0"/>
+                                  </p:stCondLst>
+                                  <p:childTnLst>
+                                    <p:set>
+                                      <p:cBhvr>
+                                        <p:cTn id="86" dur="1" fill="hold">
+                                          <p:stCondLst>
+                                            <p:cond delay="0"/>
+                                          </p:stCondLst>
+                                        </p:cTn>
+                                        <p:tgtEl>
+                                          <p:spTgt spid="51"/>
+                                        </p:tgtEl>
+                                        <p:attrNameLst>
+                                          <p:attrName>style.visibility</p:attrName>
+                                        </p:attrNameLst>
+                                      </p:cBhvr>
+                                      <p:to>
+                                        <p:strVal val="visible"/>
+                                      </p:to>
+                                    </p:set>
+                                    <p:anim calcmode="lin" valueType="num">
+                                      <p:cBhvr additive="base">
+                                        <p:cTn id="87" dur="500" fill="hold"/>
+                                        <p:tgtEl>
+                                          <p:spTgt spid="51"/>
+                                        </p:tgtEl>
+                                        <p:attrNameLst>
+                                          <p:attrName>ppt_x</p:attrName>
+                                        </p:attrNameLst>
+                                      </p:cBhvr>
+                                      <p:tavLst>
+                                        <p:tav tm="0">
+                                          <p:val>
+                                            <p:strVal val="#ppt_x"/>
+                                          </p:val>
+                                        </p:tav>
+                                        <p:tav tm="100000">
+                                          <p:val>
+                                            <p:strVal val="#ppt_x"/>
+                                          </p:val>
+                                        </p:tav>
+                                      </p:tavLst>
+                                    </p:anim>
+                                    <p:anim calcmode="lin" valueType="num">
+                                      <p:cBhvr additive="base">
+                                        <p:cTn id="88" dur="500" fill="hold"/>
+                                        <p:tgtEl>
+                                          <p:spTgt spid="51"/>
+                                        </p:tgtEl>
+                                        <p:attrNameLst>
+                                          <p:attrName>ppt_y</p:attrName>
+                                        </p:attrNameLst>
+                                      </p:cBhvr>
+                                      <p:tavLst>
+                                        <p:tav tm="0">
+                                          <p:val>
+                                            <p:strVal val="1+#ppt_h/2"/>
+                                          </p:val>
+                                        </p:tav>
+                                        <p:tav tm="100000">
+                                          <p:val>
+                                            <p:strVal val="#ppt_y"/>
+                                          </p:val>
+                                        </p:tav>
+                                      </p:tavLst>
+                                    </p:anim>
+                                  </p:childTnLst>
+                                </p:cTn>
+                              </p:par>
+                              <p:par>
+                                <p:cTn id="89" presetID="2" presetClass="entr" presetSubtype="4" fill="hold" nodeType="withEffect">
+                                  <p:stCondLst>
+                                    <p:cond delay="0"/>
+                                  </p:stCondLst>
+                                  <p:childTnLst>
+                                    <p:set>
+                                      <p:cBhvr>
+                                        <p:cTn id="90" dur="1" fill="hold">
+                                          <p:stCondLst>
+                                            <p:cond delay="0"/>
+                                          </p:stCondLst>
+                                        </p:cTn>
+                                        <p:tgtEl>
+                                          <p:spTgt spid="52"/>
+                                        </p:tgtEl>
+                                        <p:attrNameLst>
+                                          <p:attrName>style.visibility</p:attrName>
+                                        </p:attrNameLst>
+                                      </p:cBhvr>
+                                      <p:to>
+                                        <p:strVal val="visible"/>
+                                      </p:to>
+                                    </p:set>
+                                    <p:anim calcmode="lin" valueType="num">
+                                      <p:cBhvr additive="base">
+                                        <p:cTn id="91" dur="500" fill="hold"/>
+                                        <p:tgtEl>
+                                          <p:spTgt spid="52"/>
+                                        </p:tgtEl>
+                                        <p:attrNameLst>
+                                          <p:attrName>ppt_x</p:attrName>
+                                        </p:attrNameLst>
+                                      </p:cBhvr>
+                                      <p:tavLst>
+                                        <p:tav tm="0">
+                                          <p:val>
+                                            <p:strVal val="#ppt_x"/>
+                                          </p:val>
+                                        </p:tav>
+                                        <p:tav tm="100000">
+                                          <p:val>
+                                            <p:strVal val="#ppt_x"/>
+                                          </p:val>
+                                        </p:tav>
+                                      </p:tavLst>
+                                    </p:anim>
+                                    <p:anim calcmode="lin" valueType="num">
+                                      <p:cBhvr additive="base">
+                                        <p:cTn id="92" dur="500" fill="hold"/>
+                                        <p:tgtEl>
+                                          <p:spTgt spid="52"/>
+                                        </p:tgtEl>
+                                        <p:attrNameLst>
+                                          <p:attrName>ppt_y</p:attrName>
+                                        </p:attrNameLst>
+                                      </p:cBhvr>
+                                      <p:tavLst>
+                                        <p:tav tm="0">
+                                          <p:val>
+                                            <p:strVal val="1+#ppt_h/2"/>
+                                          </p:val>
+                                        </p:tav>
+                                        <p:tav tm="100000">
+                                          <p:val>
+                                            <p:strVal val="#ppt_y"/>
+                                          </p:val>
+                                        </p:tav>
+                                      </p:tavLst>
+                                    </p:anim>
+                                  </p:childTnLst>
+                                </p:cTn>
+                              </p:par>
+                            </p:childTnLst>
+                          </p:cTn>
+                        </p:par>
+                      </p:childTnLst>
+                    </p:cTn>
+                  </p:par>
+                  <p:par>
+                    <p:cTn id="93" fill="hold">
+                      <p:stCondLst>
+                        <p:cond delay="indefinite"/>
+                      </p:stCondLst>
+                      <p:childTnLst>
+                        <p:par>
+                          <p:cTn id="94" fill="hold">
+                            <p:stCondLst>
+                              <p:cond delay="0"/>
+                            </p:stCondLst>
+                            <p:childTnLst>
+                              <p:par>
+                                <p:cTn id="95" presetID="10" presetClass="entr" presetSubtype="0" fill="hold" grpId="0" nodeType="clickEffect">
+                                  <p:stCondLst>
+                                    <p:cond delay="0"/>
+                                  </p:stCondLst>
+                                  <p:childTnLst>
+                                    <p:set>
+                                      <p:cBhvr>
+                                        <p:cTn id="96" dur="1" fill="hold">
+                                          <p:stCondLst>
+                                            <p:cond delay="0"/>
+                                          </p:stCondLst>
+                                        </p:cTn>
+                                        <p:tgtEl>
+                                          <p:spTgt spid="66"/>
+                                        </p:tgtEl>
+                                        <p:attrNameLst>
+                                          <p:attrName>style.visibility</p:attrName>
+                                        </p:attrNameLst>
+                                      </p:cBhvr>
+                                      <p:to>
+                                        <p:strVal val="visible"/>
+                                      </p:to>
+                                    </p:set>
+                                    <p:animEffect transition="in" filter="fade">
+                                      <p:cBhvr>
+                                        <p:cTn id="97" dur="500"/>
+                                        <p:tgtEl>
+                                          <p:spTgt spid="66"/>
+                                        </p:tgtEl>
+                                      </p:cBhvr>
+                                    </p:animEffect>
+                                  </p:childTnLst>
+                                </p:cTn>
+                              </p:par>
+                              <p:par>
+                                <p:cTn id="98" presetID="2" presetClass="entr" presetSubtype="4" fill="hold" nodeType="withEffect">
+                                  <p:stCondLst>
+                                    <p:cond delay="0"/>
+                                  </p:stCondLst>
+                                  <p:childTnLst>
+                                    <p:set>
+                                      <p:cBhvr>
+                                        <p:cTn id="99" dur="1" fill="hold">
+                                          <p:stCondLst>
+                                            <p:cond delay="0"/>
+                                          </p:stCondLst>
+                                        </p:cTn>
+                                        <p:tgtEl>
+                                          <p:spTgt spid="67"/>
+                                        </p:tgtEl>
+                                        <p:attrNameLst>
+                                          <p:attrName>style.visibility</p:attrName>
+                                        </p:attrNameLst>
+                                      </p:cBhvr>
+                                      <p:to>
+                                        <p:strVal val="visible"/>
+                                      </p:to>
+                                    </p:set>
+                                    <p:anim calcmode="lin" valueType="num">
+                                      <p:cBhvr additive="base">
+                                        <p:cTn id="100" dur="500" fill="hold"/>
+                                        <p:tgtEl>
+                                          <p:spTgt spid="67"/>
+                                        </p:tgtEl>
+                                        <p:attrNameLst>
+                                          <p:attrName>ppt_x</p:attrName>
+                                        </p:attrNameLst>
+                                      </p:cBhvr>
+                                      <p:tavLst>
+                                        <p:tav tm="0">
+                                          <p:val>
+                                            <p:strVal val="#ppt_x"/>
+                                          </p:val>
+                                        </p:tav>
+                                        <p:tav tm="100000">
+                                          <p:val>
+                                            <p:strVal val="#ppt_x"/>
+                                          </p:val>
+                                        </p:tav>
+                                      </p:tavLst>
+                                    </p:anim>
+                                    <p:anim calcmode="lin" valueType="num">
+                                      <p:cBhvr additive="base">
+                                        <p:cTn id="101" dur="500" fill="hold"/>
+                                        <p:tgtEl>
+                                          <p:spTgt spid="67"/>
+                                        </p:tgtEl>
+                                        <p:attrNameLst>
+                                          <p:attrName>ppt_y</p:attrName>
+                                        </p:attrNameLst>
+                                      </p:cBhvr>
+                                      <p:tavLst>
+                                        <p:tav tm="0">
+                                          <p:val>
+                                            <p:strVal val="1+#ppt_h/2"/>
+                                          </p:val>
+                                        </p:tav>
+                                        <p:tav tm="100000">
+                                          <p:val>
+                                            <p:strVal val="#ppt_y"/>
+                                          </p:val>
+                                        </p:tav>
+                                      </p:tavLst>
+                                    </p:anim>
+                                  </p:childTnLst>
+                                </p:cTn>
+                              </p:par>
+                            </p:childTnLst>
+                          </p:cTn>
+                        </p:par>
+                      </p:childTnLst>
+                    </p:cTn>
+                  </p:par>
+                </p:childTnLst>
+              </p:cTn>
+              <p:prevCondLst>
+                <p:cond evt="onPrev" delay="0">
+                  <p:tgtEl>
+                    <p:sldTgt/>
+                  </p:tgtEl>
+                </p:cond>
+              </p:prevCondLst>
+              <p:nextCondLst>
+                <p:cond evt="onNext" delay="0">
+                  <p:tgtEl>
+                    <p:sldTgt/>
+                  </p:tgtEl>
+                </p:cond>
+              </p:nextCondLst>
+            </p:seq>
+          </p:childTnLst>
+        </p:cTn>
+      </p:par>
+    </p:tnLst>
+    <p:bldLst>
+      <p:bldP spid="4" grpId="0" animBg="1"/>
+      <p:bldP spid="5" grpId="0" animBg="1"/>
+      <p:bldP spid="22" grpId="0" animBg="1"/>
+      <p:bldP spid="66" grpId="0" animBg="1"/>
+    </p:bldLst>
+  </p:timing>
+</p:sld>
+</file>
+
+<file path=ppt/slides/slide16.xml><?xml version="1.0" encoding="utf-8"?>
+<p:sld xmlns:a="http://schemas.openxmlformats.org/drawingml/2006/main" xmlns:r="http://schemas.openxmlformats.org/officeDocument/2006/relationships" xmlns:p="http://schemas.openxmlformats.org/presentationml/2006/main">
+  <p:cSld>
+    <p:spTree>
+      <p:nvGrpSpPr>
+        <p:cNvPr id="1" name=""/>
+        <p:cNvGrpSpPr/>
+        <p:nvPr/>
+      </p:nvGrpSpPr>
+      <p:grpSpPr>
+        <a:xfrm>
+          <a:off x="0" y="0"/>
+          <a:ext cx="0" cy="0"/>
+          <a:chOff x="0" y="0"/>
+          <a:chExt cx="0" cy="0"/>
+        </a:xfrm>
+      </p:grpSpPr>
+      <p:sp>
+        <p:nvSpPr>
+          <p:cNvPr id="2" name="Titolo 1">
+            <a:extLst>
+              <a:ext uri="{FF2B5EF4-FFF2-40B4-BE49-F238E27FC236}">
+                <a16:creationId xmlns:a16="http://schemas.microsoft.com/office/drawing/2014/main" id="{ECB7C654-35A2-490F-CE67-2124A0478C3A}"/>
+              </a:ext>
+            </a:extLst>
+          </p:cNvPr>
+          <p:cNvSpPr>
+            <a:spLocks noGrp="1"/>
+          </p:cNvSpPr>
+          <p:nvPr>
+            <p:ph type="title"/>
+          </p:nvPr>
+        </p:nvSpPr>
+        <p:spPr/>
+        <p:txBody>
+          <a:bodyPr/>
+          <a:lstStyle/>
+          <a:p>
+            <a:endParaRPr lang="it-IT"/>
+          </a:p>
+        </p:txBody>
+      </p:sp>
+      <p:sp>
+        <p:nvSpPr>
+          <p:cNvPr id="6" name="Rettangolo 5">
+            <a:extLst>
+              <a:ext uri="{FF2B5EF4-FFF2-40B4-BE49-F238E27FC236}">
+                <a16:creationId xmlns:a16="http://schemas.microsoft.com/office/drawing/2014/main" id="{BB76A9ED-23BE-D72D-C092-2779DAA271B7}"/>
+              </a:ext>
+            </a:extLst>
+          </p:cNvPr>
+          <p:cNvSpPr/>
+          <p:nvPr/>
+        </p:nvSpPr>
+        <p:spPr>
+          <a:xfrm>
+            <a:off x="5892365" y="3242364"/>
+            <a:ext cx="1235341" cy="750102"/>
+          </a:xfrm>
+          <a:prstGeom prst="rect">
+            <a:avLst/>
+          </a:prstGeom>
+        </p:spPr>
+        <p:style>
+          <a:lnRef idx="2">
+            <a:schemeClr val="dk1"/>
+          </a:lnRef>
+          <a:fillRef idx="1">
+            <a:schemeClr val="lt1"/>
+          </a:fillRef>
+          <a:effectRef idx="0">
+            <a:schemeClr val="dk1"/>
+          </a:effectRef>
+          <a:fontRef idx="minor">
+            <a:schemeClr val="dk1"/>
+          </a:fontRef>
+        </p:style>
+        <p:txBody>
+          <a:bodyPr rtlCol="0" anchor="ctr"/>
+          <a:lstStyle/>
+          <a:p>
+            <a:pPr algn="ctr"/>
+            <a:r>
+              <a:rPr lang="it-IT" dirty="0"/>
+              <a:t>CLIENTE</a:t>
+            </a:r>
+          </a:p>
+        </p:txBody>
+      </p:sp>
+      <p:grpSp>
+        <p:nvGrpSpPr>
+          <p:cNvPr id="7" name="Gruppo 6">
+            <a:extLst>
+              <a:ext uri="{FF2B5EF4-FFF2-40B4-BE49-F238E27FC236}">
+                <a16:creationId xmlns:a16="http://schemas.microsoft.com/office/drawing/2014/main" id="{25DC8A8A-1973-BDE9-46C9-B65EAE66D3F6}"/>
+              </a:ext>
+            </a:extLst>
+          </p:cNvPr>
+          <p:cNvGrpSpPr/>
+          <p:nvPr/>
+        </p:nvGrpSpPr>
+        <p:grpSpPr>
+          <a:xfrm>
+            <a:off x="7675390" y="3104159"/>
+            <a:ext cx="1521950" cy="369332"/>
+            <a:chOff x="10147963" y="2303310"/>
+            <a:chExt cx="1521950" cy="369332"/>
+          </a:xfrm>
+        </p:grpSpPr>
+        <p:sp>
+          <p:nvSpPr>
+            <p:cNvPr id="8" name="Ovale 7">
+              <a:extLst>
+                <a:ext uri="{FF2B5EF4-FFF2-40B4-BE49-F238E27FC236}">
+                  <a16:creationId xmlns:a16="http://schemas.microsoft.com/office/drawing/2014/main" id="{0C5D7265-1AA3-E435-14C8-6DB065BD5EAC}"/>
+                </a:ext>
+              </a:extLst>
+            </p:cNvPr>
+            <p:cNvSpPr/>
+            <p:nvPr/>
+          </p:nvSpPr>
+          <p:spPr>
+            <a:xfrm>
+              <a:off x="10147963" y="2428606"/>
+              <a:ext cx="144000" cy="144000"/>
+            </a:xfrm>
+            <a:prstGeom prst="ellipse">
+              <a:avLst/>
+            </a:prstGeom>
+          </p:spPr>
+          <p:style>
+            <a:lnRef idx="2">
+              <a:schemeClr val="dk1">
+                <a:shade val="50000"/>
+              </a:schemeClr>
+            </a:lnRef>
+            <a:fillRef idx="1">
+              <a:schemeClr val="dk1"/>
+            </a:fillRef>
+            <a:effectRef idx="0">
+              <a:schemeClr val="dk1"/>
+            </a:effectRef>
+            <a:fontRef idx="minor">
+              <a:schemeClr val="lt1"/>
+            </a:fontRef>
+          </p:style>
+          <p:txBody>
+            <a:bodyPr rtlCol="0" anchor="ctr"/>
+            <a:lstStyle/>
+            <a:p>
+              <a:pPr algn="ctr"/>
+              <a:endParaRPr lang="it-IT"/>
+            </a:p>
+          </p:txBody>
+        </p:sp>
+        <p:sp>
+          <p:nvSpPr>
+            <p:cNvPr id="9" name="CasellaDiTesto 8">
+              <a:extLst>
+                <a:ext uri="{FF2B5EF4-FFF2-40B4-BE49-F238E27FC236}">
+                  <a16:creationId xmlns:a16="http://schemas.microsoft.com/office/drawing/2014/main" id="{A4256225-49BD-C6FD-9419-1AB489B116C5}"/>
+                </a:ext>
+              </a:extLst>
+            </p:cNvPr>
+            <p:cNvSpPr txBox="1"/>
+            <p:nvPr/>
+          </p:nvSpPr>
+          <p:spPr>
+            <a:xfrm>
+              <a:off x="10291963" y="2303310"/>
+              <a:ext cx="1377950" cy="369332"/>
+            </a:xfrm>
+            <a:prstGeom prst="rect">
+              <a:avLst/>
+            </a:prstGeom>
+            <a:noFill/>
+          </p:spPr>
+          <p:txBody>
+            <a:bodyPr wrap="square" rtlCol="0">
+              <a:spAutoFit/>
+            </a:bodyPr>
+            <a:lstStyle/>
+            <a:p>
+              <a:r>
+                <a:rPr lang="it-IT" dirty="0"/>
+                <a:t>codice</a:t>
+              </a:r>
+            </a:p>
+          </p:txBody>
+        </p:sp>
+      </p:grpSp>
+      <p:grpSp>
+        <p:nvGrpSpPr>
+          <p:cNvPr id="10" name="Gruppo 9">
+            <a:extLst>
+              <a:ext uri="{FF2B5EF4-FFF2-40B4-BE49-F238E27FC236}">
+                <a16:creationId xmlns:a16="http://schemas.microsoft.com/office/drawing/2014/main" id="{320928A0-D49A-FDEB-710C-5DAD3708B9A2}"/>
+              </a:ext>
+            </a:extLst>
+          </p:cNvPr>
+          <p:cNvGrpSpPr/>
+          <p:nvPr/>
+        </p:nvGrpSpPr>
+        <p:grpSpPr>
+          <a:xfrm>
+            <a:off x="7675390" y="3338843"/>
+            <a:ext cx="881258" cy="369332"/>
+            <a:chOff x="10154781" y="2584478"/>
+            <a:chExt cx="881258" cy="369332"/>
+          </a:xfrm>
+        </p:grpSpPr>
+        <p:sp>
+          <p:nvSpPr>
+            <p:cNvPr id="11" name="Ovale 10">
+              <a:extLst>
+                <a:ext uri="{FF2B5EF4-FFF2-40B4-BE49-F238E27FC236}">
+                  <a16:creationId xmlns:a16="http://schemas.microsoft.com/office/drawing/2014/main" id="{59F4B930-05D5-9FBC-C4E9-851AAE6EA082}"/>
+                </a:ext>
+              </a:extLst>
+            </p:cNvPr>
+            <p:cNvSpPr/>
+            <p:nvPr/>
+          </p:nvSpPr>
+          <p:spPr>
+            <a:xfrm>
+              <a:off x="10154781" y="2713658"/>
+              <a:ext cx="144000" cy="144000"/>
+            </a:xfrm>
+            <a:prstGeom prst="ellipse">
+              <a:avLst/>
+            </a:prstGeom>
+          </p:spPr>
+          <p:style>
+            <a:lnRef idx="2">
+              <a:schemeClr val="dk1"/>
+            </a:lnRef>
+            <a:fillRef idx="1">
+              <a:schemeClr val="lt1"/>
+            </a:fillRef>
+            <a:effectRef idx="0">
+              <a:schemeClr val="dk1"/>
+            </a:effectRef>
+            <a:fontRef idx="minor">
+              <a:schemeClr val="dk1"/>
+            </a:fontRef>
+          </p:style>
+          <p:txBody>
+            <a:bodyPr rtlCol="0" anchor="ctr"/>
+            <a:lstStyle/>
+            <a:p>
+              <a:pPr algn="ctr"/>
+              <a:endParaRPr lang="it-IT"/>
+            </a:p>
+          </p:txBody>
+        </p:sp>
+        <p:sp>
+          <p:nvSpPr>
+            <p:cNvPr id="12" name="CasellaDiTesto 11">
+              <a:extLst>
+                <a:ext uri="{FF2B5EF4-FFF2-40B4-BE49-F238E27FC236}">
+                  <a16:creationId xmlns:a16="http://schemas.microsoft.com/office/drawing/2014/main" id="{CE87BA46-FF7C-2E0F-A02F-E3D287BD5E9D}"/>
+                </a:ext>
+              </a:extLst>
+            </p:cNvPr>
+            <p:cNvSpPr txBox="1"/>
+            <p:nvPr/>
+          </p:nvSpPr>
+          <p:spPr>
+            <a:xfrm>
+              <a:off x="10298781" y="2584478"/>
+              <a:ext cx="737258" cy="369332"/>
+            </a:xfrm>
+            <a:prstGeom prst="rect">
+              <a:avLst/>
+            </a:prstGeom>
+            <a:noFill/>
+          </p:spPr>
+          <p:txBody>
+            <a:bodyPr wrap="square" rtlCol="0">
+              <a:spAutoFit/>
+            </a:bodyPr>
+            <a:lstStyle/>
+            <a:p>
+              <a:r>
+                <a:rPr lang="it-IT" dirty="0"/>
+                <a:t>nome</a:t>
+              </a:r>
+            </a:p>
+          </p:txBody>
+        </p:sp>
+      </p:grpSp>
+      <p:grpSp>
+        <p:nvGrpSpPr>
+          <p:cNvPr id="13" name="Gruppo 12">
+            <a:extLst>
+              <a:ext uri="{FF2B5EF4-FFF2-40B4-BE49-F238E27FC236}">
+                <a16:creationId xmlns:a16="http://schemas.microsoft.com/office/drawing/2014/main" id="{833A0585-A08A-7C52-74B6-9FB2BCB4885E}"/>
+              </a:ext>
+            </a:extLst>
+          </p:cNvPr>
+          <p:cNvGrpSpPr/>
+          <p:nvPr/>
+        </p:nvGrpSpPr>
+        <p:grpSpPr>
+          <a:xfrm>
+            <a:off x="7675390" y="3564398"/>
+            <a:ext cx="1185400" cy="369332"/>
+            <a:chOff x="10154781" y="2584478"/>
+            <a:chExt cx="1185400" cy="369332"/>
+          </a:xfrm>
+        </p:grpSpPr>
+        <p:sp>
+          <p:nvSpPr>
+            <p:cNvPr id="14" name="Ovale 13">
+              <a:extLst>
+                <a:ext uri="{FF2B5EF4-FFF2-40B4-BE49-F238E27FC236}">
+                  <a16:creationId xmlns:a16="http://schemas.microsoft.com/office/drawing/2014/main" id="{9918DDC1-A333-F8FE-FF5F-BBA5825D36F3}"/>
+                </a:ext>
+              </a:extLst>
+            </p:cNvPr>
+            <p:cNvSpPr/>
+            <p:nvPr/>
+          </p:nvSpPr>
+          <p:spPr>
+            <a:xfrm>
+              <a:off x="10154781" y="2713658"/>
+              <a:ext cx="144000" cy="144000"/>
+            </a:xfrm>
+            <a:prstGeom prst="ellipse">
+              <a:avLst/>
+            </a:prstGeom>
+          </p:spPr>
+          <p:style>
+            <a:lnRef idx="2">
+              <a:schemeClr val="dk1"/>
+            </a:lnRef>
+            <a:fillRef idx="1">
+              <a:schemeClr val="lt1"/>
+            </a:fillRef>
+            <a:effectRef idx="0">
+              <a:schemeClr val="dk1"/>
+            </a:effectRef>
+            <a:fontRef idx="minor">
+              <a:schemeClr val="dk1"/>
+            </a:fontRef>
+          </p:style>
+          <p:txBody>
+            <a:bodyPr rtlCol="0" anchor="ctr"/>
+            <a:lstStyle/>
+            <a:p>
+              <a:pPr algn="ctr"/>
+              <a:endParaRPr lang="it-IT"/>
+            </a:p>
+          </p:txBody>
+        </p:sp>
+        <p:sp>
+          <p:nvSpPr>
+            <p:cNvPr id="15" name="CasellaDiTesto 14">
+              <a:extLst>
+                <a:ext uri="{FF2B5EF4-FFF2-40B4-BE49-F238E27FC236}">
+                  <a16:creationId xmlns:a16="http://schemas.microsoft.com/office/drawing/2014/main" id="{E923CFF1-C5D8-D869-5809-DADD52096FD0}"/>
+                </a:ext>
+              </a:extLst>
+            </p:cNvPr>
+            <p:cNvSpPr txBox="1"/>
+            <p:nvPr/>
+          </p:nvSpPr>
+          <p:spPr>
+            <a:xfrm>
+              <a:off x="10298781" y="2584478"/>
+              <a:ext cx="1041400" cy="369332"/>
+            </a:xfrm>
+            <a:prstGeom prst="rect">
+              <a:avLst/>
+            </a:prstGeom>
+            <a:noFill/>
+          </p:spPr>
+          <p:txBody>
+            <a:bodyPr wrap="square" rtlCol="0">
+              <a:spAutoFit/>
+            </a:bodyPr>
+            <a:lstStyle/>
+            <a:p>
+              <a:r>
+                <a:rPr lang="it-IT" dirty="0"/>
+                <a:t>indirizzo</a:t>
+              </a:r>
+            </a:p>
+          </p:txBody>
+        </p:sp>
+      </p:grpSp>
+      <p:grpSp>
+        <p:nvGrpSpPr>
+          <p:cNvPr id="16" name="Gruppo 15">
+            <a:extLst>
+              <a:ext uri="{FF2B5EF4-FFF2-40B4-BE49-F238E27FC236}">
+                <a16:creationId xmlns:a16="http://schemas.microsoft.com/office/drawing/2014/main" id="{0F8AF672-A82A-472A-A86A-4C369EE4F555}"/>
+              </a:ext>
+            </a:extLst>
+          </p:cNvPr>
+          <p:cNvGrpSpPr/>
+          <p:nvPr/>
+        </p:nvGrpSpPr>
+        <p:grpSpPr>
+          <a:xfrm>
+            <a:off x="6934784" y="4100327"/>
+            <a:ext cx="1185400" cy="369332"/>
+            <a:chOff x="10154781" y="2584478"/>
+            <a:chExt cx="1185400" cy="369332"/>
+          </a:xfrm>
+        </p:grpSpPr>
+        <p:sp>
+          <p:nvSpPr>
+            <p:cNvPr id="17" name="Ovale 16">
+              <a:extLst>
+                <a:ext uri="{FF2B5EF4-FFF2-40B4-BE49-F238E27FC236}">
+                  <a16:creationId xmlns:a16="http://schemas.microsoft.com/office/drawing/2014/main" id="{B81EEBAC-842B-EFFE-FD38-79BD4435AD7E}"/>
+                </a:ext>
+              </a:extLst>
+            </p:cNvPr>
+            <p:cNvSpPr/>
+            <p:nvPr/>
+          </p:nvSpPr>
+          <p:spPr>
+            <a:xfrm>
+              <a:off x="10154781" y="2713658"/>
+              <a:ext cx="144000" cy="144000"/>
+            </a:xfrm>
+            <a:prstGeom prst="ellipse">
+              <a:avLst/>
+            </a:prstGeom>
+          </p:spPr>
+          <p:style>
+            <a:lnRef idx="2">
+              <a:schemeClr val="dk1"/>
+            </a:lnRef>
+            <a:fillRef idx="1">
+              <a:schemeClr val="lt1"/>
+            </a:fillRef>
+            <a:effectRef idx="0">
+              <a:schemeClr val="dk1"/>
+            </a:effectRef>
+            <a:fontRef idx="minor">
+              <a:schemeClr val="dk1"/>
+            </a:fontRef>
+          </p:style>
+          <p:txBody>
+            <a:bodyPr rtlCol="0" anchor="ctr"/>
+            <a:lstStyle/>
+            <a:p>
+              <a:pPr algn="ctr"/>
+              <a:endParaRPr lang="it-IT"/>
+            </a:p>
+          </p:txBody>
+        </p:sp>
+        <p:sp>
+          <p:nvSpPr>
+            <p:cNvPr id="18" name="CasellaDiTesto 17">
+              <a:extLst>
+                <a:ext uri="{FF2B5EF4-FFF2-40B4-BE49-F238E27FC236}">
+                  <a16:creationId xmlns:a16="http://schemas.microsoft.com/office/drawing/2014/main" id="{F3EEC866-81E0-0D55-69A9-141114586260}"/>
+                </a:ext>
+              </a:extLst>
+            </p:cNvPr>
+            <p:cNvSpPr txBox="1"/>
+            <p:nvPr/>
+          </p:nvSpPr>
+          <p:spPr>
+            <a:xfrm>
+              <a:off x="10298781" y="2584478"/>
+              <a:ext cx="1041400" cy="369332"/>
+            </a:xfrm>
+            <a:prstGeom prst="rect">
+              <a:avLst/>
+            </a:prstGeom>
+            <a:noFill/>
+          </p:spPr>
+          <p:txBody>
+            <a:bodyPr wrap="square" rtlCol="0">
+              <a:spAutoFit/>
+            </a:bodyPr>
+            <a:lstStyle/>
+            <a:p>
+              <a:r>
+                <a:rPr lang="it-IT" dirty="0" err="1"/>
+                <a:t>p.iva</a:t>
+              </a:r>
+              <a:r>
+                <a:rPr lang="it-IT" dirty="0"/>
+                <a:t>*</a:t>
+              </a:r>
+            </a:p>
+          </p:txBody>
+        </p:sp>
+      </p:grpSp>
+      <p:grpSp>
+        <p:nvGrpSpPr>
+          <p:cNvPr id="19" name="Gruppo 18">
+            <a:extLst>
+              <a:ext uri="{FF2B5EF4-FFF2-40B4-BE49-F238E27FC236}">
+                <a16:creationId xmlns:a16="http://schemas.microsoft.com/office/drawing/2014/main" id="{1B5EA0C4-437E-00AD-9996-D1C894BA8CAA}"/>
+              </a:ext>
+            </a:extLst>
+          </p:cNvPr>
+          <p:cNvGrpSpPr/>
+          <p:nvPr/>
+        </p:nvGrpSpPr>
+        <p:grpSpPr>
+          <a:xfrm>
+            <a:off x="4650636" y="4156271"/>
+            <a:ext cx="1521950" cy="369332"/>
+            <a:chOff x="1211062" y="2152381"/>
+            <a:chExt cx="1521950" cy="369332"/>
+          </a:xfrm>
+        </p:grpSpPr>
+        <p:sp>
+          <p:nvSpPr>
+            <p:cNvPr id="20" name="Ovale 19">
+              <a:extLst>
+                <a:ext uri="{FF2B5EF4-FFF2-40B4-BE49-F238E27FC236}">
+                  <a16:creationId xmlns:a16="http://schemas.microsoft.com/office/drawing/2014/main" id="{C53DB968-B619-C647-F430-363542483473}"/>
+                </a:ext>
+              </a:extLst>
+            </p:cNvPr>
+            <p:cNvSpPr/>
+            <p:nvPr/>
+          </p:nvSpPr>
+          <p:spPr>
+            <a:xfrm>
+              <a:off x="2589012" y="2282178"/>
+              <a:ext cx="144000" cy="144000"/>
+            </a:xfrm>
+            <a:prstGeom prst="ellipse">
+              <a:avLst/>
+            </a:prstGeom>
+          </p:spPr>
+          <p:style>
+            <a:lnRef idx="2">
+              <a:schemeClr val="dk1"/>
+            </a:lnRef>
+            <a:fillRef idx="1">
+              <a:schemeClr val="lt1"/>
+            </a:fillRef>
+            <a:effectRef idx="0">
+              <a:schemeClr val="dk1"/>
+            </a:effectRef>
+            <a:fontRef idx="minor">
+              <a:schemeClr val="dk1"/>
+            </a:fontRef>
+          </p:style>
+          <p:txBody>
+            <a:bodyPr rtlCol="0" anchor="ctr"/>
+            <a:lstStyle/>
+            <a:p>
+              <a:pPr algn="ctr"/>
+              <a:endParaRPr lang="it-IT"/>
+            </a:p>
+          </p:txBody>
+        </p:sp>
+        <p:sp>
+          <p:nvSpPr>
+            <p:cNvPr id="21" name="CasellaDiTesto 20">
+              <a:extLst>
+                <a:ext uri="{FF2B5EF4-FFF2-40B4-BE49-F238E27FC236}">
+                  <a16:creationId xmlns:a16="http://schemas.microsoft.com/office/drawing/2014/main" id="{73F541A8-B52A-21E4-C3FD-16EDF26057CA}"/>
+                </a:ext>
+              </a:extLst>
+            </p:cNvPr>
+            <p:cNvSpPr txBox="1"/>
+            <p:nvPr/>
+          </p:nvSpPr>
+          <p:spPr>
+            <a:xfrm>
+              <a:off x="1211062" y="2152381"/>
+              <a:ext cx="1377950" cy="369332"/>
+            </a:xfrm>
+            <a:prstGeom prst="rect">
+              <a:avLst/>
+            </a:prstGeom>
+            <a:noFill/>
+          </p:spPr>
+          <p:txBody>
+            <a:bodyPr wrap="square" rtlCol="0">
+              <a:spAutoFit/>
+            </a:bodyPr>
+            <a:lstStyle/>
+            <a:p>
+              <a:pPr algn="r"/>
+              <a:r>
+                <a:rPr lang="it-IT" dirty="0" err="1"/>
+                <a:t>cf</a:t>
+              </a:r>
+              <a:r>
+                <a:rPr lang="it-IT" dirty="0"/>
+                <a:t>*</a:t>
+              </a:r>
+            </a:p>
+          </p:txBody>
+        </p:sp>
+      </p:grpSp>
+      <p:sp>
+        <p:nvSpPr>
+          <p:cNvPr id="22" name="Rombo 21">
+            <a:extLst>
+              <a:ext uri="{FF2B5EF4-FFF2-40B4-BE49-F238E27FC236}">
+                <a16:creationId xmlns:a16="http://schemas.microsoft.com/office/drawing/2014/main" id="{A79C16C9-607B-1DDB-D6D3-2AD5E15CFBE6}"/>
+              </a:ext>
+            </a:extLst>
+          </p:cNvPr>
+          <p:cNvSpPr/>
+          <p:nvPr/>
+        </p:nvSpPr>
+        <p:spPr>
+          <a:xfrm>
+            <a:off x="1743987" y="3279333"/>
+            <a:ext cx="1664921" cy="740435"/>
+          </a:xfrm>
+          <a:prstGeom prst="diamond">
+            <a:avLst/>
+          </a:prstGeom>
+        </p:spPr>
+        <p:style>
+          <a:lnRef idx="2">
+            <a:schemeClr val="dk1"/>
+          </a:lnRef>
+          <a:fillRef idx="1">
+            <a:schemeClr val="lt1"/>
+          </a:fillRef>
+          <a:effectRef idx="0">
+            <a:schemeClr val="dk1"/>
+          </a:effectRef>
+          <a:fontRef idx="minor">
+            <a:schemeClr val="dk1"/>
+          </a:fontRef>
+        </p:style>
+        <p:txBody>
+          <a:bodyPr rtlCol="0" anchor="ctr"/>
+          <a:lstStyle/>
+          <a:p>
+            <a:pPr algn="ctr"/>
+            <a:r>
+              <a:rPr lang="it-IT" sz="1200" dirty="0"/>
+              <a:t>ACQUISTA</a:t>
+            </a:r>
+          </a:p>
+        </p:txBody>
+      </p:sp>
+      <p:cxnSp>
+        <p:nvCxnSpPr>
+          <p:cNvPr id="23" name="Connettore diritto 22">
+            <a:extLst>
+              <a:ext uri="{FF2B5EF4-FFF2-40B4-BE49-F238E27FC236}">
+                <a16:creationId xmlns:a16="http://schemas.microsoft.com/office/drawing/2014/main" id="{64D9E5F7-6810-AA6A-86C7-96F013F03839}"/>
+              </a:ext>
+            </a:extLst>
+          </p:cNvPr>
+          <p:cNvCxnSpPr>
+            <a:cxnSpLocks/>
+            <a:endCxn id="6" idx="2"/>
+          </p:cNvCxnSpPr>
+          <p:nvPr/>
+        </p:nvCxnSpPr>
+        <p:spPr>
+          <a:xfrm flipV="1">
+            <a:off x="6149340" y="3992466"/>
+            <a:ext cx="360696" cy="333439"/>
+          </a:xfrm>
+          <a:prstGeom prst="line">
+            <a:avLst/>
+          </a:prstGeom>
+          <a:ln w="19050"/>
+        </p:spPr>
+        <p:style>
+          <a:lnRef idx="1">
+            <a:schemeClr val="dk1"/>
+          </a:lnRef>
+          <a:fillRef idx="0">
+            <a:schemeClr val="dk1"/>
+          </a:fillRef>
+          <a:effectRef idx="0">
+            <a:schemeClr val="dk1"/>
+          </a:effectRef>
+          <a:fontRef idx="minor">
+            <a:schemeClr val="tx1"/>
+          </a:fontRef>
+        </p:style>
+      </p:cxnSp>
+      <p:grpSp>
+        <p:nvGrpSpPr>
+          <p:cNvPr id="24" name="Gruppo 23">
+            <a:extLst>
+              <a:ext uri="{FF2B5EF4-FFF2-40B4-BE49-F238E27FC236}">
+                <a16:creationId xmlns:a16="http://schemas.microsoft.com/office/drawing/2014/main" id="{63D1A5EB-AE09-2CD9-ACDE-9798821B6BE6}"/>
+              </a:ext>
+            </a:extLst>
+          </p:cNvPr>
+          <p:cNvGrpSpPr/>
+          <p:nvPr/>
+        </p:nvGrpSpPr>
+        <p:grpSpPr>
+          <a:xfrm>
+            <a:off x="2400754" y="4234045"/>
+            <a:ext cx="881258" cy="369332"/>
+            <a:chOff x="10154781" y="2584478"/>
+            <a:chExt cx="881258" cy="369332"/>
+          </a:xfrm>
+        </p:grpSpPr>
+        <p:sp>
+          <p:nvSpPr>
+            <p:cNvPr id="25" name="Ovale 24">
+              <a:extLst>
+                <a:ext uri="{FF2B5EF4-FFF2-40B4-BE49-F238E27FC236}">
+                  <a16:creationId xmlns:a16="http://schemas.microsoft.com/office/drawing/2014/main" id="{D925CB3B-5D15-43F0-FBDB-52B9B500E5D1}"/>
+                </a:ext>
+              </a:extLst>
+            </p:cNvPr>
+            <p:cNvSpPr/>
+            <p:nvPr/>
+          </p:nvSpPr>
+          <p:spPr>
+            <a:xfrm>
+              <a:off x="10154781" y="2713658"/>
+              <a:ext cx="144000" cy="144000"/>
+            </a:xfrm>
+            <a:prstGeom prst="ellipse">
+              <a:avLst/>
+            </a:prstGeom>
+          </p:spPr>
+          <p:style>
+            <a:lnRef idx="2">
+              <a:schemeClr val="dk1"/>
+            </a:lnRef>
+            <a:fillRef idx="1">
+              <a:schemeClr val="lt1"/>
+            </a:fillRef>
+            <a:effectRef idx="0">
+              <a:schemeClr val="dk1"/>
+            </a:effectRef>
+            <a:fontRef idx="minor">
+              <a:schemeClr val="dk1"/>
+            </a:fontRef>
+          </p:style>
+          <p:txBody>
+            <a:bodyPr rtlCol="0" anchor="ctr"/>
+            <a:lstStyle/>
+            <a:p>
+              <a:pPr algn="ctr"/>
+              <a:endParaRPr lang="it-IT"/>
+            </a:p>
+          </p:txBody>
+        </p:sp>
+        <p:sp>
+          <p:nvSpPr>
+            <p:cNvPr id="26" name="CasellaDiTesto 25">
+              <a:extLst>
+                <a:ext uri="{FF2B5EF4-FFF2-40B4-BE49-F238E27FC236}">
+                  <a16:creationId xmlns:a16="http://schemas.microsoft.com/office/drawing/2014/main" id="{06004BA5-5DCB-B77E-1B99-A0E6FA9BFE42}"/>
+                </a:ext>
+              </a:extLst>
+            </p:cNvPr>
+            <p:cNvSpPr txBox="1"/>
+            <p:nvPr/>
+          </p:nvSpPr>
+          <p:spPr>
+            <a:xfrm>
+              <a:off x="10298781" y="2584478"/>
+              <a:ext cx="737258" cy="369332"/>
+            </a:xfrm>
+            <a:prstGeom prst="rect">
+              <a:avLst/>
+            </a:prstGeom>
+            <a:noFill/>
+          </p:spPr>
+          <p:txBody>
+            <a:bodyPr wrap="square" rtlCol="0">
+              <a:spAutoFit/>
+            </a:bodyPr>
+            <a:lstStyle/>
+            <a:p>
+              <a:r>
+                <a:rPr lang="it-IT" dirty="0" err="1"/>
+                <a:t>qty</a:t>
+              </a:r>
+              <a:endParaRPr lang="it-IT" dirty="0"/>
+            </a:p>
+          </p:txBody>
+        </p:sp>
+      </p:grpSp>
+      <p:sp>
+        <p:nvSpPr>
+          <p:cNvPr id="27" name="CasellaDiTesto 26">
+            <a:extLst>
+              <a:ext uri="{FF2B5EF4-FFF2-40B4-BE49-F238E27FC236}">
+                <a16:creationId xmlns:a16="http://schemas.microsoft.com/office/drawing/2014/main" id="{1CC91DAB-05DF-E36D-0323-5CAD47FF7287}"/>
+              </a:ext>
+            </a:extLst>
+          </p:cNvPr>
+          <p:cNvSpPr txBox="1"/>
+          <p:nvPr/>
+        </p:nvSpPr>
+        <p:spPr>
+          <a:xfrm>
+            <a:off x="1491435" y="3371222"/>
+            <a:ext cx="401104" cy="276999"/>
+          </a:xfrm>
+          <a:prstGeom prst="rect">
+            <a:avLst/>
+          </a:prstGeom>
+          <a:noFill/>
+        </p:spPr>
+        <p:txBody>
+          <a:bodyPr wrap="square" rtlCol="0">
+            <a:spAutoFit/>
+          </a:bodyPr>
+          <a:lstStyle/>
+          <a:p>
+            <a:r>
+              <a:rPr lang="it-IT" sz="1200" dirty="0"/>
+              <a:t>0,N</a:t>
+            </a:r>
+          </a:p>
+        </p:txBody>
+      </p:sp>
+      <p:cxnSp>
+        <p:nvCxnSpPr>
+          <p:cNvPr id="28" name="Connettore diritto 27">
+            <a:extLst>
+              <a:ext uri="{FF2B5EF4-FFF2-40B4-BE49-F238E27FC236}">
+                <a16:creationId xmlns:a16="http://schemas.microsoft.com/office/drawing/2014/main" id="{AB12617E-E63C-1D8B-05CE-2487BD49A212}"/>
+              </a:ext>
+            </a:extLst>
+          </p:cNvPr>
+          <p:cNvCxnSpPr>
+            <a:cxnSpLocks/>
+            <a:stCxn id="17" idx="2"/>
+            <a:endCxn id="6" idx="2"/>
+          </p:cNvCxnSpPr>
+          <p:nvPr/>
+        </p:nvCxnSpPr>
+        <p:spPr>
+          <a:xfrm flipH="1" flipV="1">
+            <a:off x="6510036" y="3992466"/>
+            <a:ext cx="424748" cy="309041"/>
+          </a:xfrm>
+          <a:prstGeom prst="line">
+            <a:avLst/>
+          </a:prstGeom>
+          <a:ln w="19050"/>
+        </p:spPr>
+        <p:style>
+          <a:lnRef idx="1">
+            <a:schemeClr val="dk1"/>
+          </a:lnRef>
+          <a:fillRef idx="0">
+            <a:schemeClr val="dk1"/>
+          </a:fillRef>
+          <a:effectRef idx="0">
+            <a:schemeClr val="dk1"/>
+          </a:effectRef>
+          <a:fontRef idx="minor">
+            <a:schemeClr val="tx1"/>
+          </a:fontRef>
+        </p:style>
+      </p:cxnSp>
+      <p:cxnSp>
+        <p:nvCxnSpPr>
+          <p:cNvPr id="29" name="Connettore diritto 28">
+            <a:extLst>
+              <a:ext uri="{FF2B5EF4-FFF2-40B4-BE49-F238E27FC236}">
+                <a16:creationId xmlns:a16="http://schemas.microsoft.com/office/drawing/2014/main" id="{21D61DE8-B68C-BAFB-791F-C44DACD21598}"/>
+              </a:ext>
+            </a:extLst>
+          </p:cNvPr>
+          <p:cNvCxnSpPr>
+            <a:cxnSpLocks/>
+            <a:stCxn id="8" idx="2"/>
+            <a:endCxn id="6" idx="3"/>
+          </p:cNvCxnSpPr>
+          <p:nvPr/>
+        </p:nvCxnSpPr>
+        <p:spPr>
+          <a:xfrm flipH="1">
+            <a:off x="7127706" y="3301455"/>
+            <a:ext cx="547684" cy="315960"/>
+          </a:xfrm>
+          <a:prstGeom prst="line">
+            <a:avLst/>
+          </a:prstGeom>
+          <a:ln w="19050"/>
+        </p:spPr>
+        <p:style>
+          <a:lnRef idx="1">
+            <a:schemeClr val="dk1"/>
+          </a:lnRef>
+          <a:fillRef idx="0">
+            <a:schemeClr val="dk1"/>
+          </a:fillRef>
+          <a:effectRef idx="0">
+            <a:schemeClr val="dk1"/>
+          </a:effectRef>
+          <a:fontRef idx="minor">
+            <a:schemeClr val="tx1"/>
+          </a:fontRef>
+        </p:style>
+      </p:cxnSp>
+      <p:cxnSp>
+        <p:nvCxnSpPr>
+          <p:cNvPr id="30" name="Connettore diritto 29">
+            <a:extLst>
+              <a:ext uri="{FF2B5EF4-FFF2-40B4-BE49-F238E27FC236}">
+                <a16:creationId xmlns:a16="http://schemas.microsoft.com/office/drawing/2014/main" id="{7DA9EE04-DDBB-26CC-50F0-2902C781D222}"/>
+              </a:ext>
+            </a:extLst>
+          </p:cNvPr>
+          <p:cNvCxnSpPr>
+            <a:cxnSpLocks/>
+            <a:stCxn id="11" idx="2"/>
+            <a:endCxn id="6" idx="3"/>
+          </p:cNvCxnSpPr>
+          <p:nvPr/>
+        </p:nvCxnSpPr>
+        <p:spPr>
+          <a:xfrm flipH="1">
+            <a:off x="7127706" y="3540023"/>
+            <a:ext cx="547684" cy="77392"/>
+          </a:xfrm>
+          <a:prstGeom prst="line">
+            <a:avLst/>
+          </a:prstGeom>
+          <a:ln w="19050"/>
+        </p:spPr>
+        <p:style>
+          <a:lnRef idx="1">
+            <a:schemeClr val="dk1"/>
+          </a:lnRef>
+          <a:fillRef idx="0">
+            <a:schemeClr val="dk1"/>
+          </a:fillRef>
+          <a:effectRef idx="0">
+            <a:schemeClr val="dk1"/>
+          </a:effectRef>
+          <a:fontRef idx="minor">
+            <a:schemeClr val="tx1"/>
+          </a:fontRef>
+        </p:style>
+      </p:cxnSp>
+      <p:cxnSp>
+        <p:nvCxnSpPr>
+          <p:cNvPr id="31" name="Connettore diritto 30">
+            <a:extLst>
+              <a:ext uri="{FF2B5EF4-FFF2-40B4-BE49-F238E27FC236}">
+                <a16:creationId xmlns:a16="http://schemas.microsoft.com/office/drawing/2014/main" id="{65396786-BD18-12D6-8E62-58962D204264}"/>
+              </a:ext>
+            </a:extLst>
+          </p:cNvPr>
+          <p:cNvCxnSpPr>
+            <a:cxnSpLocks/>
+            <a:stCxn id="14" idx="2"/>
+            <a:endCxn id="6" idx="3"/>
+          </p:cNvCxnSpPr>
+          <p:nvPr/>
+        </p:nvCxnSpPr>
+        <p:spPr>
+          <a:xfrm flipH="1" flipV="1">
+            <a:off x="7127706" y="3617415"/>
+            <a:ext cx="547684" cy="148163"/>
+          </a:xfrm>
+          <a:prstGeom prst="line">
+            <a:avLst/>
+          </a:prstGeom>
+          <a:ln w="19050"/>
+        </p:spPr>
+        <p:style>
+          <a:lnRef idx="1">
+            <a:schemeClr val="dk1"/>
+          </a:lnRef>
+          <a:fillRef idx="0">
+            <a:schemeClr val="dk1"/>
+          </a:fillRef>
+          <a:effectRef idx="0">
+            <a:schemeClr val="dk1"/>
+          </a:effectRef>
+          <a:fontRef idx="minor">
+            <a:schemeClr val="tx1"/>
+          </a:fontRef>
+        </p:style>
+      </p:cxnSp>
+      <p:cxnSp>
+        <p:nvCxnSpPr>
+          <p:cNvPr id="35" name="Connettore diritto 34">
+            <a:extLst>
+              <a:ext uri="{FF2B5EF4-FFF2-40B4-BE49-F238E27FC236}">
+                <a16:creationId xmlns:a16="http://schemas.microsoft.com/office/drawing/2014/main" id="{D2261E9C-80A9-D43B-F657-2D9C80BD7C63}"/>
+              </a:ext>
+            </a:extLst>
+          </p:cNvPr>
+          <p:cNvCxnSpPr>
+            <a:cxnSpLocks/>
+            <a:stCxn id="22" idx="3"/>
+            <a:endCxn id="6" idx="1"/>
+          </p:cNvCxnSpPr>
+          <p:nvPr/>
+        </p:nvCxnSpPr>
+        <p:spPr>
+          <a:xfrm flipV="1">
+            <a:off x="3408908" y="3617415"/>
+            <a:ext cx="2483457" cy="32136"/>
+          </a:xfrm>
+          <a:prstGeom prst="line">
+            <a:avLst/>
+          </a:prstGeom>
+          <a:ln w="19050"/>
+        </p:spPr>
+        <p:style>
+          <a:lnRef idx="1">
+            <a:schemeClr val="dk1"/>
+          </a:lnRef>
+          <a:fillRef idx="0">
+            <a:schemeClr val="dk1"/>
+          </a:fillRef>
+          <a:effectRef idx="0">
+            <a:schemeClr val="dk1"/>
+          </a:effectRef>
+          <a:fontRef idx="minor">
+            <a:schemeClr val="tx1"/>
+          </a:fontRef>
+        </p:style>
+      </p:cxnSp>
+      <p:grpSp>
+        <p:nvGrpSpPr>
+          <p:cNvPr id="36" name="Gruppo 35">
+            <a:extLst>
+              <a:ext uri="{FF2B5EF4-FFF2-40B4-BE49-F238E27FC236}">
+                <a16:creationId xmlns:a16="http://schemas.microsoft.com/office/drawing/2014/main" id="{B7BA1A43-BFA9-D322-BD6D-FA179EBF1C62}"/>
+              </a:ext>
+            </a:extLst>
+          </p:cNvPr>
+          <p:cNvGrpSpPr/>
+          <p:nvPr/>
+        </p:nvGrpSpPr>
+        <p:grpSpPr>
+          <a:xfrm>
+            <a:off x="2506708" y="2669849"/>
+            <a:ext cx="881258" cy="369332"/>
+            <a:chOff x="10154781" y="2584478"/>
+            <a:chExt cx="881258" cy="369332"/>
+          </a:xfrm>
+        </p:grpSpPr>
+        <p:sp>
+          <p:nvSpPr>
+            <p:cNvPr id="37" name="Ovale 36">
+              <a:extLst>
+                <a:ext uri="{FF2B5EF4-FFF2-40B4-BE49-F238E27FC236}">
+                  <a16:creationId xmlns:a16="http://schemas.microsoft.com/office/drawing/2014/main" id="{95231657-5D85-74A2-BF73-DCB7A432B1D3}"/>
+                </a:ext>
+              </a:extLst>
+            </p:cNvPr>
+            <p:cNvSpPr/>
+            <p:nvPr/>
+          </p:nvSpPr>
+          <p:spPr>
+            <a:xfrm>
+              <a:off x="10154781" y="2713658"/>
+              <a:ext cx="144000" cy="144000"/>
+            </a:xfrm>
+            <a:prstGeom prst="ellipse">
+              <a:avLst/>
+            </a:prstGeom>
+          </p:spPr>
+          <p:style>
+            <a:lnRef idx="2">
+              <a:schemeClr val="dk1"/>
+            </a:lnRef>
+            <a:fillRef idx="1">
+              <a:schemeClr val="lt1"/>
+            </a:fillRef>
+            <a:effectRef idx="0">
+              <a:schemeClr val="dk1"/>
+            </a:effectRef>
+            <a:fontRef idx="minor">
+              <a:schemeClr val="dk1"/>
+            </a:fontRef>
+          </p:style>
+          <p:txBody>
+            <a:bodyPr rtlCol="0" anchor="ctr"/>
+            <a:lstStyle/>
+            <a:p>
+              <a:pPr algn="ctr"/>
+              <a:endParaRPr lang="it-IT"/>
+            </a:p>
+          </p:txBody>
+        </p:sp>
+        <p:sp>
+          <p:nvSpPr>
+            <p:cNvPr id="38" name="CasellaDiTesto 37">
+              <a:extLst>
+                <a:ext uri="{FF2B5EF4-FFF2-40B4-BE49-F238E27FC236}">
+                  <a16:creationId xmlns:a16="http://schemas.microsoft.com/office/drawing/2014/main" id="{C23CC7E6-E16A-A9C7-3BCD-6FE2FE62C11F}"/>
+                </a:ext>
+              </a:extLst>
+            </p:cNvPr>
+            <p:cNvSpPr txBox="1"/>
+            <p:nvPr/>
+          </p:nvSpPr>
+          <p:spPr>
+            <a:xfrm>
+              <a:off x="10298781" y="2584478"/>
+              <a:ext cx="737258" cy="369332"/>
+            </a:xfrm>
+            <a:prstGeom prst="rect">
+              <a:avLst/>
+            </a:prstGeom>
+            <a:noFill/>
+          </p:spPr>
+          <p:txBody>
+            <a:bodyPr wrap="square" rtlCol="0">
+              <a:spAutoFit/>
+            </a:bodyPr>
+            <a:lstStyle/>
+            <a:p>
+              <a:r>
+                <a:rPr lang="it-IT" dirty="0"/>
+                <a:t>date</a:t>
+              </a:r>
+            </a:p>
+          </p:txBody>
+        </p:sp>
+      </p:grpSp>
+      <p:cxnSp>
+        <p:nvCxnSpPr>
+          <p:cNvPr id="39" name="Connettore diritto 38">
+            <a:extLst>
+              <a:ext uri="{FF2B5EF4-FFF2-40B4-BE49-F238E27FC236}">
+                <a16:creationId xmlns:a16="http://schemas.microsoft.com/office/drawing/2014/main" id="{9C507CD3-20C6-032F-0245-73D7E28F01DE}"/>
+              </a:ext>
+            </a:extLst>
+          </p:cNvPr>
+          <p:cNvCxnSpPr>
+            <a:cxnSpLocks/>
+            <a:stCxn id="22" idx="2"/>
+            <a:endCxn id="25" idx="0"/>
+          </p:cNvCxnSpPr>
+          <p:nvPr/>
+        </p:nvCxnSpPr>
+        <p:spPr>
+          <a:xfrm flipH="1">
+            <a:off x="2472754" y="4019768"/>
+            <a:ext cx="103694" cy="343457"/>
+          </a:xfrm>
+          <a:prstGeom prst="line">
+            <a:avLst/>
+          </a:prstGeom>
+          <a:ln w="19050"/>
+        </p:spPr>
+        <p:style>
+          <a:lnRef idx="1">
+            <a:schemeClr val="dk1"/>
+          </a:lnRef>
+          <a:fillRef idx="0">
+            <a:schemeClr val="dk1"/>
+          </a:fillRef>
+          <a:effectRef idx="0">
+            <a:schemeClr val="dk1"/>
+          </a:effectRef>
+          <a:fontRef idx="minor">
+            <a:schemeClr val="tx1"/>
+          </a:fontRef>
+        </p:style>
+      </p:cxnSp>
+      <p:cxnSp>
+        <p:nvCxnSpPr>
+          <p:cNvPr id="40" name="Connettore diritto 39">
+            <a:extLst>
+              <a:ext uri="{FF2B5EF4-FFF2-40B4-BE49-F238E27FC236}">
+                <a16:creationId xmlns:a16="http://schemas.microsoft.com/office/drawing/2014/main" id="{D5A95B83-A47F-24EF-B6BB-2C0EB9C41BAA}"/>
+              </a:ext>
+            </a:extLst>
+          </p:cNvPr>
+          <p:cNvCxnSpPr>
+            <a:cxnSpLocks/>
+            <a:stCxn id="22" idx="0"/>
+            <a:endCxn id="37" idx="4"/>
+          </p:cNvCxnSpPr>
+          <p:nvPr/>
+        </p:nvCxnSpPr>
+        <p:spPr>
+          <a:xfrm flipV="1">
+            <a:off x="2576448" y="2943029"/>
+            <a:ext cx="2260" cy="336304"/>
+          </a:xfrm>
+          <a:prstGeom prst="line">
+            <a:avLst/>
+          </a:prstGeom>
+          <a:ln w="19050"/>
+        </p:spPr>
+        <p:style>
+          <a:lnRef idx="1">
+            <a:schemeClr val="dk1"/>
+          </a:lnRef>
+          <a:fillRef idx="0">
+            <a:schemeClr val="dk1"/>
+          </a:fillRef>
+          <a:effectRef idx="0">
+            <a:schemeClr val="dk1"/>
+          </a:effectRef>
+          <a:fontRef idx="minor">
+            <a:schemeClr val="tx1"/>
+          </a:fontRef>
+        </p:style>
+      </p:cxnSp>
+      <p:sp>
+        <p:nvSpPr>
+          <p:cNvPr id="41" name="CasellaDiTesto 40">
+            <a:extLst>
+              <a:ext uri="{FF2B5EF4-FFF2-40B4-BE49-F238E27FC236}">
+                <a16:creationId xmlns:a16="http://schemas.microsoft.com/office/drawing/2014/main" id="{0CCB1DC1-E84A-36D1-7292-50D7447FC7E8}"/>
+              </a:ext>
+            </a:extLst>
+          </p:cNvPr>
+          <p:cNvSpPr txBox="1"/>
+          <p:nvPr/>
+        </p:nvSpPr>
+        <p:spPr>
+          <a:xfrm>
+            <a:off x="3387966" y="3414497"/>
+            <a:ext cx="401104" cy="276999"/>
+          </a:xfrm>
+          <a:prstGeom prst="rect">
+            <a:avLst/>
+          </a:prstGeom>
+          <a:noFill/>
+        </p:spPr>
+        <p:txBody>
+          <a:bodyPr wrap="square" rtlCol="0">
+            <a:spAutoFit/>
+          </a:bodyPr>
+          <a:lstStyle/>
+          <a:p>
+            <a:r>
+              <a:rPr lang="it-IT" sz="1200" dirty="0"/>
+              <a:t>0,N</a:t>
+            </a:r>
+          </a:p>
+        </p:txBody>
+      </p:sp>
+      <p:sp>
+        <p:nvSpPr>
+          <p:cNvPr id="42" name="CasellaDiTesto 41">
+            <a:extLst>
+              <a:ext uri="{FF2B5EF4-FFF2-40B4-BE49-F238E27FC236}">
+                <a16:creationId xmlns:a16="http://schemas.microsoft.com/office/drawing/2014/main" id="{1C1DC3CE-3B10-5B2D-08D9-059CAB96D2AF}"/>
+              </a:ext>
+            </a:extLst>
+          </p:cNvPr>
+          <p:cNvSpPr txBox="1"/>
+          <p:nvPr/>
+        </p:nvSpPr>
+        <p:spPr>
+          <a:xfrm>
+            <a:off x="4746363" y="2197495"/>
+            <a:ext cx="401104" cy="276999"/>
+          </a:xfrm>
+          <a:prstGeom prst="rect">
+            <a:avLst/>
+          </a:prstGeom>
+          <a:noFill/>
+        </p:spPr>
+        <p:txBody>
+          <a:bodyPr wrap="square" rtlCol="0">
+            <a:spAutoFit/>
+          </a:bodyPr>
+          <a:lstStyle/>
+          <a:p>
+            <a:r>
+              <a:rPr lang="it-IT" sz="1200" dirty="0"/>
+              <a:t>1,1</a:t>
+            </a:r>
+          </a:p>
+        </p:txBody>
+      </p:sp>
+      <p:sp>
+        <p:nvSpPr>
+          <p:cNvPr id="43" name="CasellaDiTesto 42">
+            <a:extLst>
+              <a:ext uri="{FF2B5EF4-FFF2-40B4-BE49-F238E27FC236}">
+                <a16:creationId xmlns:a16="http://schemas.microsoft.com/office/drawing/2014/main" id="{94ECE8E9-22B0-A49F-6996-A2B96780A497}"/>
+              </a:ext>
+            </a:extLst>
+          </p:cNvPr>
+          <p:cNvSpPr txBox="1"/>
+          <p:nvPr/>
+        </p:nvSpPr>
+        <p:spPr>
+          <a:xfrm>
+            <a:off x="2768962" y="2216137"/>
+            <a:ext cx="401104" cy="276999"/>
+          </a:xfrm>
+          <a:prstGeom prst="rect">
+            <a:avLst/>
+          </a:prstGeom>
+          <a:noFill/>
+        </p:spPr>
+        <p:txBody>
+          <a:bodyPr wrap="square" rtlCol="0">
+            <a:spAutoFit/>
+          </a:bodyPr>
+          <a:lstStyle/>
+          <a:p>
+            <a:r>
+              <a:rPr lang="it-IT" sz="1200" dirty="0"/>
+              <a:t>1,N</a:t>
+            </a:r>
+          </a:p>
+        </p:txBody>
+      </p:sp>
+      <p:sp>
+        <p:nvSpPr>
+          <p:cNvPr id="44" name="Ovale 43">
+            <a:extLst>
+              <a:ext uri="{FF2B5EF4-FFF2-40B4-BE49-F238E27FC236}">
+                <a16:creationId xmlns:a16="http://schemas.microsoft.com/office/drawing/2014/main" id="{81D9C9DE-AA9C-7397-BAA4-A7AE5934FEF5}"/>
+              </a:ext>
+            </a:extLst>
+          </p:cNvPr>
+          <p:cNvSpPr/>
+          <p:nvPr/>
+        </p:nvSpPr>
+        <p:spPr>
+          <a:xfrm>
+            <a:off x="3707207" y="3169860"/>
+            <a:ext cx="144000" cy="144000"/>
+          </a:xfrm>
+          <a:prstGeom prst="ellipse">
+            <a:avLst/>
+          </a:prstGeom>
+        </p:spPr>
+        <p:style>
+          <a:lnRef idx="2">
+            <a:schemeClr val="dk1">
+              <a:shade val="50000"/>
+            </a:schemeClr>
+          </a:lnRef>
+          <a:fillRef idx="1">
+            <a:schemeClr val="dk1"/>
+          </a:fillRef>
+          <a:effectRef idx="0">
+            <a:schemeClr val="dk1"/>
+          </a:effectRef>
+          <a:fontRef idx="minor">
+            <a:schemeClr val="lt1"/>
+          </a:fontRef>
+        </p:style>
+        <p:txBody>
+          <a:bodyPr rtlCol="0" anchor="ctr"/>
+          <a:lstStyle/>
+          <a:p>
+            <a:pPr algn="ctr"/>
+            <a:endParaRPr lang="it-IT"/>
+          </a:p>
+        </p:txBody>
+      </p:sp>
+      <p:cxnSp>
+        <p:nvCxnSpPr>
+          <p:cNvPr id="45" name="Connettore diritto 44">
+            <a:extLst>
+              <a:ext uri="{FF2B5EF4-FFF2-40B4-BE49-F238E27FC236}">
+                <a16:creationId xmlns:a16="http://schemas.microsoft.com/office/drawing/2014/main" id="{EE856FFF-67C2-7C31-F7FA-7B00B2268876}"/>
+              </a:ext>
+            </a:extLst>
+          </p:cNvPr>
+          <p:cNvCxnSpPr>
+            <a:cxnSpLocks/>
+          </p:cNvCxnSpPr>
+          <p:nvPr/>
+        </p:nvCxnSpPr>
+        <p:spPr>
+          <a:xfrm>
+            <a:off x="1340400" y="3207393"/>
+            <a:ext cx="2441067" cy="22062"/>
+          </a:xfrm>
+          <a:prstGeom prst="line">
+            <a:avLst/>
+          </a:prstGeom>
+          <a:ln w="19050"/>
+        </p:spPr>
+        <p:style>
+          <a:lnRef idx="1">
+            <a:schemeClr val="dk1"/>
+          </a:lnRef>
+          <a:fillRef idx="0">
+            <a:schemeClr val="dk1"/>
+          </a:fillRef>
+          <a:effectRef idx="0">
+            <a:schemeClr val="dk1"/>
+          </a:effectRef>
+          <a:fontRef idx="minor">
+            <a:schemeClr val="tx1"/>
+          </a:fontRef>
+        </p:style>
+      </p:cxnSp>
+      <p:cxnSp>
+        <p:nvCxnSpPr>
+          <p:cNvPr id="46" name="Connettore diritto 45">
+            <a:extLst>
+              <a:ext uri="{FF2B5EF4-FFF2-40B4-BE49-F238E27FC236}">
+                <a16:creationId xmlns:a16="http://schemas.microsoft.com/office/drawing/2014/main" id="{68F091A4-2BF5-BD9E-5EAD-3540253675ED}"/>
+              </a:ext>
+            </a:extLst>
+          </p:cNvPr>
+          <p:cNvCxnSpPr>
+            <a:cxnSpLocks/>
+          </p:cNvCxnSpPr>
+          <p:nvPr/>
+        </p:nvCxnSpPr>
+        <p:spPr>
+          <a:xfrm>
+            <a:off x="3763324" y="3229455"/>
+            <a:ext cx="12873" cy="584344"/>
+          </a:xfrm>
+          <a:prstGeom prst="line">
+            <a:avLst/>
+          </a:prstGeom>
+          <a:ln w="19050"/>
+        </p:spPr>
+        <p:style>
+          <a:lnRef idx="1">
+            <a:schemeClr val="dk1"/>
+          </a:lnRef>
+          <a:fillRef idx="0">
+            <a:schemeClr val="dk1"/>
+          </a:fillRef>
+          <a:effectRef idx="0">
+            <a:schemeClr val="dk1"/>
+          </a:effectRef>
+          <a:fontRef idx="minor">
+            <a:schemeClr val="tx1"/>
+          </a:fontRef>
+        </p:style>
+      </p:cxnSp>
+      <p:cxnSp>
+        <p:nvCxnSpPr>
+          <p:cNvPr id="50" name="Connettore diritto 49">
+            <a:extLst>
+              <a:ext uri="{FF2B5EF4-FFF2-40B4-BE49-F238E27FC236}">
+                <a16:creationId xmlns:a16="http://schemas.microsoft.com/office/drawing/2014/main" id="{0C440B87-48D4-DAEE-3214-19BF50A68C11}"/>
+              </a:ext>
+            </a:extLst>
+          </p:cNvPr>
+          <p:cNvCxnSpPr>
+            <a:cxnSpLocks/>
+            <a:endCxn id="6" idx="2"/>
+          </p:cNvCxnSpPr>
+          <p:nvPr/>
+        </p:nvCxnSpPr>
+        <p:spPr>
+          <a:xfrm flipV="1">
+            <a:off x="6510035" y="3992466"/>
+            <a:ext cx="1" cy="477193"/>
+          </a:xfrm>
+          <a:prstGeom prst="line">
+            <a:avLst/>
+          </a:prstGeom>
+          <a:ln w="19050"/>
+        </p:spPr>
+        <p:style>
+          <a:lnRef idx="1">
+            <a:schemeClr val="dk1"/>
+          </a:lnRef>
+          <a:fillRef idx="0">
+            <a:schemeClr val="dk1"/>
+          </a:fillRef>
+          <a:effectRef idx="0">
+            <a:schemeClr val="dk1"/>
+          </a:effectRef>
+          <a:fontRef idx="minor">
+            <a:schemeClr val="tx1"/>
+          </a:fontRef>
+        </p:style>
+      </p:cxnSp>
+      <p:grpSp>
+        <p:nvGrpSpPr>
+          <p:cNvPr id="53" name="Gruppo 52">
+            <a:extLst>
+              <a:ext uri="{FF2B5EF4-FFF2-40B4-BE49-F238E27FC236}">
+                <a16:creationId xmlns:a16="http://schemas.microsoft.com/office/drawing/2014/main" id="{AD0820B5-92D8-9500-756E-175510878E20}"/>
+              </a:ext>
+            </a:extLst>
+          </p:cNvPr>
+          <p:cNvGrpSpPr/>
+          <p:nvPr/>
+        </p:nvGrpSpPr>
+        <p:grpSpPr>
+          <a:xfrm>
+            <a:off x="4819943" y="4430670"/>
+            <a:ext cx="1931375" cy="433339"/>
+            <a:chOff x="1211061" y="2088374"/>
+            <a:chExt cx="1931375" cy="433339"/>
+          </a:xfrm>
+        </p:grpSpPr>
+        <p:sp>
+          <p:nvSpPr>
+            <p:cNvPr id="54" name="Ovale 53">
+              <a:extLst>
+                <a:ext uri="{FF2B5EF4-FFF2-40B4-BE49-F238E27FC236}">
+                  <a16:creationId xmlns:a16="http://schemas.microsoft.com/office/drawing/2014/main" id="{0F92BD6C-195C-3EC4-1375-FA32D3B4A5AF}"/>
+                </a:ext>
+              </a:extLst>
+            </p:cNvPr>
+            <p:cNvSpPr/>
+            <p:nvPr/>
+          </p:nvSpPr>
+          <p:spPr>
+            <a:xfrm>
+              <a:off x="2844452" y="2088374"/>
+              <a:ext cx="144000" cy="144000"/>
+            </a:xfrm>
+            <a:prstGeom prst="ellipse">
+              <a:avLst/>
+            </a:prstGeom>
+          </p:spPr>
+          <p:style>
+            <a:lnRef idx="2">
+              <a:schemeClr val="dk1"/>
+            </a:lnRef>
+            <a:fillRef idx="1">
+              <a:schemeClr val="lt1"/>
+            </a:fillRef>
+            <a:effectRef idx="0">
+              <a:schemeClr val="dk1"/>
+            </a:effectRef>
+            <a:fontRef idx="minor">
+              <a:schemeClr val="dk1"/>
+            </a:fontRef>
+          </p:style>
+          <p:txBody>
+            <a:bodyPr rtlCol="0" anchor="ctr"/>
+            <a:lstStyle/>
+            <a:p>
+              <a:pPr algn="ctr"/>
+              <a:endParaRPr lang="it-IT"/>
+            </a:p>
+          </p:txBody>
+        </p:sp>
+        <p:sp>
+          <p:nvSpPr>
+            <p:cNvPr id="55" name="CasellaDiTesto 54">
+              <a:extLst>
+                <a:ext uri="{FF2B5EF4-FFF2-40B4-BE49-F238E27FC236}">
+                  <a16:creationId xmlns:a16="http://schemas.microsoft.com/office/drawing/2014/main" id="{76584FF5-E3E2-D152-B806-8B24F906D620}"/>
+                </a:ext>
+              </a:extLst>
+            </p:cNvPr>
+            <p:cNvSpPr txBox="1"/>
+            <p:nvPr/>
+          </p:nvSpPr>
+          <p:spPr>
+            <a:xfrm>
+              <a:off x="1211061" y="2152381"/>
+              <a:ext cx="1931375" cy="369332"/>
+            </a:xfrm>
+            <a:prstGeom prst="rect">
+              <a:avLst/>
+            </a:prstGeom>
+            <a:noFill/>
+          </p:spPr>
+          <p:txBody>
+            <a:bodyPr wrap="square" rtlCol="0">
+              <a:spAutoFit/>
+            </a:bodyPr>
+            <a:lstStyle/>
+            <a:p>
+              <a:pPr algn="r"/>
+              <a:r>
+                <a:rPr lang="it-IT" dirty="0"/>
+                <a:t>tipo</a:t>
+              </a:r>
+            </a:p>
+          </p:txBody>
+        </p:sp>
+      </p:grpSp>
+    </p:spTree>
+    <p:extLst>
+      <p:ext uri="{BB962C8B-B14F-4D97-AF65-F5344CB8AC3E}">
+        <p14:creationId xmlns:p14="http://schemas.microsoft.com/office/powerpoint/2010/main" val="3377140458"/>
+      </p:ext>
+    </p:extLst>
+  </p:cSld>
+  <p:clrMapOvr>
+    <a:masterClrMapping/>
+  </p:clrMapOvr>
+  <p:timing>
+    <p:tnLst>
+      <p:par>
+        <p:cTn id="1" dur="indefinite" restart="never" nodeType="tmRoot">
+          <p:childTnLst>
+            <p:seq concurrent="1" nextAc="seek">
+              <p:cTn id="2" dur="indefinite" nodeType="mainSeq">
+                <p:childTnLst>
+                  <p:par>
+                    <p:cTn id="3" fill="hold">
+                      <p:stCondLst>
+                        <p:cond delay="indefinite"/>
+                        <p:cond evt="onBegin" delay="0">
+                          <p:tn val="2"/>
+                        </p:cond>
+                      </p:stCondLst>
+                      <p:childTnLst>
+                        <p:par>
+                          <p:cTn id="4" fill="hold">
+                            <p:stCondLst>
+                              <p:cond delay="0"/>
+                            </p:stCondLst>
+                            <p:childTnLst>
+                              <p:par>
+                                <p:cTn id="5" presetID="10" presetClass="entr" presetSubtype="0" fill="hold" grpId="0" nodeType="withEffect">
+                                  <p:stCondLst>
+                                    <p:cond delay="0"/>
+                                  </p:stCondLst>
+                                  <p:childTnLst>
+                                    <p:set>
+                                      <p:cBhvr>
+                                        <p:cTn id="6" dur="1" fill="hold">
+                                          <p:stCondLst>
+                                            <p:cond delay="0"/>
+                                          </p:stCondLst>
+                                        </p:cTn>
+                                        <p:tgtEl>
+                                          <p:spTgt spid="6"/>
+                                        </p:tgtEl>
+                                        <p:attrNameLst>
+                                          <p:attrName>style.visibility</p:attrName>
+                                        </p:attrNameLst>
+                                      </p:cBhvr>
+                                      <p:to>
+                                        <p:strVal val="visible"/>
+                                      </p:to>
+                                    </p:set>
+                                    <p:animEffect transition="in" filter="fade">
+                                      <p:cBhvr>
+                                        <p:cTn id="7" dur="500"/>
+                                        <p:tgtEl>
+                                          <p:spTgt spid="6"/>
+                                        </p:tgtEl>
+                                      </p:cBhvr>
+                                    </p:animEffect>
+                                  </p:childTnLst>
+                                </p:cTn>
+                              </p:par>
+                            </p:childTnLst>
+                          </p:cTn>
+                        </p:par>
+                      </p:childTnLst>
+                    </p:cTn>
+                  </p:par>
+                  <p:par>
+                    <p:cTn id="8" fill="hold">
+                      <p:stCondLst>
+                        <p:cond delay="indefinite"/>
+                      </p:stCondLst>
+                      <p:childTnLst>
+                        <p:par>
+                          <p:cTn id="9" fill="hold">
+                            <p:stCondLst>
+                              <p:cond delay="0"/>
+                            </p:stCondLst>
+                            <p:childTnLst>
+                              <p:par>
+                                <p:cTn id="10" presetID="2" presetClass="entr" presetSubtype="4" fill="hold" nodeType="clickEffect">
+                                  <p:stCondLst>
+                                    <p:cond delay="0"/>
+                                  </p:stCondLst>
+                                  <p:childTnLst>
+                                    <p:set>
+                                      <p:cBhvr>
+                                        <p:cTn id="11" dur="1" fill="hold">
+                                          <p:stCondLst>
+                                            <p:cond delay="0"/>
+                                          </p:stCondLst>
+                                        </p:cTn>
+                                        <p:tgtEl>
+                                          <p:spTgt spid="7"/>
+                                        </p:tgtEl>
+                                        <p:attrNameLst>
+                                          <p:attrName>style.visibility</p:attrName>
+                                        </p:attrNameLst>
+                                      </p:cBhvr>
+                                      <p:to>
+                                        <p:strVal val="visible"/>
+                                      </p:to>
+                                    </p:set>
+                                    <p:anim calcmode="lin" valueType="num">
+                                      <p:cBhvr additive="base">
+                                        <p:cTn id="12" dur="500" fill="hold"/>
+                                        <p:tgtEl>
+                                          <p:spTgt spid="7"/>
+                                        </p:tgtEl>
+                                        <p:attrNameLst>
+                                          <p:attrName>ppt_x</p:attrName>
+                                        </p:attrNameLst>
+                                      </p:cBhvr>
+                                      <p:tavLst>
+                                        <p:tav tm="0">
+                                          <p:val>
+                                            <p:strVal val="#ppt_x"/>
+                                          </p:val>
+                                        </p:tav>
+                                        <p:tav tm="100000">
+                                          <p:val>
+                                            <p:strVal val="#ppt_x"/>
+                                          </p:val>
+                                        </p:tav>
+                                      </p:tavLst>
+                                    </p:anim>
+                                    <p:anim calcmode="lin" valueType="num">
+                                      <p:cBhvr additive="base">
+                                        <p:cTn id="13" dur="500" fill="hold"/>
+                                        <p:tgtEl>
+                                          <p:spTgt spid="7"/>
+                                        </p:tgtEl>
+                                        <p:attrNameLst>
+                                          <p:attrName>ppt_y</p:attrName>
+                                        </p:attrNameLst>
+                                      </p:cBhvr>
+                                      <p:tavLst>
+                                        <p:tav tm="0">
+                                          <p:val>
+                                            <p:strVal val="1+#ppt_h/2"/>
+                                          </p:val>
+                                        </p:tav>
+                                        <p:tav tm="100000">
+                                          <p:val>
+                                            <p:strVal val="#ppt_y"/>
+                                          </p:val>
+                                        </p:tav>
+                                      </p:tavLst>
+                                    </p:anim>
+                                  </p:childTnLst>
+                                </p:cTn>
+                              </p:par>
+                              <p:par>
+                                <p:cTn id="14" presetID="2" presetClass="entr" presetSubtype="4" fill="hold" nodeType="withEffect">
+                                  <p:stCondLst>
+                                    <p:cond delay="0"/>
+                                  </p:stCondLst>
+                                  <p:childTnLst>
+                                    <p:set>
+                                      <p:cBhvr>
+                                        <p:cTn id="15" dur="1" fill="hold">
+                                          <p:stCondLst>
+                                            <p:cond delay="0"/>
+                                          </p:stCondLst>
+                                        </p:cTn>
+                                        <p:tgtEl>
+                                          <p:spTgt spid="10"/>
+                                        </p:tgtEl>
+                                        <p:attrNameLst>
+                                          <p:attrName>style.visibility</p:attrName>
+                                        </p:attrNameLst>
+                                      </p:cBhvr>
+                                      <p:to>
+                                        <p:strVal val="visible"/>
+                                      </p:to>
+                                    </p:set>
+                                    <p:anim calcmode="lin" valueType="num">
+                                      <p:cBhvr additive="base">
+                                        <p:cTn id="16" dur="500" fill="hold"/>
+                                        <p:tgtEl>
+                                          <p:spTgt spid="10"/>
+                                        </p:tgtEl>
+                                        <p:attrNameLst>
+                                          <p:attrName>ppt_x</p:attrName>
+                                        </p:attrNameLst>
+                                      </p:cBhvr>
+                                      <p:tavLst>
+                                        <p:tav tm="0">
+                                          <p:val>
+                                            <p:strVal val="#ppt_x"/>
+                                          </p:val>
+                                        </p:tav>
+                                        <p:tav tm="100000">
+                                          <p:val>
+                                            <p:strVal val="#ppt_x"/>
+                                          </p:val>
+                                        </p:tav>
+                                      </p:tavLst>
+                                    </p:anim>
+                                    <p:anim calcmode="lin" valueType="num">
+                                      <p:cBhvr additive="base">
+                                        <p:cTn id="17" dur="500" fill="hold"/>
+                                        <p:tgtEl>
+                                          <p:spTgt spid="10"/>
+                                        </p:tgtEl>
+                                        <p:attrNameLst>
+                                          <p:attrName>ppt_y</p:attrName>
+                                        </p:attrNameLst>
+                                      </p:cBhvr>
+                                      <p:tavLst>
+                                        <p:tav tm="0">
+                                          <p:val>
+                                            <p:strVal val="1+#ppt_h/2"/>
+                                          </p:val>
+                                        </p:tav>
+                                        <p:tav tm="100000">
+                                          <p:val>
+                                            <p:strVal val="#ppt_y"/>
+                                          </p:val>
+                                        </p:tav>
+                                      </p:tavLst>
+                                    </p:anim>
+                                  </p:childTnLst>
+                                </p:cTn>
+                              </p:par>
+                              <p:par>
+                                <p:cTn id="18" presetID="2" presetClass="entr" presetSubtype="4" fill="hold" nodeType="withEffect">
+                                  <p:stCondLst>
+                                    <p:cond delay="0"/>
+                                  </p:stCondLst>
+                                  <p:childTnLst>
+                                    <p:set>
+                                      <p:cBhvr>
+                                        <p:cTn id="19" dur="1" fill="hold">
+                                          <p:stCondLst>
+                                            <p:cond delay="0"/>
+                                          </p:stCondLst>
+                                        </p:cTn>
+                                        <p:tgtEl>
+                                          <p:spTgt spid="13"/>
+                                        </p:tgtEl>
+                                        <p:attrNameLst>
+                                          <p:attrName>style.visibility</p:attrName>
+                                        </p:attrNameLst>
+                                      </p:cBhvr>
+                                      <p:to>
+                                        <p:strVal val="visible"/>
+                                      </p:to>
+                                    </p:set>
+                                    <p:anim calcmode="lin" valueType="num">
+                                      <p:cBhvr additive="base">
+                                        <p:cTn id="20" dur="500" fill="hold"/>
+                                        <p:tgtEl>
+                                          <p:spTgt spid="13"/>
+                                        </p:tgtEl>
+                                        <p:attrNameLst>
+                                          <p:attrName>ppt_x</p:attrName>
+                                        </p:attrNameLst>
+                                      </p:cBhvr>
+                                      <p:tavLst>
+                                        <p:tav tm="0">
+                                          <p:val>
+                                            <p:strVal val="#ppt_x"/>
+                                          </p:val>
+                                        </p:tav>
+                                        <p:tav tm="100000">
+                                          <p:val>
+                                            <p:strVal val="#ppt_x"/>
+                                          </p:val>
+                                        </p:tav>
+                                      </p:tavLst>
+                                    </p:anim>
+                                    <p:anim calcmode="lin" valueType="num">
+                                      <p:cBhvr additive="base">
+                                        <p:cTn id="21" dur="500" fill="hold"/>
+                                        <p:tgtEl>
+                                          <p:spTgt spid="13"/>
+                                        </p:tgtEl>
+                                        <p:attrNameLst>
+                                          <p:attrName>ppt_y</p:attrName>
+                                        </p:attrNameLst>
+                                      </p:cBhvr>
+                                      <p:tavLst>
+                                        <p:tav tm="0">
+                                          <p:val>
+                                            <p:strVal val="1+#ppt_h/2"/>
+                                          </p:val>
+                                        </p:tav>
+                                        <p:tav tm="100000">
+                                          <p:val>
+                                            <p:strVal val="#ppt_y"/>
+                                          </p:val>
+                                        </p:tav>
+                                      </p:tavLst>
+                                    </p:anim>
+                                  </p:childTnLst>
+                                </p:cTn>
+                              </p:par>
+                              <p:par>
+                                <p:cTn id="22" presetID="2" presetClass="entr" presetSubtype="4" fill="hold" nodeType="withEffect">
+                                  <p:stCondLst>
+                                    <p:cond delay="0"/>
+                                  </p:stCondLst>
+                                  <p:childTnLst>
+                                    <p:set>
+                                      <p:cBhvr>
+                                        <p:cTn id="23" dur="1" fill="hold">
+                                          <p:stCondLst>
+                                            <p:cond delay="0"/>
+                                          </p:stCondLst>
+                                        </p:cTn>
+                                        <p:tgtEl>
+                                          <p:spTgt spid="29"/>
+                                        </p:tgtEl>
+                                        <p:attrNameLst>
+                                          <p:attrName>style.visibility</p:attrName>
+                                        </p:attrNameLst>
+                                      </p:cBhvr>
+                                      <p:to>
+                                        <p:strVal val="visible"/>
+                                      </p:to>
+                                    </p:set>
+                                    <p:anim calcmode="lin" valueType="num">
+                                      <p:cBhvr additive="base">
+                                        <p:cTn id="24" dur="500" fill="hold"/>
+                                        <p:tgtEl>
+                                          <p:spTgt spid="29"/>
+                                        </p:tgtEl>
+                                        <p:attrNameLst>
+                                          <p:attrName>ppt_x</p:attrName>
+                                        </p:attrNameLst>
+                                      </p:cBhvr>
+                                      <p:tavLst>
+                                        <p:tav tm="0">
+                                          <p:val>
+                                            <p:strVal val="#ppt_x"/>
+                                          </p:val>
+                                        </p:tav>
+                                        <p:tav tm="100000">
+                                          <p:val>
+                                            <p:strVal val="#ppt_x"/>
+                                          </p:val>
+                                        </p:tav>
+                                      </p:tavLst>
+                                    </p:anim>
+                                    <p:anim calcmode="lin" valueType="num">
+                                      <p:cBhvr additive="base">
+                                        <p:cTn id="25" dur="500" fill="hold"/>
+                                        <p:tgtEl>
+                                          <p:spTgt spid="29"/>
+                                        </p:tgtEl>
+                                        <p:attrNameLst>
+                                          <p:attrName>ppt_y</p:attrName>
+                                        </p:attrNameLst>
+                                      </p:cBhvr>
+                                      <p:tavLst>
+                                        <p:tav tm="0">
+                                          <p:val>
+                                            <p:strVal val="1+#ppt_h/2"/>
+                                          </p:val>
+                                        </p:tav>
+                                        <p:tav tm="100000">
+                                          <p:val>
+                                            <p:strVal val="#ppt_y"/>
+                                          </p:val>
+                                        </p:tav>
+                                      </p:tavLst>
+                                    </p:anim>
+                                  </p:childTnLst>
+                                </p:cTn>
+                              </p:par>
+                              <p:par>
+                                <p:cTn id="26" presetID="2" presetClass="entr" presetSubtype="4" fill="hold" nodeType="withEffect">
+                                  <p:stCondLst>
+                                    <p:cond delay="0"/>
+                                  </p:stCondLst>
+                                  <p:childTnLst>
+                                    <p:set>
+                                      <p:cBhvr>
+                                        <p:cTn id="27" dur="1" fill="hold">
+                                          <p:stCondLst>
+                                            <p:cond delay="0"/>
+                                          </p:stCondLst>
+                                        </p:cTn>
+                                        <p:tgtEl>
+                                          <p:spTgt spid="30"/>
+                                        </p:tgtEl>
+                                        <p:attrNameLst>
+                                          <p:attrName>style.visibility</p:attrName>
+                                        </p:attrNameLst>
+                                      </p:cBhvr>
+                                      <p:to>
+                                        <p:strVal val="visible"/>
+                                      </p:to>
+                                    </p:set>
+                                    <p:anim calcmode="lin" valueType="num">
+                                      <p:cBhvr additive="base">
+                                        <p:cTn id="28" dur="500" fill="hold"/>
+                                        <p:tgtEl>
+                                          <p:spTgt spid="30"/>
+                                        </p:tgtEl>
+                                        <p:attrNameLst>
+                                          <p:attrName>ppt_x</p:attrName>
+                                        </p:attrNameLst>
+                                      </p:cBhvr>
+                                      <p:tavLst>
+                                        <p:tav tm="0">
+                                          <p:val>
+                                            <p:strVal val="#ppt_x"/>
+                                          </p:val>
+                                        </p:tav>
+                                        <p:tav tm="100000">
+                                          <p:val>
+                                            <p:strVal val="#ppt_x"/>
+                                          </p:val>
+                                        </p:tav>
+                                      </p:tavLst>
+                                    </p:anim>
+                                    <p:anim calcmode="lin" valueType="num">
+                                      <p:cBhvr additive="base">
+                                        <p:cTn id="29" dur="500" fill="hold"/>
+                                        <p:tgtEl>
+                                          <p:spTgt spid="30"/>
+                                        </p:tgtEl>
+                                        <p:attrNameLst>
+                                          <p:attrName>ppt_y</p:attrName>
+                                        </p:attrNameLst>
+                                      </p:cBhvr>
+                                      <p:tavLst>
+                                        <p:tav tm="0">
+                                          <p:val>
+                                            <p:strVal val="1+#ppt_h/2"/>
+                                          </p:val>
+                                        </p:tav>
+                                        <p:tav tm="100000">
+                                          <p:val>
+                                            <p:strVal val="#ppt_y"/>
+                                          </p:val>
+                                        </p:tav>
+                                      </p:tavLst>
+                                    </p:anim>
+                                  </p:childTnLst>
+                                </p:cTn>
+                              </p:par>
+                              <p:par>
+                                <p:cTn id="30" presetID="2" presetClass="entr" presetSubtype="4" fill="hold" nodeType="withEffect">
+                                  <p:stCondLst>
+                                    <p:cond delay="0"/>
+                                  </p:stCondLst>
+                                  <p:childTnLst>
+                                    <p:set>
+                                      <p:cBhvr>
+                                        <p:cTn id="31" dur="1" fill="hold">
+                                          <p:stCondLst>
+                                            <p:cond delay="0"/>
+                                          </p:stCondLst>
+                                        </p:cTn>
+                                        <p:tgtEl>
+                                          <p:spTgt spid="31"/>
+                                        </p:tgtEl>
+                                        <p:attrNameLst>
+                                          <p:attrName>style.visibility</p:attrName>
+                                        </p:attrNameLst>
+                                      </p:cBhvr>
+                                      <p:to>
+                                        <p:strVal val="visible"/>
+                                      </p:to>
+                                    </p:set>
+                                    <p:anim calcmode="lin" valueType="num">
+                                      <p:cBhvr additive="base">
+                                        <p:cTn id="32" dur="500" fill="hold"/>
+                                        <p:tgtEl>
+                                          <p:spTgt spid="31"/>
+                                        </p:tgtEl>
+                                        <p:attrNameLst>
+                                          <p:attrName>ppt_x</p:attrName>
+                                        </p:attrNameLst>
+                                      </p:cBhvr>
+                                      <p:tavLst>
+                                        <p:tav tm="0">
+                                          <p:val>
+                                            <p:strVal val="#ppt_x"/>
+                                          </p:val>
+                                        </p:tav>
+                                        <p:tav tm="100000">
+                                          <p:val>
+                                            <p:strVal val="#ppt_x"/>
+                                          </p:val>
+                                        </p:tav>
+                                      </p:tavLst>
+                                    </p:anim>
+                                    <p:anim calcmode="lin" valueType="num">
+                                      <p:cBhvr additive="base">
+                                        <p:cTn id="33" dur="500" fill="hold"/>
+                                        <p:tgtEl>
+                                          <p:spTgt spid="31"/>
+                                        </p:tgtEl>
+                                        <p:attrNameLst>
+                                          <p:attrName>ppt_y</p:attrName>
+                                        </p:attrNameLst>
+                                      </p:cBhvr>
+                                      <p:tavLst>
+                                        <p:tav tm="0">
+                                          <p:val>
+                                            <p:strVal val="1+#ppt_h/2"/>
+                                          </p:val>
+                                        </p:tav>
+                                        <p:tav tm="100000">
+                                          <p:val>
+                                            <p:strVal val="#ppt_y"/>
+                                          </p:val>
+                                        </p:tav>
+                                      </p:tavLst>
+                                    </p:anim>
+                                  </p:childTnLst>
+                                </p:cTn>
+                              </p:par>
+                            </p:childTnLst>
+                          </p:cTn>
+                        </p:par>
+                      </p:childTnLst>
+                    </p:cTn>
+                  </p:par>
+                  <p:par>
+                    <p:cTn id="34" fill="hold">
+                      <p:stCondLst>
+                        <p:cond delay="indefinite"/>
+                      </p:stCondLst>
+                      <p:childTnLst>
+                        <p:par>
+                          <p:cTn id="35" fill="hold">
+                            <p:stCondLst>
+                              <p:cond delay="0"/>
+                            </p:stCondLst>
+                            <p:childTnLst>
+                              <p:par>
+                                <p:cTn id="36" presetID="2" presetClass="entr" presetSubtype="4" fill="hold" nodeType="clickEffect">
+                                  <p:stCondLst>
+                                    <p:cond delay="0"/>
+                                  </p:stCondLst>
+                                  <p:childTnLst>
+                                    <p:set>
+                                      <p:cBhvr>
+                                        <p:cTn id="37" dur="1" fill="hold">
+                                          <p:stCondLst>
+                                            <p:cond delay="0"/>
+                                          </p:stCondLst>
+                                        </p:cTn>
+                                        <p:tgtEl>
+                                          <p:spTgt spid="19"/>
+                                        </p:tgtEl>
+                                        <p:attrNameLst>
+                                          <p:attrName>style.visibility</p:attrName>
+                                        </p:attrNameLst>
+                                      </p:cBhvr>
+                                      <p:to>
+                                        <p:strVal val="visible"/>
+                                      </p:to>
+                                    </p:set>
+                                    <p:anim calcmode="lin" valueType="num">
+                                      <p:cBhvr additive="base">
+                                        <p:cTn id="38" dur="500" fill="hold"/>
+                                        <p:tgtEl>
+                                          <p:spTgt spid="19"/>
+                                        </p:tgtEl>
+                                        <p:attrNameLst>
+                                          <p:attrName>ppt_x</p:attrName>
+                                        </p:attrNameLst>
+                                      </p:cBhvr>
+                                      <p:tavLst>
+                                        <p:tav tm="0">
+                                          <p:val>
+                                            <p:strVal val="#ppt_x"/>
+                                          </p:val>
+                                        </p:tav>
+                                        <p:tav tm="100000">
+                                          <p:val>
+                                            <p:strVal val="#ppt_x"/>
+                                          </p:val>
+                                        </p:tav>
+                                      </p:tavLst>
+                                    </p:anim>
+                                    <p:anim calcmode="lin" valueType="num">
+                                      <p:cBhvr additive="base">
+                                        <p:cTn id="39" dur="500" fill="hold"/>
+                                        <p:tgtEl>
+                                          <p:spTgt spid="19"/>
+                                        </p:tgtEl>
+                                        <p:attrNameLst>
+                                          <p:attrName>ppt_y</p:attrName>
+                                        </p:attrNameLst>
+                                      </p:cBhvr>
+                                      <p:tavLst>
+                                        <p:tav tm="0">
+                                          <p:val>
+                                            <p:strVal val="1+#ppt_h/2"/>
+                                          </p:val>
+                                        </p:tav>
+                                        <p:tav tm="100000">
+                                          <p:val>
+                                            <p:strVal val="#ppt_y"/>
+                                          </p:val>
+                                        </p:tav>
+                                      </p:tavLst>
+                                    </p:anim>
+                                  </p:childTnLst>
+                                </p:cTn>
+                              </p:par>
+                              <p:par>
+                                <p:cTn id="40" presetID="2" presetClass="entr" presetSubtype="4" fill="hold" nodeType="withEffect">
+                                  <p:stCondLst>
+                                    <p:cond delay="0"/>
+                                  </p:stCondLst>
+                                  <p:childTnLst>
+                                    <p:set>
+                                      <p:cBhvr>
+                                        <p:cTn id="41" dur="1" fill="hold">
+                                          <p:stCondLst>
+                                            <p:cond delay="0"/>
+                                          </p:stCondLst>
+                                        </p:cTn>
+                                        <p:tgtEl>
+                                          <p:spTgt spid="23"/>
+                                        </p:tgtEl>
+                                        <p:attrNameLst>
+                                          <p:attrName>style.visibility</p:attrName>
+                                        </p:attrNameLst>
+                                      </p:cBhvr>
+                                      <p:to>
+                                        <p:strVal val="visible"/>
+                                      </p:to>
+                                    </p:set>
+                                    <p:anim calcmode="lin" valueType="num">
+                                      <p:cBhvr additive="base">
+                                        <p:cTn id="42" dur="500" fill="hold"/>
+                                        <p:tgtEl>
+                                          <p:spTgt spid="23"/>
+                                        </p:tgtEl>
+                                        <p:attrNameLst>
+                                          <p:attrName>ppt_x</p:attrName>
+                                        </p:attrNameLst>
+                                      </p:cBhvr>
+                                      <p:tavLst>
+                                        <p:tav tm="0">
+                                          <p:val>
+                                            <p:strVal val="#ppt_x"/>
+                                          </p:val>
+                                        </p:tav>
+                                        <p:tav tm="100000">
+                                          <p:val>
+                                            <p:strVal val="#ppt_x"/>
+                                          </p:val>
+                                        </p:tav>
+                                      </p:tavLst>
+                                    </p:anim>
+                                    <p:anim calcmode="lin" valueType="num">
+                                      <p:cBhvr additive="base">
+                                        <p:cTn id="43" dur="500" fill="hold"/>
+                                        <p:tgtEl>
+                                          <p:spTgt spid="23"/>
+                                        </p:tgtEl>
+                                        <p:attrNameLst>
+                                          <p:attrName>ppt_y</p:attrName>
+                                        </p:attrNameLst>
+                                      </p:cBhvr>
+                                      <p:tavLst>
+                                        <p:tav tm="0">
+                                          <p:val>
+                                            <p:strVal val="1+#ppt_h/2"/>
+                                          </p:val>
+                                        </p:tav>
+                                        <p:tav tm="100000">
+                                          <p:val>
+                                            <p:strVal val="#ppt_y"/>
+                                          </p:val>
+                                        </p:tav>
+                                      </p:tavLst>
+                                    </p:anim>
+                                  </p:childTnLst>
+                                </p:cTn>
+                              </p:par>
+                              <p:par>
+                                <p:cTn id="44" presetID="2" presetClass="entr" presetSubtype="4" fill="hold" nodeType="withEffect">
+                                  <p:stCondLst>
+                                    <p:cond delay="0"/>
+                                  </p:stCondLst>
+                                  <p:childTnLst>
+                                    <p:set>
+                                      <p:cBhvr>
+                                        <p:cTn id="45" dur="1" fill="hold">
+                                          <p:stCondLst>
+                                            <p:cond delay="0"/>
+                                          </p:stCondLst>
+                                        </p:cTn>
+                                        <p:tgtEl>
+                                          <p:spTgt spid="28"/>
+                                        </p:tgtEl>
+                                        <p:attrNameLst>
+                                          <p:attrName>style.visibility</p:attrName>
+                                        </p:attrNameLst>
+                                      </p:cBhvr>
+                                      <p:to>
+                                        <p:strVal val="visible"/>
+                                      </p:to>
+                                    </p:set>
+                                    <p:anim calcmode="lin" valueType="num">
+                                      <p:cBhvr additive="base">
+                                        <p:cTn id="46" dur="500" fill="hold"/>
+                                        <p:tgtEl>
+                                          <p:spTgt spid="28"/>
+                                        </p:tgtEl>
+                                        <p:attrNameLst>
+                                          <p:attrName>ppt_x</p:attrName>
+                                        </p:attrNameLst>
+                                      </p:cBhvr>
+                                      <p:tavLst>
+                                        <p:tav tm="0">
+                                          <p:val>
+                                            <p:strVal val="#ppt_x"/>
+                                          </p:val>
+                                        </p:tav>
+                                        <p:tav tm="100000">
+                                          <p:val>
+                                            <p:strVal val="#ppt_x"/>
+                                          </p:val>
+                                        </p:tav>
+                                      </p:tavLst>
+                                    </p:anim>
+                                    <p:anim calcmode="lin" valueType="num">
+                                      <p:cBhvr additive="base">
+                                        <p:cTn id="47" dur="500" fill="hold"/>
+                                        <p:tgtEl>
+                                          <p:spTgt spid="28"/>
+                                        </p:tgtEl>
+                                        <p:attrNameLst>
+                                          <p:attrName>ppt_y</p:attrName>
+                                        </p:attrNameLst>
+                                      </p:cBhvr>
+                                      <p:tavLst>
+                                        <p:tav tm="0">
+                                          <p:val>
+                                            <p:strVal val="1+#ppt_h/2"/>
+                                          </p:val>
+                                        </p:tav>
+                                        <p:tav tm="100000">
+                                          <p:val>
+                                            <p:strVal val="#ppt_y"/>
+                                          </p:val>
+                                        </p:tav>
+                                      </p:tavLst>
+                                    </p:anim>
+                                  </p:childTnLst>
+                                </p:cTn>
+                              </p:par>
+                              <p:par>
+                                <p:cTn id="48" presetID="2" presetClass="entr" presetSubtype="4" fill="hold" nodeType="withEffect">
+                                  <p:stCondLst>
+                                    <p:cond delay="0"/>
+                                  </p:stCondLst>
+                                  <p:childTnLst>
+                                    <p:set>
+                                      <p:cBhvr>
+                                        <p:cTn id="49" dur="1" fill="hold">
+                                          <p:stCondLst>
+                                            <p:cond delay="0"/>
+                                          </p:stCondLst>
+                                        </p:cTn>
+                                        <p:tgtEl>
+                                          <p:spTgt spid="16"/>
+                                        </p:tgtEl>
+                                        <p:attrNameLst>
+                                          <p:attrName>style.visibility</p:attrName>
+                                        </p:attrNameLst>
+                                      </p:cBhvr>
+                                      <p:to>
+                                        <p:strVal val="visible"/>
+                                      </p:to>
+                                    </p:set>
+                                    <p:anim calcmode="lin" valueType="num">
+                                      <p:cBhvr additive="base">
+                                        <p:cTn id="50" dur="500" fill="hold"/>
+                                        <p:tgtEl>
+                                          <p:spTgt spid="16"/>
+                                        </p:tgtEl>
+                                        <p:attrNameLst>
+                                          <p:attrName>ppt_x</p:attrName>
+                                        </p:attrNameLst>
+                                      </p:cBhvr>
+                                      <p:tavLst>
+                                        <p:tav tm="0">
+                                          <p:val>
+                                            <p:strVal val="#ppt_x"/>
+                                          </p:val>
+                                        </p:tav>
+                                        <p:tav tm="100000">
+                                          <p:val>
+                                            <p:strVal val="#ppt_x"/>
+                                          </p:val>
+                                        </p:tav>
+                                      </p:tavLst>
+                                    </p:anim>
+                                    <p:anim calcmode="lin" valueType="num">
+                                      <p:cBhvr additive="base">
+                                        <p:cTn id="51" dur="500" fill="hold"/>
+                                        <p:tgtEl>
+                                          <p:spTgt spid="16"/>
+                                        </p:tgtEl>
+                                        <p:attrNameLst>
+                                          <p:attrName>ppt_y</p:attrName>
+                                        </p:attrNameLst>
+                                      </p:cBhvr>
+                                      <p:tavLst>
+                                        <p:tav tm="0">
+                                          <p:val>
+                                            <p:strVal val="1+#ppt_h/2"/>
+                                          </p:val>
+                                        </p:tav>
+                                        <p:tav tm="100000">
+                                          <p:val>
+                                            <p:strVal val="#ppt_y"/>
+                                          </p:val>
+                                        </p:tav>
+                                      </p:tavLst>
+                                    </p:anim>
+                                  </p:childTnLst>
+                                </p:cTn>
+                              </p:par>
+                            </p:childTnLst>
+                          </p:cTn>
+                        </p:par>
+                      </p:childTnLst>
+                    </p:cTn>
+                  </p:par>
+                  <p:par>
+                    <p:cTn id="52" fill="hold">
+                      <p:stCondLst>
+                        <p:cond delay="indefinite"/>
+                      </p:stCondLst>
+                      <p:childTnLst>
+                        <p:par>
+                          <p:cTn id="53" fill="hold">
+                            <p:stCondLst>
+                              <p:cond delay="0"/>
+                            </p:stCondLst>
+                            <p:childTnLst>
+                              <p:par>
+                                <p:cTn id="54" presetID="2" presetClass="entr" presetSubtype="4" fill="hold" grpId="0" nodeType="clickEffect">
+                                  <p:stCondLst>
+                                    <p:cond delay="0"/>
+                                  </p:stCondLst>
+                                  <p:childTnLst>
+                                    <p:set>
+                                      <p:cBhvr>
+                                        <p:cTn id="55" dur="1" fill="hold">
+                                          <p:stCondLst>
+                                            <p:cond delay="0"/>
+                                          </p:stCondLst>
+                                        </p:cTn>
+                                        <p:tgtEl>
+                                          <p:spTgt spid="42"/>
+                                        </p:tgtEl>
+                                        <p:attrNameLst>
+                                          <p:attrName>style.visibility</p:attrName>
+                                        </p:attrNameLst>
+                                      </p:cBhvr>
+                                      <p:to>
+                                        <p:strVal val="visible"/>
+                                      </p:to>
+                                    </p:set>
+                                    <p:anim calcmode="lin" valueType="num">
+                                      <p:cBhvr additive="base">
+                                        <p:cTn id="56" dur="500" fill="hold"/>
+                                        <p:tgtEl>
+                                          <p:spTgt spid="42"/>
+                                        </p:tgtEl>
+                                        <p:attrNameLst>
+                                          <p:attrName>ppt_x</p:attrName>
+                                        </p:attrNameLst>
+                                      </p:cBhvr>
+                                      <p:tavLst>
+                                        <p:tav tm="0">
+                                          <p:val>
+                                            <p:strVal val="#ppt_x"/>
+                                          </p:val>
+                                        </p:tav>
+                                        <p:tav tm="100000">
+                                          <p:val>
+                                            <p:strVal val="#ppt_x"/>
+                                          </p:val>
+                                        </p:tav>
+                                      </p:tavLst>
+                                    </p:anim>
+                                    <p:anim calcmode="lin" valueType="num">
+                                      <p:cBhvr additive="base">
+                                        <p:cTn id="57" dur="500" fill="hold"/>
+                                        <p:tgtEl>
+                                          <p:spTgt spid="42"/>
+                                        </p:tgtEl>
+                                        <p:attrNameLst>
+                                          <p:attrName>ppt_y</p:attrName>
+                                        </p:attrNameLst>
+                                      </p:cBhvr>
+                                      <p:tavLst>
+                                        <p:tav tm="0">
+                                          <p:val>
+                                            <p:strVal val="1+#ppt_h/2"/>
+                                          </p:val>
+                                        </p:tav>
+                                        <p:tav tm="100000">
+                                          <p:val>
+                                            <p:strVal val="#ppt_y"/>
+                                          </p:val>
+                                        </p:tav>
+                                      </p:tavLst>
+                                    </p:anim>
+                                  </p:childTnLst>
+                                </p:cTn>
+                              </p:par>
+                              <p:par>
+                                <p:cTn id="58" presetID="2" presetClass="entr" presetSubtype="4" fill="hold" grpId="0" nodeType="withEffect">
+                                  <p:stCondLst>
+                                    <p:cond delay="0"/>
+                                  </p:stCondLst>
+                                  <p:childTnLst>
+                                    <p:set>
+                                      <p:cBhvr>
+                                        <p:cTn id="59" dur="1" fill="hold">
+                                          <p:stCondLst>
+                                            <p:cond delay="0"/>
+                                          </p:stCondLst>
+                                        </p:cTn>
+                                        <p:tgtEl>
+                                          <p:spTgt spid="43"/>
+                                        </p:tgtEl>
+                                        <p:attrNameLst>
+                                          <p:attrName>style.visibility</p:attrName>
+                                        </p:attrNameLst>
+                                      </p:cBhvr>
+                                      <p:to>
+                                        <p:strVal val="visible"/>
+                                      </p:to>
+                                    </p:set>
+                                    <p:anim calcmode="lin" valueType="num">
+                                      <p:cBhvr additive="base">
+                                        <p:cTn id="60" dur="500" fill="hold"/>
+                                        <p:tgtEl>
+                                          <p:spTgt spid="43"/>
+                                        </p:tgtEl>
+                                        <p:attrNameLst>
+                                          <p:attrName>ppt_x</p:attrName>
+                                        </p:attrNameLst>
+                                      </p:cBhvr>
+                                      <p:tavLst>
+                                        <p:tav tm="0">
+                                          <p:val>
+                                            <p:strVal val="#ppt_x"/>
+                                          </p:val>
+                                        </p:tav>
+                                        <p:tav tm="100000">
+                                          <p:val>
+                                            <p:strVal val="#ppt_x"/>
+                                          </p:val>
+                                        </p:tav>
+                                      </p:tavLst>
+                                    </p:anim>
+                                    <p:anim calcmode="lin" valueType="num">
+                                      <p:cBhvr additive="base">
+                                        <p:cTn id="61" dur="500" fill="hold"/>
+                                        <p:tgtEl>
+                                          <p:spTgt spid="43"/>
+                                        </p:tgtEl>
+                                        <p:attrNameLst>
+                                          <p:attrName>ppt_y</p:attrName>
+                                        </p:attrNameLst>
+                                      </p:cBhvr>
+                                      <p:tavLst>
+                                        <p:tav tm="0">
+                                          <p:val>
+                                            <p:strVal val="1+#ppt_h/2"/>
+                                          </p:val>
+                                        </p:tav>
+                                        <p:tav tm="100000">
+                                          <p:val>
+                                            <p:strVal val="#ppt_y"/>
+                                          </p:val>
+                                        </p:tav>
+                                      </p:tavLst>
+                                    </p:anim>
+                                  </p:childTnLst>
+                                </p:cTn>
+                              </p:par>
+                            </p:childTnLst>
+                          </p:cTn>
+                        </p:par>
+                      </p:childTnLst>
+                    </p:cTn>
+                  </p:par>
+                  <p:par>
+                    <p:cTn id="62" fill="hold">
+                      <p:stCondLst>
+                        <p:cond delay="indefinite"/>
+                      </p:stCondLst>
+                      <p:childTnLst>
+                        <p:par>
+                          <p:cTn id="63" fill="hold">
+                            <p:stCondLst>
+                              <p:cond delay="0"/>
+                            </p:stCondLst>
+                            <p:childTnLst>
+                              <p:par>
+                                <p:cTn id="64" presetID="10" presetClass="entr" presetSubtype="0" fill="hold" grpId="0" nodeType="clickEffect">
+                                  <p:stCondLst>
+                                    <p:cond delay="0"/>
+                                  </p:stCondLst>
+                                  <p:childTnLst>
+                                    <p:set>
+                                      <p:cBhvr>
+                                        <p:cTn id="65" dur="1" fill="hold">
+                                          <p:stCondLst>
+                                            <p:cond delay="0"/>
+                                          </p:stCondLst>
+                                        </p:cTn>
+                                        <p:tgtEl>
+                                          <p:spTgt spid="22"/>
+                                        </p:tgtEl>
+                                        <p:attrNameLst>
+                                          <p:attrName>style.visibility</p:attrName>
+                                        </p:attrNameLst>
+                                      </p:cBhvr>
+                                      <p:to>
+                                        <p:strVal val="visible"/>
+                                      </p:to>
+                                    </p:set>
+                                    <p:animEffect transition="in" filter="fade">
+                                      <p:cBhvr>
+                                        <p:cTn id="66" dur="500"/>
+                                        <p:tgtEl>
+                                          <p:spTgt spid="22"/>
+                                        </p:tgtEl>
+                                      </p:cBhvr>
+                                    </p:animEffect>
+                                  </p:childTnLst>
+                                </p:cTn>
+                              </p:par>
+                            </p:childTnLst>
+                          </p:cTn>
+                        </p:par>
+                      </p:childTnLst>
+                    </p:cTn>
+                  </p:par>
+                  <p:par>
+                    <p:cTn id="67" fill="hold">
+                      <p:stCondLst>
+                        <p:cond delay="indefinite"/>
+                      </p:stCondLst>
+                      <p:childTnLst>
+                        <p:par>
+                          <p:cTn id="68" fill="hold">
+                            <p:stCondLst>
+                              <p:cond delay="0"/>
+                            </p:stCondLst>
+                            <p:childTnLst>
+                              <p:par>
+                                <p:cTn id="69" presetID="10" presetClass="entr" presetSubtype="0" fill="hold" nodeType="clickEffect">
+                                  <p:stCondLst>
+                                    <p:cond delay="0"/>
+                                  </p:stCondLst>
+                                  <p:childTnLst>
+                                    <p:set>
+                                      <p:cBhvr>
+                                        <p:cTn id="70" dur="1" fill="hold">
+                                          <p:stCondLst>
+                                            <p:cond delay="0"/>
+                                          </p:stCondLst>
+                                        </p:cTn>
+                                        <p:tgtEl>
+                                          <p:spTgt spid="24"/>
+                                        </p:tgtEl>
+                                        <p:attrNameLst>
+                                          <p:attrName>style.visibility</p:attrName>
+                                        </p:attrNameLst>
+                                      </p:cBhvr>
+                                      <p:to>
+                                        <p:strVal val="visible"/>
+                                      </p:to>
+                                    </p:set>
+                                    <p:animEffect transition="in" filter="fade">
+                                      <p:cBhvr>
+                                        <p:cTn id="71" dur="500"/>
+                                        <p:tgtEl>
+                                          <p:spTgt spid="24"/>
+                                        </p:tgtEl>
+                                      </p:cBhvr>
+                                    </p:animEffect>
+                                  </p:childTnLst>
+                                </p:cTn>
+                              </p:par>
+                              <p:par>
+                                <p:cTn id="72" presetID="10" presetClass="entr" presetSubtype="0" fill="hold" nodeType="withEffect">
+                                  <p:stCondLst>
+                                    <p:cond delay="0"/>
+                                  </p:stCondLst>
+                                  <p:childTnLst>
+                                    <p:set>
+                                      <p:cBhvr>
+                                        <p:cTn id="73" dur="1" fill="hold">
+                                          <p:stCondLst>
+                                            <p:cond delay="0"/>
+                                          </p:stCondLst>
+                                        </p:cTn>
+                                        <p:tgtEl>
+                                          <p:spTgt spid="36"/>
+                                        </p:tgtEl>
+                                        <p:attrNameLst>
+                                          <p:attrName>style.visibility</p:attrName>
+                                        </p:attrNameLst>
+                                      </p:cBhvr>
+                                      <p:to>
+                                        <p:strVal val="visible"/>
+                                      </p:to>
+                                    </p:set>
+                                    <p:animEffect transition="in" filter="fade">
+                                      <p:cBhvr>
+                                        <p:cTn id="74" dur="500"/>
+                                        <p:tgtEl>
+                                          <p:spTgt spid="36"/>
+                                        </p:tgtEl>
+                                      </p:cBhvr>
+                                    </p:animEffect>
+                                  </p:childTnLst>
+                                </p:cTn>
+                              </p:par>
+                              <p:par>
+                                <p:cTn id="75" presetID="10" presetClass="entr" presetSubtype="0" fill="hold" nodeType="withEffect">
+                                  <p:stCondLst>
+                                    <p:cond delay="0"/>
+                                  </p:stCondLst>
+                                  <p:childTnLst>
+                                    <p:set>
+                                      <p:cBhvr>
+                                        <p:cTn id="76" dur="1" fill="hold">
+                                          <p:stCondLst>
+                                            <p:cond delay="0"/>
+                                          </p:stCondLst>
+                                        </p:cTn>
+                                        <p:tgtEl>
+                                          <p:spTgt spid="39"/>
+                                        </p:tgtEl>
+                                        <p:attrNameLst>
+                                          <p:attrName>style.visibility</p:attrName>
+                                        </p:attrNameLst>
+                                      </p:cBhvr>
+                                      <p:to>
+                                        <p:strVal val="visible"/>
+                                      </p:to>
+                                    </p:set>
+                                    <p:animEffect transition="in" filter="fade">
+                                      <p:cBhvr>
+                                        <p:cTn id="77" dur="500"/>
+                                        <p:tgtEl>
+                                          <p:spTgt spid="39"/>
+                                        </p:tgtEl>
+                                      </p:cBhvr>
+                                    </p:animEffect>
+                                  </p:childTnLst>
+                                </p:cTn>
+                              </p:par>
+                              <p:par>
+                                <p:cTn id="78" presetID="10" presetClass="entr" presetSubtype="0" fill="hold" nodeType="withEffect">
+                                  <p:stCondLst>
+                                    <p:cond delay="0"/>
+                                  </p:stCondLst>
+                                  <p:childTnLst>
+                                    <p:set>
+                                      <p:cBhvr>
+                                        <p:cTn id="79" dur="1" fill="hold">
+                                          <p:stCondLst>
+                                            <p:cond delay="0"/>
+                                          </p:stCondLst>
+                                        </p:cTn>
+                                        <p:tgtEl>
+                                          <p:spTgt spid="40"/>
+                                        </p:tgtEl>
+                                        <p:attrNameLst>
+                                          <p:attrName>style.visibility</p:attrName>
+                                        </p:attrNameLst>
+                                      </p:cBhvr>
+                                      <p:to>
+                                        <p:strVal val="visible"/>
+                                      </p:to>
+                                    </p:set>
+                                    <p:animEffect transition="in" filter="fade">
+                                      <p:cBhvr>
+                                        <p:cTn id="80" dur="500"/>
+                                        <p:tgtEl>
+                                          <p:spTgt spid="40"/>
+                                        </p:tgtEl>
+                                      </p:cBhvr>
+                                    </p:animEffect>
+                                  </p:childTnLst>
+                                </p:cTn>
+                              </p:par>
+                              <p:par>
+                                <p:cTn id="81" presetID="2" presetClass="entr" presetSubtype="4" fill="hold" nodeType="withEffect">
+                                  <p:stCondLst>
+                                    <p:cond delay="0"/>
+                                  </p:stCondLst>
+                                  <p:childTnLst>
+                                    <p:set>
+                                      <p:cBhvr>
+                                        <p:cTn id="82" dur="1" fill="hold">
+                                          <p:stCondLst>
+                                            <p:cond delay="0"/>
+                                          </p:stCondLst>
+                                        </p:cTn>
+                                        <p:tgtEl>
+                                          <p:spTgt spid="35"/>
+                                        </p:tgtEl>
+                                        <p:attrNameLst>
+                                          <p:attrName>style.visibility</p:attrName>
+                                        </p:attrNameLst>
+                                      </p:cBhvr>
+                                      <p:to>
+                                        <p:strVal val="visible"/>
+                                      </p:to>
+                                    </p:set>
+                                    <p:anim calcmode="lin" valueType="num">
+                                      <p:cBhvr additive="base">
+                                        <p:cTn id="83" dur="500" fill="hold"/>
+                                        <p:tgtEl>
+                                          <p:spTgt spid="35"/>
+                                        </p:tgtEl>
+                                        <p:attrNameLst>
+                                          <p:attrName>ppt_x</p:attrName>
+                                        </p:attrNameLst>
+                                      </p:cBhvr>
+                                      <p:tavLst>
+                                        <p:tav tm="0">
+                                          <p:val>
+                                            <p:strVal val="#ppt_x"/>
+                                          </p:val>
+                                        </p:tav>
+                                        <p:tav tm="100000">
+                                          <p:val>
+                                            <p:strVal val="#ppt_x"/>
+                                          </p:val>
+                                        </p:tav>
+                                      </p:tavLst>
+                                    </p:anim>
+                                    <p:anim calcmode="lin" valueType="num">
+                                      <p:cBhvr additive="base">
+                                        <p:cTn id="84" dur="500" fill="hold"/>
+                                        <p:tgtEl>
+                                          <p:spTgt spid="35"/>
+                                        </p:tgtEl>
+                                        <p:attrNameLst>
+                                          <p:attrName>ppt_y</p:attrName>
+                                        </p:attrNameLst>
+                                      </p:cBhvr>
+                                      <p:tavLst>
+                                        <p:tav tm="0">
+                                          <p:val>
+                                            <p:strVal val="1+#ppt_h/2"/>
+                                          </p:val>
+                                        </p:tav>
+                                        <p:tav tm="100000">
+                                          <p:val>
+                                            <p:strVal val="#ppt_y"/>
+                                          </p:val>
+                                        </p:tav>
+                                      </p:tavLst>
+                                    </p:anim>
+                                  </p:childTnLst>
+                                </p:cTn>
+                              </p:par>
+                            </p:childTnLst>
+                          </p:cTn>
+                        </p:par>
+                      </p:childTnLst>
+                    </p:cTn>
+                  </p:par>
+                  <p:par>
+                    <p:cTn id="85" fill="hold">
+                      <p:stCondLst>
+                        <p:cond delay="indefinite"/>
+                      </p:stCondLst>
+                      <p:childTnLst>
+                        <p:par>
+                          <p:cTn id="86" fill="hold">
+                            <p:stCondLst>
+                              <p:cond delay="0"/>
+                            </p:stCondLst>
+                            <p:childTnLst>
+                              <p:par>
+                                <p:cTn id="87" presetID="10" presetClass="entr" presetSubtype="0" fill="hold" grpId="0" nodeType="clickEffect">
+                                  <p:stCondLst>
+                                    <p:cond delay="0"/>
+                                  </p:stCondLst>
+                                  <p:childTnLst>
+                                    <p:set>
+                                      <p:cBhvr>
+                                        <p:cTn id="88" dur="1" fill="hold">
+                                          <p:stCondLst>
+                                            <p:cond delay="0"/>
+                                          </p:stCondLst>
+                                        </p:cTn>
+                                        <p:tgtEl>
+                                          <p:spTgt spid="41"/>
+                                        </p:tgtEl>
+                                        <p:attrNameLst>
+                                          <p:attrName>style.visibility</p:attrName>
+                                        </p:attrNameLst>
+                                      </p:cBhvr>
+                                      <p:to>
+                                        <p:strVal val="visible"/>
+                                      </p:to>
+                                    </p:set>
+                                    <p:animEffect transition="in" filter="fade">
+                                      <p:cBhvr>
+                                        <p:cTn id="89" dur="500"/>
+                                        <p:tgtEl>
+                                          <p:spTgt spid="41"/>
+                                        </p:tgtEl>
+                                      </p:cBhvr>
+                                    </p:animEffect>
+                                  </p:childTnLst>
+                                </p:cTn>
+                              </p:par>
+                              <p:par>
+                                <p:cTn id="90" presetID="10" presetClass="entr" presetSubtype="0" fill="hold" grpId="0" nodeType="withEffect">
+                                  <p:stCondLst>
+                                    <p:cond delay="0"/>
+                                  </p:stCondLst>
+                                  <p:childTnLst>
+                                    <p:set>
+                                      <p:cBhvr>
+                                        <p:cTn id="91" dur="1" fill="hold">
+                                          <p:stCondLst>
+                                            <p:cond delay="0"/>
+                                          </p:stCondLst>
+                                        </p:cTn>
+                                        <p:tgtEl>
+                                          <p:spTgt spid="27"/>
+                                        </p:tgtEl>
+                                        <p:attrNameLst>
+                                          <p:attrName>style.visibility</p:attrName>
+                                        </p:attrNameLst>
+                                      </p:cBhvr>
+                                      <p:to>
+                                        <p:strVal val="visible"/>
+                                      </p:to>
+                                    </p:set>
+                                    <p:animEffect transition="in" filter="fade">
+                                      <p:cBhvr>
+                                        <p:cTn id="92" dur="500"/>
+                                        <p:tgtEl>
+                                          <p:spTgt spid="27"/>
+                                        </p:tgtEl>
+                                      </p:cBhvr>
+                                    </p:animEffect>
+                                  </p:childTnLst>
+                                </p:cTn>
+                              </p:par>
+                            </p:childTnLst>
+                          </p:cTn>
+                        </p:par>
+                      </p:childTnLst>
+                    </p:cTn>
+                  </p:par>
+                  <p:par>
+                    <p:cTn id="93" fill="hold">
+                      <p:stCondLst>
+                        <p:cond delay="indefinite"/>
+                      </p:stCondLst>
+                      <p:childTnLst>
+                        <p:par>
+                          <p:cTn id="94" fill="hold">
+                            <p:stCondLst>
+                              <p:cond delay="0"/>
+                            </p:stCondLst>
+                            <p:childTnLst>
+                              <p:par>
+                                <p:cTn id="95" presetID="2" presetClass="entr" presetSubtype="4" fill="hold" grpId="0" nodeType="clickEffect">
+                                  <p:stCondLst>
+                                    <p:cond delay="0"/>
+                                  </p:stCondLst>
+                                  <p:childTnLst>
+                                    <p:set>
+                                      <p:cBhvr>
+                                        <p:cTn id="96" dur="1" fill="hold">
+                                          <p:stCondLst>
+                                            <p:cond delay="0"/>
+                                          </p:stCondLst>
+                                        </p:cTn>
+                                        <p:tgtEl>
+                                          <p:spTgt spid="44"/>
+                                        </p:tgtEl>
+                                        <p:attrNameLst>
+                                          <p:attrName>style.visibility</p:attrName>
+                                        </p:attrNameLst>
+                                      </p:cBhvr>
+                                      <p:to>
+                                        <p:strVal val="visible"/>
+                                      </p:to>
+                                    </p:set>
+                                    <p:anim calcmode="lin" valueType="num">
+                                      <p:cBhvr additive="base">
+                                        <p:cTn id="97" dur="500" fill="hold"/>
+                                        <p:tgtEl>
+                                          <p:spTgt spid="44"/>
+                                        </p:tgtEl>
+                                        <p:attrNameLst>
+                                          <p:attrName>ppt_x</p:attrName>
+                                        </p:attrNameLst>
+                                      </p:cBhvr>
+                                      <p:tavLst>
+                                        <p:tav tm="0">
+                                          <p:val>
+                                            <p:strVal val="#ppt_x"/>
+                                          </p:val>
+                                        </p:tav>
+                                        <p:tav tm="100000">
+                                          <p:val>
+                                            <p:strVal val="#ppt_x"/>
+                                          </p:val>
+                                        </p:tav>
+                                      </p:tavLst>
+                                    </p:anim>
+                                    <p:anim calcmode="lin" valueType="num">
+                                      <p:cBhvr additive="base">
+                                        <p:cTn id="98" dur="500" fill="hold"/>
+                                        <p:tgtEl>
+                                          <p:spTgt spid="44"/>
+                                        </p:tgtEl>
+                                        <p:attrNameLst>
+                                          <p:attrName>ppt_y</p:attrName>
+                                        </p:attrNameLst>
+                                      </p:cBhvr>
+                                      <p:tavLst>
+                                        <p:tav tm="0">
+                                          <p:val>
+                                            <p:strVal val="1+#ppt_h/2"/>
+                                          </p:val>
+                                        </p:tav>
+                                        <p:tav tm="100000">
+                                          <p:val>
+                                            <p:strVal val="#ppt_y"/>
+                                          </p:val>
+                                        </p:tav>
+                                      </p:tavLst>
+                                    </p:anim>
+                                  </p:childTnLst>
+                                </p:cTn>
+                              </p:par>
+                              <p:par>
+                                <p:cTn id="99" presetID="2" presetClass="entr" presetSubtype="4" fill="hold" nodeType="withEffect">
+                                  <p:stCondLst>
+                                    <p:cond delay="0"/>
+                                  </p:stCondLst>
+                                  <p:childTnLst>
+                                    <p:set>
+                                      <p:cBhvr>
+                                        <p:cTn id="100" dur="1" fill="hold">
+                                          <p:stCondLst>
+                                            <p:cond delay="0"/>
+                                          </p:stCondLst>
+                                        </p:cTn>
+                                        <p:tgtEl>
+                                          <p:spTgt spid="46"/>
+                                        </p:tgtEl>
+                                        <p:attrNameLst>
+                                          <p:attrName>style.visibility</p:attrName>
+                                        </p:attrNameLst>
+                                      </p:cBhvr>
+                                      <p:to>
+                                        <p:strVal val="visible"/>
+                                      </p:to>
+                                    </p:set>
+                                    <p:anim calcmode="lin" valueType="num">
+                                      <p:cBhvr additive="base">
+                                        <p:cTn id="101" dur="500" fill="hold"/>
+                                        <p:tgtEl>
+                                          <p:spTgt spid="46"/>
+                                        </p:tgtEl>
+                                        <p:attrNameLst>
+                                          <p:attrName>ppt_x</p:attrName>
+                                        </p:attrNameLst>
+                                      </p:cBhvr>
+                                      <p:tavLst>
+                                        <p:tav tm="0">
+                                          <p:val>
+                                            <p:strVal val="#ppt_x"/>
+                                          </p:val>
+                                        </p:tav>
+                                        <p:tav tm="100000">
+                                          <p:val>
+                                            <p:strVal val="#ppt_x"/>
+                                          </p:val>
+                                        </p:tav>
+                                      </p:tavLst>
+                                    </p:anim>
+                                    <p:anim calcmode="lin" valueType="num">
+                                      <p:cBhvr additive="base">
+                                        <p:cTn id="102" dur="500" fill="hold"/>
+                                        <p:tgtEl>
+                                          <p:spTgt spid="46"/>
+                                        </p:tgtEl>
+                                        <p:attrNameLst>
+                                          <p:attrName>ppt_y</p:attrName>
+                                        </p:attrNameLst>
+                                      </p:cBhvr>
+                                      <p:tavLst>
+                                        <p:tav tm="0">
+                                          <p:val>
+                                            <p:strVal val="1+#ppt_h/2"/>
+                                          </p:val>
+                                        </p:tav>
+                                        <p:tav tm="100000">
+                                          <p:val>
+                                            <p:strVal val="#ppt_y"/>
+                                          </p:val>
+                                        </p:tav>
+                                      </p:tavLst>
+                                    </p:anim>
+                                  </p:childTnLst>
+                                </p:cTn>
+                              </p:par>
+                              <p:par>
+                                <p:cTn id="103" presetID="2" presetClass="entr" presetSubtype="4" fill="hold" nodeType="withEffect">
+                                  <p:stCondLst>
+                                    <p:cond delay="0"/>
+                                  </p:stCondLst>
+                                  <p:childTnLst>
+                                    <p:set>
+                                      <p:cBhvr>
+                                        <p:cTn id="104" dur="1" fill="hold">
+                                          <p:stCondLst>
+                                            <p:cond delay="0"/>
+                                          </p:stCondLst>
+                                        </p:cTn>
+                                        <p:tgtEl>
+                                          <p:spTgt spid="45"/>
+                                        </p:tgtEl>
+                                        <p:attrNameLst>
+                                          <p:attrName>style.visibility</p:attrName>
+                                        </p:attrNameLst>
+                                      </p:cBhvr>
+                                      <p:to>
+                                        <p:strVal val="visible"/>
+                                      </p:to>
+                                    </p:set>
+                                    <p:anim calcmode="lin" valueType="num">
+                                      <p:cBhvr additive="base">
+                                        <p:cTn id="105" dur="500" fill="hold"/>
+                                        <p:tgtEl>
+                                          <p:spTgt spid="45"/>
+                                        </p:tgtEl>
+                                        <p:attrNameLst>
+                                          <p:attrName>ppt_x</p:attrName>
+                                        </p:attrNameLst>
+                                      </p:cBhvr>
+                                      <p:tavLst>
+                                        <p:tav tm="0">
+                                          <p:val>
+                                            <p:strVal val="#ppt_x"/>
+                                          </p:val>
+                                        </p:tav>
+                                        <p:tav tm="100000">
+                                          <p:val>
+                                            <p:strVal val="#ppt_x"/>
+                                          </p:val>
+                                        </p:tav>
+                                      </p:tavLst>
+                                    </p:anim>
+                                    <p:anim calcmode="lin" valueType="num">
+                                      <p:cBhvr additive="base">
+                                        <p:cTn id="106" dur="500" fill="hold"/>
+                                        <p:tgtEl>
+                                          <p:spTgt spid="45"/>
+                                        </p:tgtEl>
+                                        <p:attrNameLst>
+                                          <p:attrName>ppt_y</p:attrName>
+                                        </p:attrNameLst>
+                                      </p:cBhvr>
+                                      <p:tavLst>
+                                        <p:tav tm="0">
+                                          <p:val>
+                                            <p:strVal val="1+#ppt_h/2"/>
+                                          </p:val>
+                                        </p:tav>
+                                        <p:tav tm="100000">
+                                          <p:val>
+                                            <p:strVal val="#ppt_y"/>
+                                          </p:val>
+                                        </p:tav>
+                                      </p:tavLst>
+                                    </p:anim>
+                                  </p:childTnLst>
+                                </p:cTn>
+                              </p:par>
+                              <p:par>
+                                <p:cTn id="107" presetID="2" presetClass="entr" presetSubtype="4" fill="hold" nodeType="withEffect">
+                                  <p:stCondLst>
+                                    <p:cond delay="0"/>
+                                  </p:stCondLst>
+                                  <p:childTnLst>
+                                    <p:set>
+                                      <p:cBhvr>
+                                        <p:cTn id="108" dur="1" fill="hold">
+                                          <p:stCondLst>
+                                            <p:cond delay="0"/>
+                                          </p:stCondLst>
+                                        </p:cTn>
+                                        <p:tgtEl>
+                                          <p:spTgt spid="50"/>
+                                        </p:tgtEl>
+                                        <p:attrNameLst>
+                                          <p:attrName>style.visibility</p:attrName>
+                                        </p:attrNameLst>
+                                      </p:cBhvr>
+                                      <p:to>
+                                        <p:strVal val="visible"/>
+                                      </p:to>
+                                    </p:set>
+                                    <p:anim calcmode="lin" valueType="num">
+                                      <p:cBhvr additive="base">
+                                        <p:cTn id="109" dur="500" fill="hold"/>
+                                        <p:tgtEl>
+                                          <p:spTgt spid="50"/>
+                                        </p:tgtEl>
+                                        <p:attrNameLst>
+                                          <p:attrName>ppt_x</p:attrName>
+                                        </p:attrNameLst>
+                                      </p:cBhvr>
+                                      <p:tavLst>
+                                        <p:tav tm="0">
+                                          <p:val>
+                                            <p:strVal val="#ppt_x"/>
+                                          </p:val>
+                                        </p:tav>
+                                        <p:tav tm="100000">
+                                          <p:val>
+                                            <p:strVal val="#ppt_x"/>
+                                          </p:val>
+                                        </p:tav>
+                                      </p:tavLst>
+                                    </p:anim>
+                                    <p:anim calcmode="lin" valueType="num">
+                                      <p:cBhvr additive="base">
+                                        <p:cTn id="110" dur="500" fill="hold"/>
+                                        <p:tgtEl>
+                                          <p:spTgt spid="50"/>
+                                        </p:tgtEl>
+                                        <p:attrNameLst>
+                                          <p:attrName>ppt_y</p:attrName>
+                                        </p:attrNameLst>
+                                      </p:cBhvr>
+                                      <p:tavLst>
+                                        <p:tav tm="0">
+                                          <p:val>
+                                            <p:strVal val="1+#ppt_h/2"/>
+                                          </p:val>
+                                        </p:tav>
+                                        <p:tav tm="100000">
+                                          <p:val>
+                                            <p:strVal val="#ppt_y"/>
+                                          </p:val>
+                                        </p:tav>
+                                      </p:tavLst>
+                                    </p:anim>
+                                  </p:childTnLst>
+                                </p:cTn>
+                              </p:par>
+                            </p:childTnLst>
+                          </p:cTn>
+                        </p:par>
+                      </p:childTnLst>
+                    </p:cTn>
+                  </p:par>
+                  <p:par>
+                    <p:cTn id="111" fill="hold">
+                      <p:stCondLst>
+                        <p:cond delay="indefinite"/>
+                      </p:stCondLst>
+                      <p:childTnLst>
+                        <p:par>
+                          <p:cTn id="112" fill="hold">
+                            <p:stCondLst>
+                              <p:cond delay="0"/>
+                            </p:stCondLst>
+                            <p:childTnLst>
+                              <p:par>
+                                <p:cTn id="113" presetID="2" presetClass="entr" presetSubtype="4" fill="hold" nodeType="clickEffect">
+                                  <p:stCondLst>
+                                    <p:cond delay="0"/>
+                                  </p:stCondLst>
+                                  <p:childTnLst>
+                                    <p:set>
+                                      <p:cBhvr>
+                                        <p:cTn id="114" dur="1" fill="hold">
+                                          <p:stCondLst>
+                                            <p:cond delay="0"/>
+                                          </p:stCondLst>
+                                        </p:cTn>
+                                        <p:tgtEl>
+                                          <p:spTgt spid="53"/>
+                                        </p:tgtEl>
+                                        <p:attrNameLst>
+                                          <p:attrName>style.visibility</p:attrName>
+                                        </p:attrNameLst>
+                                      </p:cBhvr>
+                                      <p:to>
+                                        <p:strVal val="visible"/>
+                                      </p:to>
+                                    </p:set>
+                                    <p:anim calcmode="lin" valueType="num">
+                                      <p:cBhvr additive="base">
+                                        <p:cTn id="115" dur="500" fill="hold"/>
+                                        <p:tgtEl>
+                                          <p:spTgt spid="53"/>
+                                        </p:tgtEl>
+                                        <p:attrNameLst>
+                                          <p:attrName>ppt_x</p:attrName>
+                                        </p:attrNameLst>
+                                      </p:cBhvr>
+                                      <p:tavLst>
+                                        <p:tav tm="0">
+                                          <p:val>
+                                            <p:strVal val="#ppt_x"/>
+                                          </p:val>
+                                        </p:tav>
+                                        <p:tav tm="100000">
+                                          <p:val>
+                                            <p:strVal val="#ppt_x"/>
+                                          </p:val>
+                                        </p:tav>
+                                      </p:tavLst>
+                                    </p:anim>
+                                    <p:anim calcmode="lin" valueType="num">
+                                      <p:cBhvr additive="base">
+                                        <p:cTn id="116" dur="500" fill="hold"/>
+                                        <p:tgtEl>
+                                          <p:spTgt spid="53"/>
+                                        </p:tgtEl>
+                                        <p:attrNameLst>
+                                          <p:attrName>ppt_y</p:attrName>
+                                        </p:attrNameLst>
+                                      </p:cBhvr>
+                                      <p:tavLst>
+                                        <p:tav tm="0">
+                                          <p:val>
+                                            <p:strVal val="1+#ppt_h/2"/>
+                                          </p:val>
+                                        </p:tav>
+                                        <p:tav tm="100000">
+                                          <p:val>
+                                            <p:strVal val="#ppt_y"/>
+                                          </p:val>
+                                        </p:tav>
+                                      </p:tavLst>
+                                    </p:anim>
+                                  </p:childTnLst>
+                                </p:cTn>
+                              </p:par>
+                            </p:childTnLst>
+                          </p:cTn>
+                        </p:par>
+                      </p:childTnLst>
+                    </p:cTn>
+                  </p:par>
+                </p:childTnLst>
+              </p:cTn>
+              <p:prevCondLst>
+                <p:cond evt="onPrev" delay="0">
+                  <p:tgtEl>
+                    <p:sldTgt/>
+                  </p:tgtEl>
+                </p:cond>
+              </p:prevCondLst>
+              <p:nextCondLst>
+                <p:cond evt="onNext" delay="0">
+                  <p:tgtEl>
+                    <p:sldTgt/>
+                  </p:tgtEl>
+                </p:cond>
+              </p:nextCondLst>
+            </p:seq>
+          </p:childTnLst>
+        </p:cTn>
+      </p:par>
+    </p:tnLst>
+    <p:bldLst>
+      <p:bldP spid="6" grpId="0" animBg="1"/>
+      <p:bldP spid="22" grpId="0" animBg="1"/>
+      <p:bldP spid="27" grpId="0"/>
+      <p:bldP spid="41" grpId="0"/>
+      <p:bldP spid="42" grpId="0"/>
+      <p:bldP spid="43" grpId="0"/>
+      <p:bldP spid="44" grpId="0" animBg="1"/>
+    </p:bldLst>
+  </p:timing>
+</p:sld>
+</file>
+
+<file path=ppt/slides/slide17.xml><?xml version="1.0" encoding="utf-8"?>
+<p:sld xmlns:a="http://schemas.openxmlformats.org/drawingml/2006/main" xmlns:r="http://schemas.openxmlformats.org/officeDocument/2006/relationships" xmlns:p="http://schemas.openxmlformats.org/presentationml/2006/main">
+  <p:cSld>
+    <p:spTree>
+      <p:nvGrpSpPr>
+        <p:cNvPr id="1" name=""/>
+        <p:cNvGrpSpPr/>
+        <p:nvPr/>
+      </p:nvGrpSpPr>
+      <p:grpSpPr>
+        <a:xfrm>
+          <a:off x="0" y="0"/>
+          <a:ext cx="0" cy="0"/>
+          <a:chOff x="0" y="0"/>
+          <a:chExt cx="0" cy="0"/>
+        </a:xfrm>
+      </p:grpSpPr>
+      <p:sp>
+        <p:nvSpPr>
+          <p:cNvPr id="2" name="Titolo 1">
+            <a:extLst>
+              <a:ext uri="{FF2B5EF4-FFF2-40B4-BE49-F238E27FC236}">
+                <a16:creationId xmlns:a16="http://schemas.microsoft.com/office/drawing/2014/main" id="{69136250-7EF5-8E1A-5E05-649B94DB2EB9}"/>
+              </a:ext>
+            </a:extLst>
+          </p:cNvPr>
+          <p:cNvSpPr>
+            <a:spLocks noGrp="1"/>
+          </p:cNvSpPr>
+          <p:nvPr>
+            <p:ph type="title"/>
+          </p:nvPr>
+        </p:nvSpPr>
+        <p:spPr/>
+        <p:txBody>
+          <a:bodyPr/>
+          <a:lstStyle/>
+          <a:p>
+            <a:r>
+              <a:rPr lang="it-IT" dirty="0"/>
+              <a:t>Progetto Logico</a:t>
+            </a:r>
+          </a:p>
+        </p:txBody>
+      </p:sp>
+      <p:sp>
+        <p:nvSpPr>
+          <p:cNvPr id="3" name="Segnaposto contenuto 2">
+            <a:extLst>
+              <a:ext uri="{FF2B5EF4-FFF2-40B4-BE49-F238E27FC236}">
+                <a16:creationId xmlns:a16="http://schemas.microsoft.com/office/drawing/2014/main" id="{5DD5BCBC-2782-50ED-CDE8-4F96EE79D7F2}"/>
+              </a:ext>
+            </a:extLst>
+          </p:cNvPr>
+          <p:cNvSpPr>
+            <a:spLocks noGrp="1"/>
+          </p:cNvSpPr>
+          <p:nvPr>
+            <p:ph idx="1"/>
+          </p:nvPr>
+        </p:nvSpPr>
+        <p:spPr/>
+        <p:txBody>
+          <a:bodyPr>
+            <a:normAutofit/>
+          </a:bodyPr>
+          <a:lstStyle/>
+          <a:p>
+            <a:pPr marL="0" indent="0">
+              <a:buNone/>
+            </a:pPr>
+            <a:r>
+              <a:rPr lang="it-IT" dirty="0"/>
+              <a:t>CLIENTE (</a:t>
+            </a:r>
+            <a:r>
+              <a:rPr lang="it-IT" u="sng" dirty="0"/>
+              <a:t>codice</a:t>
+            </a:r>
+            <a:r>
+              <a:rPr lang="it-IT" dirty="0"/>
+              <a:t>, nome, indirizzo, tipo, piva*, </a:t>
+            </a:r>
+            <a:r>
+              <a:rPr lang="it-IT" dirty="0" err="1"/>
+              <a:t>cf</a:t>
+            </a:r>
+            <a:r>
+              <a:rPr lang="it-IT" dirty="0"/>
+              <a:t>*)</a:t>
+            </a:r>
+          </a:p>
+          <a:p>
+            <a:pPr marL="0" indent="0">
+              <a:buNone/>
+            </a:pPr>
+            <a:r>
+              <a:rPr lang="it-IT" dirty="0"/>
+              <a:t>PIANTA (</a:t>
+            </a:r>
+            <a:r>
+              <a:rPr lang="it-IT" u="sng" dirty="0"/>
+              <a:t>codice</a:t>
+            </a:r>
+            <a:r>
+              <a:rPr lang="it-IT" dirty="0"/>
+              <a:t>, </a:t>
+            </a:r>
+            <a:r>
+              <a:rPr lang="it-IT" dirty="0" err="1"/>
+              <a:t>nomeLat</a:t>
+            </a:r>
+            <a:r>
+              <a:rPr lang="it-IT" dirty="0"/>
+              <a:t>, </a:t>
+            </a:r>
+            <a:r>
+              <a:rPr lang="it-IT" dirty="0" err="1"/>
+              <a:t>nomeCom</a:t>
+            </a:r>
+            <a:r>
+              <a:rPr lang="it-IT" dirty="0"/>
+              <a:t>, giardino, esotico, fiorita, </a:t>
+            </a:r>
+            <a:r>
+              <a:rPr lang="it-IT" dirty="0" err="1"/>
+              <a:t>FORNITORE:codice</a:t>
+            </a:r>
+            <a:r>
+              <a:rPr lang="it-IT" dirty="0"/>
+              <a:t>)</a:t>
+            </a:r>
+          </a:p>
+          <a:p>
+            <a:pPr marL="0" indent="0">
+              <a:buNone/>
+            </a:pPr>
+            <a:r>
+              <a:rPr lang="it-IT" dirty="0"/>
+              <a:t>FORNITORE (</a:t>
+            </a:r>
+            <a:r>
+              <a:rPr lang="it-IT" u="sng" dirty="0"/>
+              <a:t>codice</a:t>
+            </a:r>
+            <a:r>
+              <a:rPr lang="it-IT" dirty="0"/>
+              <a:t>, nome, </a:t>
+            </a:r>
+            <a:r>
+              <a:rPr lang="it-IT" dirty="0" err="1"/>
+              <a:t>cf</a:t>
+            </a:r>
+            <a:r>
+              <a:rPr lang="it-IT" dirty="0"/>
+              <a:t>, indirizzo)</a:t>
+            </a:r>
+          </a:p>
+          <a:p>
+            <a:pPr marL="0" indent="0">
+              <a:buNone/>
+            </a:pPr>
+            <a:r>
+              <a:rPr lang="it-IT" dirty="0"/>
+              <a:t>COLORAZIONE (</a:t>
+            </a:r>
+            <a:r>
+              <a:rPr lang="it-IT" u="sng" dirty="0"/>
+              <a:t>codice</a:t>
+            </a:r>
+            <a:r>
+              <a:rPr lang="it-IT" dirty="0"/>
+              <a:t>, nome)</a:t>
+            </a:r>
+          </a:p>
+          <a:p>
+            <a:pPr marL="0" indent="0">
+              <a:buNone/>
+            </a:pPr>
+            <a:r>
+              <a:rPr lang="it-IT" dirty="0"/>
+              <a:t>LISTINO (</a:t>
+            </a:r>
+            <a:r>
+              <a:rPr lang="it-IT" u="sng" dirty="0" err="1"/>
+              <a:t>data_inizio</a:t>
+            </a:r>
+            <a:r>
+              <a:rPr lang="it-IT" u="sng" dirty="0"/>
+              <a:t>, </a:t>
+            </a:r>
+            <a:r>
+              <a:rPr lang="it-IT" u="sng" dirty="0" err="1"/>
+              <a:t>PIANTA:codice</a:t>
+            </a:r>
+            <a:r>
+              <a:rPr lang="it-IT" dirty="0"/>
+              <a:t> ,prezzo, </a:t>
+            </a:r>
+            <a:r>
+              <a:rPr lang="it-IT" dirty="0" err="1"/>
+              <a:t>data_fine</a:t>
+            </a:r>
+            <a:r>
+              <a:rPr lang="it-IT" dirty="0"/>
+              <a:t>*)</a:t>
+            </a:r>
+          </a:p>
+          <a:p>
+            <a:pPr marL="0" indent="0">
+              <a:buNone/>
+            </a:pPr>
+            <a:r>
+              <a:rPr lang="it-IT" dirty="0"/>
+              <a:t>VENDITA (</a:t>
+            </a:r>
+            <a:r>
+              <a:rPr lang="it-IT" u="sng" dirty="0" err="1"/>
+              <a:t>PIANTA:codice</a:t>
+            </a:r>
+            <a:r>
+              <a:rPr lang="it-IT" u="sng" dirty="0"/>
+              <a:t>, </a:t>
+            </a:r>
+            <a:r>
+              <a:rPr lang="it-IT" u="sng" dirty="0" err="1"/>
+              <a:t>CLIENTE:codice</a:t>
+            </a:r>
+            <a:r>
+              <a:rPr lang="it-IT" u="sng" dirty="0"/>
+              <a:t>, data</a:t>
+            </a:r>
+            <a:r>
+              <a:rPr lang="it-IT" dirty="0"/>
+              <a:t>, quantità)</a:t>
+            </a:r>
+          </a:p>
+          <a:p>
+            <a:pPr marL="0" indent="0">
+              <a:buNone/>
+            </a:pPr>
+            <a:r>
+              <a:rPr lang="it-IT" dirty="0"/>
+              <a:t>PIANTA_COLORAZIONE(</a:t>
+            </a:r>
+            <a:r>
+              <a:rPr lang="it-IT" u="sng" dirty="0" err="1"/>
+              <a:t>PIANTA:codice</a:t>
+            </a:r>
+            <a:r>
+              <a:rPr lang="it-IT" u="sng" dirty="0"/>
+              <a:t>, </a:t>
+            </a:r>
+            <a:r>
+              <a:rPr lang="it-IT" u="sng" dirty="0" err="1"/>
+              <a:t>COLORAZIONE:codice</a:t>
+            </a:r>
+            <a:r>
+              <a:rPr lang="it-IT" dirty="0"/>
+              <a:t>)</a:t>
+            </a:r>
+          </a:p>
+          <a:p>
+            <a:pPr marL="0" indent="0">
+              <a:buNone/>
+            </a:pPr>
+            <a:endParaRPr lang="it-IT" dirty="0"/>
+          </a:p>
+          <a:p>
+            <a:pPr marL="514350" indent="-514350">
+              <a:buAutoNum type="arabicPlain" startAt="10"/>
+            </a:pPr>
+            <a:endParaRPr lang="it-IT" dirty="0"/>
+          </a:p>
+        </p:txBody>
+      </p:sp>
+    </p:spTree>
+    <p:extLst>
+      <p:ext uri="{BB962C8B-B14F-4D97-AF65-F5344CB8AC3E}">
+        <p14:creationId xmlns:p14="http://schemas.microsoft.com/office/powerpoint/2010/main" val="3150997227"/>
+      </p:ext>
+    </p:extLst>
+  </p:cSld>
+  <p:clrMapOvr>
+    <a:masterClrMapping/>
+  </p:clrMapOvr>
+</p:sld>
+</file>
+
+<file path=ppt/slides/slide18.xml><?xml version="1.0" encoding="utf-8"?>
+<p:sld xmlns:a="http://schemas.openxmlformats.org/drawingml/2006/main" xmlns:r="http://schemas.openxmlformats.org/officeDocument/2006/relationships" xmlns:p="http://schemas.openxmlformats.org/presentationml/2006/main">
+  <p:cSld>
+    <p:spTree>
+      <p:nvGrpSpPr>
+        <p:cNvPr id="1" name=""/>
+        <p:cNvGrpSpPr/>
+        <p:nvPr/>
+      </p:nvGrpSpPr>
+      <p:grpSpPr>
+        <a:xfrm>
+          <a:off x="0" y="0"/>
+          <a:ext cx="0" cy="0"/>
+          <a:chOff x="0" y="0"/>
+          <a:chExt cx="0" cy="0"/>
+        </a:xfrm>
+      </p:grpSpPr>
+      <p:sp>
+        <p:nvSpPr>
+          <p:cNvPr id="2" name="Titolo 1">
+            <a:extLst>
+              <a:ext uri="{FF2B5EF4-FFF2-40B4-BE49-F238E27FC236}">
+                <a16:creationId xmlns:a16="http://schemas.microsoft.com/office/drawing/2014/main" id="{53321FAF-DFE5-2778-AAE5-78BDE3B326B4}"/>
+              </a:ext>
+            </a:extLst>
+          </p:cNvPr>
+          <p:cNvSpPr>
+            <a:spLocks noGrp="1"/>
+          </p:cNvSpPr>
+          <p:nvPr>
+            <p:ph type="title"/>
+          </p:nvPr>
+        </p:nvSpPr>
+        <p:spPr/>
+        <p:txBody>
+          <a:bodyPr/>
+          <a:lstStyle/>
+          <a:p>
+            <a:r>
+              <a:rPr lang="it-IT" dirty="0"/>
+              <a:t>Esercizio – Noleggio di videocassette</a:t>
+            </a:r>
+          </a:p>
+        </p:txBody>
+      </p:sp>
+      <p:sp>
+        <p:nvSpPr>
+          <p:cNvPr id="3" name="Segnaposto contenuto 2">
+            <a:extLst>
+              <a:ext uri="{FF2B5EF4-FFF2-40B4-BE49-F238E27FC236}">
+                <a16:creationId xmlns:a16="http://schemas.microsoft.com/office/drawing/2014/main" id="{134E80CD-80DA-ED15-6001-394916877768}"/>
+              </a:ext>
+            </a:extLst>
+          </p:cNvPr>
+          <p:cNvSpPr>
+            <a:spLocks noGrp="1"/>
+          </p:cNvSpPr>
+          <p:nvPr>
+            <p:ph idx="1"/>
+          </p:nvPr>
+        </p:nvSpPr>
+        <p:spPr/>
+        <p:txBody>
+          <a:bodyPr>
+            <a:normAutofit fontScale="77500" lnSpcReduction="20000"/>
+          </a:bodyPr>
+          <a:lstStyle/>
+          <a:p>
+            <a:pPr marL="0" indent="0">
+              <a:buNone/>
+            </a:pPr>
+            <a:r>
+              <a:rPr lang="it-IT" dirty="0"/>
+              <a:t>Si vuole rappresentare una base dati per la gestione di una catena di centri di servizio per il noleggio delle videocassette, tenendo conto delle seguenti informazioni: </a:t>
+            </a:r>
+          </a:p>
+          <a:p>
+            <a:r>
+              <a:rPr lang="it-IT" dirty="0"/>
+              <a:t>Ogni centro di servizio è identificato attraverso un codice numerico univoco; inoltre viene riportato l’indirizzo del centro e il numero di telefono. </a:t>
+            </a:r>
+          </a:p>
+          <a:p>
+            <a:r>
+              <a:rPr lang="it-IT" dirty="0"/>
+              <a:t>La base dati contiene le informazioni relative a tutte le persone impiegate presso la catena. Per ciascun impiegato sono noti il codice fiscale, il nome, il titolo di studio e un recapito. Il codice fiscale permette di identificare univocamente l’impiegato all’interno della base dati. Gli impiegati possono essere spostati da un centro all’altro a seconda delle esigenze; si vuole pertanto tenere traccia di tutti gli intervalli di tempo in cui un impiegato ha prestato servizio presso un centro e della carica che ha rivestito in quel periodo (per esempio, cassiere o commesso). </a:t>
+            </a:r>
+          </a:p>
+          <a:p>
+            <a:r>
+              <a:rPr lang="it-IT" dirty="0"/>
+              <a:t>I film disponibili presso la catena sono identificati dal titolo e dal nome del regista; inoltre sono noti l’anno in cui il film è stato girato, l’elenco degli attori principali del film, il costo corrente di noleggio della videocassetta ed eventualmente i film disponibili presso la catena di cui il film in questione rappresenta la versione “remake”. </a:t>
+            </a:r>
+          </a:p>
+        </p:txBody>
+      </p:sp>
+    </p:spTree>
+    <p:extLst>
+      <p:ext uri="{BB962C8B-B14F-4D97-AF65-F5344CB8AC3E}">
+        <p14:creationId xmlns:p14="http://schemas.microsoft.com/office/powerpoint/2010/main" val="4234657358"/>
+      </p:ext>
+    </p:extLst>
+  </p:cSld>
+  <p:clrMapOvr>
+    <a:masterClrMapping/>
+  </p:clrMapOvr>
+</p:sld>
+</file>
+
+<file path=ppt/slides/slide19.xml><?xml version="1.0" encoding="utf-8"?>
+<p:sld xmlns:a="http://schemas.openxmlformats.org/drawingml/2006/main" xmlns:r="http://schemas.openxmlformats.org/officeDocument/2006/relationships" xmlns:p="http://schemas.openxmlformats.org/presentationml/2006/main">
+  <p:cSld>
+    <p:spTree>
+      <p:nvGrpSpPr>
+        <p:cNvPr id="1" name=""/>
+        <p:cNvGrpSpPr/>
+        <p:nvPr/>
+      </p:nvGrpSpPr>
+      <p:grpSpPr>
+        <a:xfrm>
+          <a:off x="0" y="0"/>
+          <a:ext cx="0" cy="0"/>
+          <a:chOff x="0" y="0"/>
+          <a:chExt cx="0" cy="0"/>
+        </a:xfrm>
+      </p:grpSpPr>
+      <p:sp>
+        <p:nvSpPr>
+          <p:cNvPr id="2" name="Titolo 1">
+            <a:extLst>
+              <a:ext uri="{FF2B5EF4-FFF2-40B4-BE49-F238E27FC236}">
+                <a16:creationId xmlns:a16="http://schemas.microsoft.com/office/drawing/2014/main" id="{7D75949C-1CA9-717B-54D4-1E78B41F8708}"/>
+              </a:ext>
+            </a:extLst>
+          </p:cNvPr>
+          <p:cNvSpPr>
+            <a:spLocks noGrp="1"/>
+          </p:cNvSpPr>
+          <p:nvPr>
+            <p:ph type="title"/>
+          </p:nvPr>
+        </p:nvSpPr>
+        <p:spPr/>
+        <p:txBody>
+          <a:bodyPr/>
+          <a:lstStyle/>
+          <a:p>
+            <a:r>
+              <a:rPr lang="it-IT" dirty="0"/>
+              <a:t>Esercizio – Noleggio di videocassette</a:t>
+            </a:r>
+          </a:p>
+        </p:txBody>
+      </p:sp>
+      <p:sp>
+        <p:nvSpPr>
+          <p:cNvPr id="3" name="Segnaposto contenuto 2">
+            <a:extLst>
+              <a:ext uri="{FF2B5EF4-FFF2-40B4-BE49-F238E27FC236}">
+                <a16:creationId xmlns:a16="http://schemas.microsoft.com/office/drawing/2014/main" id="{DF5D6609-8EF1-9106-2E56-41E79C80DBA6}"/>
+              </a:ext>
+            </a:extLst>
+          </p:cNvPr>
+          <p:cNvSpPr>
+            <a:spLocks noGrp="1"/>
+          </p:cNvSpPr>
+          <p:nvPr>
+            <p:ph idx="1"/>
+          </p:nvPr>
+        </p:nvSpPr>
+        <p:spPr/>
+        <p:txBody>
+          <a:bodyPr/>
+          <a:lstStyle/>
+          <a:p>
+            <a:r>
+              <a:rPr lang="it-IT" dirty="0"/>
+              <a:t>Per ogni film è nota la collocazione all’interno di ciascun centro di servizio. In particolare, sono noti il settore, la posizione all’interno del settore ed il numero di copie in cui il film è disponibile. Ciascun settore è identificato attraverso un codice numerico univoco all’interno del centro di servizi e dal codice del centro di servizio stesso. </a:t>
+            </a:r>
+          </a:p>
+          <a:p>
+            <a:r>
+              <a:rPr lang="it-IT" dirty="0"/>
+              <a:t>Per ogni film sono noti i centri di distribuzione da cui è fornito e il costo relativo. Tali centri di distribuzione sono caratterizzati dal nome del centro di distribuzione, da un recapito e sono identificati attraverso un codice numerico.</a:t>
+            </a:r>
+          </a:p>
+          <a:p>
+            <a:endParaRPr lang="it-IT" dirty="0"/>
+          </a:p>
+        </p:txBody>
+      </p:sp>
+    </p:spTree>
+    <p:extLst>
+      <p:ext uri="{BB962C8B-B14F-4D97-AF65-F5344CB8AC3E}">
+        <p14:creationId xmlns:p14="http://schemas.microsoft.com/office/powerpoint/2010/main" val="1218998577"/>
+      </p:ext>
+    </p:extLst>
+  </p:cSld>
+  <p:clrMapOvr>
+    <a:masterClrMapping/>
+  </p:clrMapOvr>
 </p:sld>
 </file>
 
